--- a/work/wk_1King16_29_34.pptx
+++ b/work/wk_1King16_29_34.pptx
@@ -5,21 +5,22 @@
     <p:sldMasterId id="2147483648" r:id="rId1"/>
   </p:sldMasterIdLst>
   <p:notesMasterIdLst>
-    <p:notesMasterId r:id="rId14"/>
+    <p:notesMasterId r:id="rId15"/>
   </p:notesMasterIdLst>
   <p:sldIdLst>
     <p:sldId id="256" r:id="rId2"/>
     <p:sldId id="1387" r:id="rId3"/>
-    <p:sldId id="1388" r:id="rId4"/>
-    <p:sldId id="1377" r:id="rId5"/>
-    <p:sldId id="1378" r:id="rId6"/>
-    <p:sldId id="1379" r:id="rId7"/>
-    <p:sldId id="1382" r:id="rId8"/>
-    <p:sldId id="1383" r:id="rId9"/>
-    <p:sldId id="1384" r:id="rId10"/>
-    <p:sldId id="1385" r:id="rId11"/>
-    <p:sldId id="1386" r:id="rId12"/>
-    <p:sldId id="1101" r:id="rId13"/>
+    <p:sldId id="1389" r:id="rId4"/>
+    <p:sldId id="1388" r:id="rId5"/>
+    <p:sldId id="1390" r:id="rId6"/>
+    <p:sldId id="1378" r:id="rId7"/>
+    <p:sldId id="1379" r:id="rId8"/>
+    <p:sldId id="1382" r:id="rId9"/>
+    <p:sldId id="1383" r:id="rId10"/>
+    <p:sldId id="1384" r:id="rId11"/>
+    <p:sldId id="1385" r:id="rId12"/>
+    <p:sldId id="1386" r:id="rId13"/>
+    <p:sldId id="1101" r:id="rId14"/>
   </p:sldIdLst>
   <p:sldSz cx="12192000" cy="6858000"/>
   <p:notesSz cx="6858000" cy="9144000"/>
@@ -628,7 +629,7 @@
     </p:spTree>
     <p:extLst>
       <p:ext uri="{BB962C8B-B14F-4D97-AF65-F5344CB8AC3E}">
-        <p14:creationId xmlns:p14="http://schemas.microsoft.com/office/powerpoint/2010/main" val="1806830909"/>
+        <p14:creationId xmlns:p14="http://schemas.microsoft.com/office/powerpoint/2010/main" val="939611136"/>
       </p:ext>
     </p:extLst>
   </p:cSld>
@@ -712,7 +713,7 @@
     </p:spTree>
     <p:extLst>
       <p:ext uri="{BB962C8B-B14F-4D97-AF65-F5344CB8AC3E}">
-        <p14:creationId xmlns:p14="http://schemas.microsoft.com/office/powerpoint/2010/main" val="2035596141"/>
+        <p14:creationId xmlns:p14="http://schemas.microsoft.com/office/powerpoint/2010/main" val="1806830909"/>
       </p:ext>
     </p:extLst>
   </p:cSld>
@@ -787,7 +788,7 @@
           <a:p>
             <a:fld id="{21B2AA4F-B828-4D7C-AFD3-893933DAFCB4}" type="slidenum">
               <a:rPr lang="en-US" smtClean="0"/>
-              <a:t>6</a:t>
+              <a:t>5</a:t>
             </a:fld>
             <a:endParaRPr lang="en-US"/>
           </a:p>
@@ -796,7 +797,7 @@
     </p:spTree>
     <p:extLst>
       <p:ext uri="{BB962C8B-B14F-4D97-AF65-F5344CB8AC3E}">
-        <p14:creationId xmlns:p14="http://schemas.microsoft.com/office/powerpoint/2010/main" val="1507293107"/>
+        <p14:creationId xmlns:p14="http://schemas.microsoft.com/office/powerpoint/2010/main" val="2236119113"/>
       </p:ext>
     </p:extLst>
   </p:cSld>
@@ -871,7 +872,7 @@
           <a:p>
             <a:fld id="{21B2AA4F-B828-4D7C-AFD3-893933DAFCB4}" type="slidenum">
               <a:rPr lang="en-US" smtClean="0"/>
-              <a:t>8</a:t>
+              <a:t>7</a:t>
             </a:fld>
             <a:endParaRPr lang="en-US"/>
           </a:p>
@@ -880,7 +881,7 @@
     </p:spTree>
     <p:extLst>
       <p:ext uri="{BB962C8B-B14F-4D97-AF65-F5344CB8AC3E}">
-        <p14:creationId xmlns:p14="http://schemas.microsoft.com/office/powerpoint/2010/main" val="3732942767"/>
+        <p14:creationId xmlns:p14="http://schemas.microsoft.com/office/powerpoint/2010/main" val="1507293107"/>
       </p:ext>
     </p:extLst>
   </p:cSld>
@@ -964,7 +965,7 @@
     </p:spTree>
     <p:extLst>
       <p:ext uri="{BB962C8B-B14F-4D97-AF65-F5344CB8AC3E}">
-        <p14:creationId xmlns:p14="http://schemas.microsoft.com/office/powerpoint/2010/main" val="3228017656"/>
+        <p14:creationId xmlns:p14="http://schemas.microsoft.com/office/powerpoint/2010/main" val="3732942767"/>
       </p:ext>
     </p:extLst>
   </p:cSld>
@@ -1048,7 +1049,7 @@
     </p:spTree>
     <p:extLst>
       <p:ext uri="{BB962C8B-B14F-4D97-AF65-F5344CB8AC3E}">
-        <p14:creationId xmlns:p14="http://schemas.microsoft.com/office/powerpoint/2010/main" val="3553311815"/>
+        <p14:creationId xmlns:p14="http://schemas.microsoft.com/office/powerpoint/2010/main" val="3228017656"/>
       </p:ext>
     </p:extLst>
   </p:cSld>
@@ -1124,6 +1125,90 @@
             <a:fld id="{21B2AA4F-B828-4D7C-AFD3-893933DAFCB4}" type="slidenum">
               <a:rPr lang="en-US" smtClean="0"/>
               <a:t>11</a:t>
+            </a:fld>
+            <a:endParaRPr lang="en-US"/>
+          </a:p>
+        </p:txBody>
+      </p:sp>
+    </p:spTree>
+    <p:extLst>
+      <p:ext uri="{BB962C8B-B14F-4D97-AF65-F5344CB8AC3E}">
+        <p14:creationId xmlns:p14="http://schemas.microsoft.com/office/powerpoint/2010/main" val="3553311815"/>
+      </p:ext>
+    </p:extLst>
+  </p:cSld>
+  <p:clrMapOvr>
+    <a:masterClrMapping/>
+  </p:clrMapOvr>
+</p:notes>
+</file>
+
+<file path=ppt/notesSlides/notesSlide9.xml><?xml version="1.0" encoding="utf-8"?>
+<p:notes xmlns:a="http://schemas.openxmlformats.org/drawingml/2006/main" xmlns:r="http://schemas.openxmlformats.org/officeDocument/2006/relationships" xmlns:p="http://schemas.openxmlformats.org/presentationml/2006/main">
+  <p:cSld>
+    <p:spTree>
+      <p:nvGrpSpPr>
+        <p:cNvPr id="1" name=""/>
+        <p:cNvGrpSpPr/>
+        <p:nvPr/>
+      </p:nvGrpSpPr>
+      <p:grpSpPr>
+        <a:xfrm>
+          <a:off x="0" y="0"/>
+          <a:ext cx="0" cy="0"/>
+          <a:chOff x="0" y="0"/>
+          <a:chExt cx="0" cy="0"/>
+        </a:xfrm>
+      </p:grpSpPr>
+      <p:sp>
+        <p:nvSpPr>
+          <p:cNvPr id="2" name="Slide Image Placeholder 1"/>
+          <p:cNvSpPr>
+            <a:spLocks noGrp="1" noRot="1" noChangeAspect="1"/>
+          </p:cNvSpPr>
+          <p:nvPr>
+            <p:ph type="sldImg"/>
+          </p:nvPr>
+        </p:nvSpPr>
+        <p:spPr/>
+      </p:sp>
+      <p:sp>
+        <p:nvSpPr>
+          <p:cNvPr id="3" name="Notes Placeholder 2"/>
+          <p:cNvSpPr>
+            <a:spLocks noGrp="1"/>
+          </p:cNvSpPr>
+          <p:nvPr>
+            <p:ph type="body" idx="1"/>
+          </p:nvPr>
+        </p:nvSpPr>
+        <p:spPr/>
+        <p:txBody>
+          <a:bodyPr/>
+          <a:lstStyle/>
+          <a:p>
+            <a:endParaRPr lang="en-US" dirty="0"/>
+          </a:p>
+        </p:txBody>
+      </p:sp>
+      <p:sp>
+        <p:nvSpPr>
+          <p:cNvPr id="4" name="Slide Number Placeholder 3"/>
+          <p:cNvSpPr>
+            <a:spLocks noGrp="1"/>
+          </p:cNvSpPr>
+          <p:nvPr>
+            <p:ph type="sldNum" sz="quarter" idx="5"/>
+          </p:nvPr>
+        </p:nvSpPr>
+        <p:spPr/>
+        <p:txBody>
+          <a:bodyPr/>
+          <a:lstStyle/>
+          <a:p>
+            <a:fld id="{21B2AA4F-B828-4D7C-AFD3-893933DAFCB4}" type="slidenum">
+              <a:rPr lang="en-US" smtClean="0"/>
+              <a:t>12</a:t>
             </a:fld>
             <a:endParaRPr lang="en-US"/>
           </a:p>
@@ -4639,7 +4724,7 @@
                 </a:solidFill>
                 <a:sym typeface="+mn-ea"/>
               </a:rPr>
-              <a:t>Pray: Don’t Do Evil in the Eyes of the Lord</a:t>
+              <a:t>Don’t Live in Comfort Zone</a:t>
             </a:r>
             <a:endParaRPr lang="zh-CN" altLang="en-US" sz="3200" dirty="0">
               <a:solidFill>
@@ -4667,7 +4752,7 @@
         <p:spPr>
           <a:xfrm>
             <a:off x="351817" y="1128409"/>
-            <a:ext cx="11488366" cy="1896894"/>
+            <a:ext cx="11488366" cy="4328808"/>
           </a:xfrm>
           <a:prstGeom prst="rect">
             <a:avLst/>
@@ -4821,27 +4906,40 @@
           </a:lstStyle>
           <a:p>
             <a:r>
+              <a:rPr lang="en-US" altLang="zh-CN" sz="3200" dirty="0">
+                <a:sym typeface="+mn-ea"/>
+              </a:rPr>
+              <a:t>“</a:t>
+            </a:r>
+            <a:r>
               <a:rPr lang="zh-CN" altLang="en-US" sz="3200" dirty="0">
                 <a:sym typeface="+mn-ea"/>
               </a:rPr>
-              <a:t>我们在天上的父、愿人都尊你的名为圣。</a:t>
-            </a:r>
-            <a:endParaRPr lang="en-US" altLang="zh-CN" sz="3200" dirty="0">
-              <a:sym typeface="+mn-ea"/>
-            </a:endParaRPr>
-          </a:p>
-          <a:p>
+              <a:t>所以你们要</a:t>
+            </a:r>
+            <a:r>
+              <a:rPr lang="zh-CN" altLang="en-US" sz="3200" b="1" i="1" dirty="0">
+                <a:sym typeface="+mn-ea"/>
+              </a:rPr>
+              <a:t>去</a:t>
+            </a:r>
             <a:r>
               <a:rPr lang="zh-CN" altLang="en-US" sz="3200" dirty="0">
                 <a:sym typeface="+mn-ea"/>
               </a:rPr>
-              <a:t>愿你的国降临。愿你的旨意行在地上、如同行在天上</a:t>
+              <a:t>、使万民作我的门徒、奉父子圣灵的名、给他们施洗</a:t>
+            </a:r>
+            <a:r>
+              <a:rPr lang="ja-JP" altLang="en-US" sz="3200">
+                <a:sym typeface="+mn-ea"/>
+              </a:rPr>
+              <a:t>凡我所吩咐你们的、都教训他们遵守我就常与你们同在、直到世界的末了。</a:t>
             </a:r>
             <a:r>
               <a:rPr lang="en-US" altLang="zh-CN" sz="3200" dirty="0">
                 <a:sym typeface="+mn-ea"/>
               </a:rPr>
-              <a:t>.</a:t>
+              <a:t>”</a:t>
             </a:r>
           </a:p>
           <a:p>
@@ -4852,7 +4950,79 @@
                 </a:solidFill>
                 <a:sym typeface="+mn-ea"/>
               </a:rPr>
-              <a:t>Father in heaven, hallowed be your name, your kingdom come, your will be done on earth as it is in heaven</a:t>
+              <a:t>"Therefore </a:t>
+            </a:r>
+            <a:r>
+              <a:rPr lang="en-US" altLang="zh-CN" sz="3200" b="1" u="sng" dirty="0">
+                <a:solidFill>
+                  <a:schemeClr val="accent2"/>
+                </a:solidFill>
+                <a:sym typeface="+mn-ea"/>
+              </a:rPr>
+              <a:t>go</a:t>
+            </a:r>
+            <a:r>
+              <a:rPr lang="en-US" altLang="zh-CN" sz="3200" dirty="0">
+                <a:solidFill>
+                  <a:schemeClr val="accent2"/>
+                </a:solidFill>
+                <a:sym typeface="+mn-ea"/>
+              </a:rPr>
+              <a:t> and </a:t>
+            </a:r>
+            <a:r>
+              <a:rPr lang="en-US" altLang="zh-CN" sz="3200" b="1" u="sng" dirty="0">
+                <a:solidFill>
+                  <a:schemeClr val="accent2"/>
+                </a:solidFill>
+                <a:sym typeface="+mn-ea"/>
+              </a:rPr>
+              <a:t>make</a:t>
+            </a:r>
+            <a:r>
+              <a:rPr lang="en-US" altLang="zh-CN" sz="3200" dirty="0">
+                <a:solidFill>
+                  <a:schemeClr val="accent2"/>
+                </a:solidFill>
+                <a:sym typeface="+mn-ea"/>
+              </a:rPr>
+              <a:t> disciples of all nations, </a:t>
+            </a:r>
+            <a:r>
+              <a:rPr lang="en-US" altLang="zh-CN" sz="3200" b="1" u="sng" dirty="0">
+                <a:solidFill>
+                  <a:schemeClr val="accent2"/>
+                </a:solidFill>
+                <a:sym typeface="+mn-ea"/>
+              </a:rPr>
+              <a:t>baptizing</a:t>
+            </a:r>
+            <a:r>
+              <a:rPr lang="en-US" altLang="zh-CN" sz="3200" dirty="0">
+                <a:solidFill>
+                  <a:schemeClr val="accent2"/>
+                </a:solidFill>
+                <a:sym typeface="+mn-ea"/>
+              </a:rPr>
+              <a:t> them in the name of the Father and of the Son and of the Holy Spirit, and </a:t>
+            </a:r>
+            <a:r>
+              <a:rPr lang="en-US" altLang="zh-CN" sz="3200" b="1" u="sng" dirty="0">
+                <a:solidFill>
+                  <a:schemeClr val="accent2"/>
+                </a:solidFill>
+                <a:sym typeface="+mn-ea"/>
+              </a:rPr>
+              <a:t>teaching</a:t>
+            </a:r>
+            <a:r>
+              <a:rPr lang="en-US" altLang="zh-CN" sz="3200" dirty="0">
+                <a:solidFill>
+                  <a:schemeClr val="accent2"/>
+                </a:solidFill>
+                <a:sym typeface="+mn-ea"/>
+              </a:rPr>
+              <a:t> them to obey everything I have commanded you. And surely I am with you always, to the very end of the age." (Mat28:19-20 NIV). (G.M.B.T.)</a:t>
             </a:r>
             <a:endParaRPr lang="zh-CN" altLang="en-US" sz="3200" dirty="0">
               <a:solidFill>
@@ -4863,228 +5033,10 @@
           </a:p>
         </p:txBody>
       </p:sp>
-      <p:sp>
-        <p:nvSpPr>
-          <p:cNvPr id="3" name="Title 1">
-            <a:extLst>
-              <a:ext uri="{FF2B5EF4-FFF2-40B4-BE49-F238E27FC236}">
-                <a16:creationId xmlns:a16="http://schemas.microsoft.com/office/drawing/2014/main" id="{504C4F0A-766F-77BD-804C-FEB2C1BAB6D8}"/>
-              </a:ext>
-            </a:extLst>
-          </p:cNvPr>
-          <p:cNvSpPr txBox="1">
-            <a:spLocks/>
-          </p:cNvSpPr>
-          <p:nvPr/>
-        </p:nvSpPr>
-        <p:spPr>
-          <a:xfrm>
-            <a:off x="351817" y="3127439"/>
-            <a:ext cx="11488366" cy="3176084"/>
-          </a:xfrm>
-          <a:prstGeom prst="rect">
-            <a:avLst/>
-          </a:prstGeom>
-          <a:noFill/>
-          <a:ln w="9525">
-            <a:solidFill>
-              <a:schemeClr val="bg2"/>
-            </a:solidFill>
-          </a:ln>
-        </p:spPr>
-        <p:txBody>
-          <a:bodyPr anchor="ctr" anchorCtr="0"/>
-          <a:lstStyle>
-            <a:lvl1pPr algn="l" rtl="0" fontAlgn="base">
-              <a:spcBef>
-                <a:spcPct val="0"/>
-              </a:spcBef>
-              <a:spcAft>
-                <a:spcPct val="0"/>
-              </a:spcAft>
-              <a:defRPr sz="3600" kern="1200">
-                <a:solidFill>
-                  <a:schemeClr val="tx1"/>
-                </a:solidFill>
-                <a:latin typeface="+mj-lt"/>
-                <a:ea typeface="+mj-ea"/>
-                <a:cs typeface="+mj-cs"/>
-              </a:defRPr>
-            </a:lvl1pPr>
-            <a:lvl2pPr algn="l" rtl="0" fontAlgn="base">
-              <a:spcBef>
-                <a:spcPct val="0"/>
-              </a:spcBef>
-              <a:spcAft>
-                <a:spcPct val="0"/>
-              </a:spcAft>
-              <a:defRPr sz="3600">
-                <a:solidFill>
-                  <a:schemeClr val="tx1"/>
-                </a:solidFill>
-                <a:latin typeface="Arial" panose="020B0604020202020204" pitchFamily="34" charset="0"/>
-                <a:ea typeface="SimSun" panose="02010600030101010101" pitchFamily="2" charset="-122"/>
-              </a:defRPr>
-            </a:lvl2pPr>
-            <a:lvl3pPr algn="l" rtl="0" fontAlgn="base">
-              <a:spcBef>
-                <a:spcPct val="0"/>
-              </a:spcBef>
-              <a:spcAft>
-                <a:spcPct val="0"/>
-              </a:spcAft>
-              <a:defRPr sz="3600">
-                <a:solidFill>
-                  <a:schemeClr val="tx1"/>
-                </a:solidFill>
-                <a:latin typeface="Arial" panose="020B0604020202020204" pitchFamily="34" charset="0"/>
-                <a:ea typeface="SimSun" panose="02010600030101010101" pitchFamily="2" charset="-122"/>
-              </a:defRPr>
-            </a:lvl3pPr>
-            <a:lvl4pPr algn="l" rtl="0" fontAlgn="base">
-              <a:spcBef>
-                <a:spcPct val="0"/>
-              </a:spcBef>
-              <a:spcAft>
-                <a:spcPct val="0"/>
-              </a:spcAft>
-              <a:defRPr sz="3600">
-                <a:solidFill>
-                  <a:schemeClr val="tx1"/>
-                </a:solidFill>
-                <a:latin typeface="Arial" panose="020B0604020202020204" pitchFamily="34" charset="0"/>
-                <a:ea typeface="SimSun" panose="02010600030101010101" pitchFamily="2" charset="-122"/>
-              </a:defRPr>
-            </a:lvl4pPr>
-            <a:lvl5pPr algn="l" rtl="0" fontAlgn="base">
-              <a:spcBef>
-                <a:spcPct val="0"/>
-              </a:spcBef>
-              <a:spcAft>
-                <a:spcPct val="0"/>
-              </a:spcAft>
-              <a:defRPr sz="3600">
-                <a:solidFill>
-                  <a:schemeClr val="tx1"/>
-                </a:solidFill>
-                <a:latin typeface="Arial" panose="020B0604020202020204" pitchFamily="34" charset="0"/>
-                <a:ea typeface="SimSun" panose="02010600030101010101" pitchFamily="2" charset="-122"/>
-              </a:defRPr>
-            </a:lvl5pPr>
-            <a:lvl6pPr marL="457200" algn="l" rtl="0" fontAlgn="base">
-              <a:spcBef>
-                <a:spcPct val="0"/>
-              </a:spcBef>
-              <a:spcAft>
-                <a:spcPct val="0"/>
-              </a:spcAft>
-              <a:defRPr sz="3600">
-                <a:solidFill>
-                  <a:schemeClr val="tx1"/>
-                </a:solidFill>
-                <a:latin typeface="Arial" panose="020B0604020202020204" pitchFamily="34" charset="0"/>
-                <a:ea typeface="SimSun" panose="02010600030101010101" pitchFamily="2" charset="-122"/>
-              </a:defRPr>
-            </a:lvl6pPr>
-            <a:lvl7pPr marL="914400" algn="l" rtl="0" fontAlgn="base">
-              <a:spcBef>
-                <a:spcPct val="0"/>
-              </a:spcBef>
-              <a:spcAft>
-                <a:spcPct val="0"/>
-              </a:spcAft>
-              <a:defRPr sz="3600">
-                <a:solidFill>
-                  <a:schemeClr val="tx1"/>
-                </a:solidFill>
-                <a:latin typeface="Arial" panose="020B0604020202020204" pitchFamily="34" charset="0"/>
-                <a:ea typeface="SimSun" panose="02010600030101010101" pitchFamily="2" charset="-122"/>
-              </a:defRPr>
-            </a:lvl7pPr>
-            <a:lvl8pPr marL="1371600" algn="l" rtl="0" fontAlgn="base">
-              <a:spcBef>
-                <a:spcPct val="0"/>
-              </a:spcBef>
-              <a:spcAft>
-                <a:spcPct val="0"/>
-              </a:spcAft>
-              <a:defRPr sz="3600">
-                <a:solidFill>
-                  <a:schemeClr val="tx1"/>
-                </a:solidFill>
-                <a:latin typeface="Arial" panose="020B0604020202020204" pitchFamily="34" charset="0"/>
-                <a:ea typeface="SimSun" panose="02010600030101010101" pitchFamily="2" charset="-122"/>
-              </a:defRPr>
-            </a:lvl8pPr>
-            <a:lvl9pPr marL="1828800" algn="l" rtl="0" fontAlgn="base">
-              <a:spcBef>
-                <a:spcPct val="0"/>
-              </a:spcBef>
-              <a:spcAft>
-                <a:spcPct val="0"/>
-              </a:spcAft>
-              <a:defRPr sz="3600">
-                <a:solidFill>
-                  <a:schemeClr val="tx1"/>
-                </a:solidFill>
-                <a:latin typeface="Arial" panose="020B0604020202020204" pitchFamily="34" charset="0"/>
-                <a:ea typeface="SimSun" panose="02010600030101010101" pitchFamily="2" charset="-122"/>
-              </a:defRPr>
-            </a:lvl9pPr>
-          </a:lstStyle>
-          <a:p>
-            <a:r>
-              <a:rPr lang="ja-JP" altLang="en-US" sz="3200">
-                <a:sym typeface="+mn-ea"/>
-              </a:rPr>
-              <a:t>求你看顾保守教会牧师弟兄。不要叫我们遇见试探。救我们脱离凶恶。</a:t>
-            </a:r>
-            <a:endParaRPr lang="en-US" altLang="ja-JP" sz="3200" dirty="0">
-              <a:sym typeface="+mn-ea"/>
-            </a:endParaRPr>
-          </a:p>
-          <a:p>
-            <a:r>
-              <a:rPr lang="en-US" altLang="zh-CN" sz="3200" dirty="0">
-                <a:solidFill>
-                  <a:schemeClr val="accent2"/>
-                </a:solidFill>
-                <a:sym typeface="+mn-ea"/>
-              </a:rPr>
-              <a:t>Please watch over and protect the pastors and brothers in the church. Do not lead us into temptation. Deliver us from evil.</a:t>
-            </a:r>
-          </a:p>
-          <a:p>
-            <a:r>
-              <a:rPr lang="ja-JP" altLang="en-US" sz="3200">
-                <a:sym typeface="+mn-ea"/>
-              </a:rPr>
-              <a:t>兴旺福音和教会</a:t>
-            </a:r>
-            <a:r>
-              <a:rPr lang="en-US" altLang="ja-JP" sz="3200" dirty="0">
-                <a:sym typeface="+mn-ea"/>
-              </a:rPr>
-              <a:t>.</a:t>
-            </a:r>
-          </a:p>
-          <a:p>
-            <a:r>
-              <a:rPr lang="en-US" altLang="zh-CN" sz="3200" dirty="0">
-                <a:solidFill>
-                  <a:schemeClr val="accent2"/>
-                </a:solidFill>
-                <a:sym typeface="+mn-ea"/>
-              </a:rPr>
-              <a:t>Thriving gospel and church.</a:t>
-            </a:r>
-          </a:p>
-        </p:txBody>
-      </p:sp>
     </p:spTree>
     <p:extLst>
       <p:ext uri="{BB962C8B-B14F-4D97-AF65-F5344CB8AC3E}">
-        <p14:creationId xmlns:p14="http://schemas.microsoft.com/office/powerpoint/2010/main" val="4201318862"/>
+        <p14:creationId xmlns:p14="http://schemas.microsoft.com/office/powerpoint/2010/main" val="3265053072"/>
       </p:ext>
     </p:extLst>
   </p:cSld>
@@ -5156,6 +5108,510 @@
       </p:sp>
       <p:sp>
         <p:nvSpPr>
+          <p:cNvPr id="6" name="Title 1">
+            <a:extLst>
+              <a:ext uri="{FF2B5EF4-FFF2-40B4-BE49-F238E27FC236}">
+                <a16:creationId xmlns:a16="http://schemas.microsoft.com/office/drawing/2014/main" id="{9775AB54-DC47-878D-94A2-289C045F59B6}"/>
+              </a:ext>
+            </a:extLst>
+          </p:cNvPr>
+          <p:cNvSpPr txBox="1">
+            <a:spLocks/>
+          </p:cNvSpPr>
+          <p:nvPr/>
+        </p:nvSpPr>
+        <p:spPr>
+          <a:xfrm>
+            <a:off x="351817" y="1128409"/>
+            <a:ext cx="11488366" cy="1896894"/>
+          </a:xfrm>
+          <a:prstGeom prst="rect">
+            <a:avLst/>
+          </a:prstGeom>
+          <a:noFill/>
+          <a:ln w="9525">
+            <a:solidFill>
+              <a:schemeClr val="bg2"/>
+            </a:solidFill>
+          </a:ln>
+        </p:spPr>
+        <p:txBody>
+          <a:bodyPr anchor="ctr" anchorCtr="0"/>
+          <a:lstStyle>
+            <a:lvl1pPr algn="l" rtl="0" fontAlgn="base">
+              <a:spcBef>
+                <a:spcPct val="0"/>
+              </a:spcBef>
+              <a:spcAft>
+                <a:spcPct val="0"/>
+              </a:spcAft>
+              <a:defRPr sz="3600" kern="1200">
+                <a:solidFill>
+                  <a:schemeClr val="tx1"/>
+                </a:solidFill>
+                <a:latin typeface="+mj-lt"/>
+                <a:ea typeface="+mj-ea"/>
+                <a:cs typeface="+mj-cs"/>
+              </a:defRPr>
+            </a:lvl1pPr>
+            <a:lvl2pPr algn="l" rtl="0" fontAlgn="base">
+              <a:spcBef>
+                <a:spcPct val="0"/>
+              </a:spcBef>
+              <a:spcAft>
+                <a:spcPct val="0"/>
+              </a:spcAft>
+              <a:defRPr sz="3600">
+                <a:solidFill>
+                  <a:schemeClr val="tx1"/>
+                </a:solidFill>
+                <a:latin typeface="Arial" panose="020B0604020202020204" pitchFamily="34" charset="0"/>
+                <a:ea typeface="SimSun" panose="02010600030101010101" pitchFamily="2" charset="-122"/>
+              </a:defRPr>
+            </a:lvl2pPr>
+            <a:lvl3pPr algn="l" rtl="0" fontAlgn="base">
+              <a:spcBef>
+                <a:spcPct val="0"/>
+              </a:spcBef>
+              <a:spcAft>
+                <a:spcPct val="0"/>
+              </a:spcAft>
+              <a:defRPr sz="3600">
+                <a:solidFill>
+                  <a:schemeClr val="tx1"/>
+                </a:solidFill>
+                <a:latin typeface="Arial" panose="020B0604020202020204" pitchFamily="34" charset="0"/>
+                <a:ea typeface="SimSun" panose="02010600030101010101" pitchFamily="2" charset="-122"/>
+              </a:defRPr>
+            </a:lvl3pPr>
+            <a:lvl4pPr algn="l" rtl="0" fontAlgn="base">
+              <a:spcBef>
+                <a:spcPct val="0"/>
+              </a:spcBef>
+              <a:spcAft>
+                <a:spcPct val="0"/>
+              </a:spcAft>
+              <a:defRPr sz="3600">
+                <a:solidFill>
+                  <a:schemeClr val="tx1"/>
+                </a:solidFill>
+                <a:latin typeface="Arial" panose="020B0604020202020204" pitchFamily="34" charset="0"/>
+                <a:ea typeface="SimSun" panose="02010600030101010101" pitchFamily="2" charset="-122"/>
+              </a:defRPr>
+            </a:lvl4pPr>
+            <a:lvl5pPr algn="l" rtl="0" fontAlgn="base">
+              <a:spcBef>
+                <a:spcPct val="0"/>
+              </a:spcBef>
+              <a:spcAft>
+                <a:spcPct val="0"/>
+              </a:spcAft>
+              <a:defRPr sz="3600">
+                <a:solidFill>
+                  <a:schemeClr val="tx1"/>
+                </a:solidFill>
+                <a:latin typeface="Arial" panose="020B0604020202020204" pitchFamily="34" charset="0"/>
+                <a:ea typeface="SimSun" panose="02010600030101010101" pitchFamily="2" charset="-122"/>
+              </a:defRPr>
+            </a:lvl5pPr>
+            <a:lvl6pPr marL="457200" algn="l" rtl="0" fontAlgn="base">
+              <a:spcBef>
+                <a:spcPct val="0"/>
+              </a:spcBef>
+              <a:spcAft>
+                <a:spcPct val="0"/>
+              </a:spcAft>
+              <a:defRPr sz="3600">
+                <a:solidFill>
+                  <a:schemeClr val="tx1"/>
+                </a:solidFill>
+                <a:latin typeface="Arial" panose="020B0604020202020204" pitchFamily="34" charset="0"/>
+                <a:ea typeface="SimSun" panose="02010600030101010101" pitchFamily="2" charset="-122"/>
+              </a:defRPr>
+            </a:lvl6pPr>
+            <a:lvl7pPr marL="914400" algn="l" rtl="0" fontAlgn="base">
+              <a:spcBef>
+                <a:spcPct val="0"/>
+              </a:spcBef>
+              <a:spcAft>
+                <a:spcPct val="0"/>
+              </a:spcAft>
+              <a:defRPr sz="3600">
+                <a:solidFill>
+                  <a:schemeClr val="tx1"/>
+                </a:solidFill>
+                <a:latin typeface="Arial" panose="020B0604020202020204" pitchFamily="34" charset="0"/>
+                <a:ea typeface="SimSun" panose="02010600030101010101" pitchFamily="2" charset="-122"/>
+              </a:defRPr>
+            </a:lvl7pPr>
+            <a:lvl8pPr marL="1371600" algn="l" rtl="0" fontAlgn="base">
+              <a:spcBef>
+                <a:spcPct val="0"/>
+              </a:spcBef>
+              <a:spcAft>
+                <a:spcPct val="0"/>
+              </a:spcAft>
+              <a:defRPr sz="3600">
+                <a:solidFill>
+                  <a:schemeClr val="tx1"/>
+                </a:solidFill>
+                <a:latin typeface="Arial" panose="020B0604020202020204" pitchFamily="34" charset="0"/>
+                <a:ea typeface="SimSun" panose="02010600030101010101" pitchFamily="2" charset="-122"/>
+              </a:defRPr>
+            </a:lvl8pPr>
+            <a:lvl9pPr marL="1828800" algn="l" rtl="0" fontAlgn="base">
+              <a:spcBef>
+                <a:spcPct val="0"/>
+              </a:spcBef>
+              <a:spcAft>
+                <a:spcPct val="0"/>
+              </a:spcAft>
+              <a:defRPr sz="3600">
+                <a:solidFill>
+                  <a:schemeClr val="tx1"/>
+                </a:solidFill>
+                <a:latin typeface="Arial" panose="020B0604020202020204" pitchFamily="34" charset="0"/>
+                <a:ea typeface="SimSun" panose="02010600030101010101" pitchFamily="2" charset="-122"/>
+              </a:defRPr>
+            </a:lvl9pPr>
+          </a:lstStyle>
+          <a:p>
+            <a:r>
+              <a:rPr lang="zh-CN" altLang="en-US" sz="3200" dirty="0">
+                <a:sym typeface="+mn-ea"/>
+              </a:rPr>
+              <a:t>我们在天上的父、愿人都尊你的名为圣。</a:t>
+            </a:r>
+            <a:endParaRPr lang="en-US" altLang="zh-CN" sz="3200" dirty="0">
+              <a:sym typeface="+mn-ea"/>
+            </a:endParaRPr>
+          </a:p>
+          <a:p>
+            <a:r>
+              <a:rPr lang="zh-CN" altLang="en-US" sz="3200" dirty="0">
+                <a:sym typeface="+mn-ea"/>
+              </a:rPr>
+              <a:t>愿你的国降临。愿你的旨意行在地上、如同行在天上</a:t>
+            </a:r>
+            <a:r>
+              <a:rPr lang="en-US" altLang="zh-CN" sz="3200" dirty="0">
+                <a:sym typeface="+mn-ea"/>
+              </a:rPr>
+              <a:t>.</a:t>
+            </a:r>
+          </a:p>
+          <a:p>
+            <a:r>
+              <a:rPr lang="en-US" altLang="zh-CN" sz="3200" dirty="0">
+                <a:solidFill>
+                  <a:schemeClr val="accent2"/>
+                </a:solidFill>
+                <a:sym typeface="+mn-ea"/>
+              </a:rPr>
+              <a:t>Father in heaven, hallowed be your name, your kingdom come, your will be done on earth as it is in heaven</a:t>
+            </a:r>
+            <a:endParaRPr lang="zh-CN" altLang="en-US" sz="3200" dirty="0">
+              <a:solidFill>
+                <a:schemeClr val="accent2"/>
+              </a:solidFill>
+              <a:sym typeface="+mn-ea"/>
+            </a:endParaRPr>
+          </a:p>
+        </p:txBody>
+      </p:sp>
+      <p:sp>
+        <p:nvSpPr>
+          <p:cNvPr id="3" name="Title 1">
+            <a:extLst>
+              <a:ext uri="{FF2B5EF4-FFF2-40B4-BE49-F238E27FC236}">
+                <a16:creationId xmlns:a16="http://schemas.microsoft.com/office/drawing/2014/main" id="{504C4F0A-766F-77BD-804C-FEB2C1BAB6D8}"/>
+              </a:ext>
+            </a:extLst>
+          </p:cNvPr>
+          <p:cNvSpPr txBox="1">
+            <a:spLocks/>
+          </p:cNvSpPr>
+          <p:nvPr/>
+        </p:nvSpPr>
+        <p:spPr>
+          <a:xfrm>
+            <a:off x="351817" y="3127439"/>
+            <a:ext cx="11488366" cy="3176084"/>
+          </a:xfrm>
+          <a:prstGeom prst="rect">
+            <a:avLst/>
+          </a:prstGeom>
+          <a:noFill/>
+          <a:ln w="9525">
+            <a:solidFill>
+              <a:schemeClr val="bg2"/>
+            </a:solidFill>
+          </a:ln>
+        </p:spPr>
+        <p:txBody>
+          <a:bodyPr anchor="ctr" anchorCtr="0"/>
+          <a:lstStyle>
+            <a:lvl1pPr algn="l" rtl="0" fontAlgn="base">
+              <a:spcBef>
+                <a:spcPct val="0"/>
+              </a:spcBef>
+              <a:spcAft>
+                <a:spcPct val="0"/>
+              </a:spcAft>
+              <a:defRPr sz="3600" kern="1200">
+                <a:solidFill>
+                  <a:schemeClr val="tx1"/>
+                </a:solidFill>
+                <a:latin typeface="+mj-lt"/>
+                <a:ea typeface="+mj-ea"/>
+                <a:cs typeface="+mj-cs"/>
+              </a:defRPr>
+            </a:lvl1pPr>
+            <a:lvl2pPr algn="l" rtl="0" fontAlgn="base">
+              <a:spcBef>
+                <a:spcPct val="0"/>
+              </a:spcBef>
+              <a:spcAft>
+                <a:spcPct val="0"/>
+              </a:spcAft>
+              <a:defRPr sz="3600">
+                <a:solidFill>
+                  <a:schemeClr val="tx1"/>
+                </a:solidFill>
+                <a:latin typeface="Arial" panose="020B0604020202020204" pitchFamily="34" charset="0"/>
+                <a:ea typeface="SimSun" panose="02010600030101010101" pitchFamily="2" charset="-122"/>
+              </a:defRPr>
+            </a:lvl2pPr>
+            <a:lvl3pPr algn="l" rtl="0" fontAlgn="base">
+              <a:spcBef>
+                <a:spcPct val="0"/>
+              </a:spcBef>
+              <a:spcAft>
+                <a:spcPct val="0"/>
+              </a:spcAft>
+              <a:defRPr sz="3600">
+                <a:solidFill>
+                  <a:schemeClr val="tx1"/>
+                </a:solidFill>
+                <a:latin typeface="Arial" panose="020B0604020202020204" pitchFamily="34" charset="0"/>
+                <a:ea typeface="SimSun" panose="02010600030101010101" pitchFamily="2" charset="-122"/>
+              </a:defRPr>
+            </a:lvl3pPr>
+            <a:lvl4pPr algn="l" rtl="0" fontAlgn="base">
+              <a:spcBef>
+                <a:spcPct val="0"/>
+              </a:spcBef>
+              <a:spcAft>
+                <a:spcPct val="0"/>
+              </a:spcAft>
+              <a:defRPr sz="3600">
+                <a:solidFill>
+                  <a:schemeClr val="tx1"/>
+                </a:solidFill>
+                <a:latin typeface="Arial" panose="020B0604020202020204" pitchFamily="34" charset="0"/>
+                <a:ea typeface="SimSun" panose="02010600030101010101" pitchFamily="2" charset="-122"/>
+              </a:defRPr>
+            </a:lvl4pPr>
+            <a:lvl5pPr algn="l" rtl="0" fontAlgn="base">
+              <a:spcBef>
+                <a:spcPct val="0"/>
+              </a:spcBef>
+              <a:spcAft>
+                <a:spcPct val="0"/>
+              </a:spcAft>
+              <a:defRPr sz="3600">
+                <a:solidFill>
+                  <a:schemeClr val="tx1"/>
+                </a:solidFill>
+                <a:latin typeface="Arial" panose="020B0604020202020204" pitchFamily="34" charset="0"/>
+                <a:ea typeface="SimSun" panose="02010600030101010101" pitchFamily="2" charset="-122"/>
+              </a:defRPr>
+            </a:lvl5pPr>
+            <a:lvl6pPr marL="457200" algn="l" rtl="0" fontAlgn="base">
+              <a:spcBef>
+                <a:spcPct val="0"/>
+              </a:spcBef>
+              <a:spcAft>
+                <a:spcPct val="0"/>
+              </a:spcAft>
+              <a:defRPr sz="3600">
+                <a:solidFill>
+                  <a:schemeClr val="tx1"/>
+                </a:solidFill>
+                <a:latin typeface="Arial" panose="020B0604020202020204" pitchFamily="34" charset="0"/>
+                <a:ea typeface="SimSun" panose="02010600030101010101" pitchFamily="2" charset="-122"/>
+              </a:defRPr>
+            </a:lvl6pPr>
+            <a:lvl7pPr marL="914400" algn="l" rtl="0" fontAlgn="base">
+              <a:spcBef>
+                <a:spcPct val="0"/>
+              </a:spcBef>
+              <a:spcAft>
+                <a:spcPct val="0"/>
+              </a:spcAft>
+              <a:defRPr sz="3600">
+                <a:solidFill>
+                  <a:schemeClr val="tx1"/>
+                </a:solidFill>
+                <a:latin typeface="Arial" panose="020B0604020202020204" pitchFamily="34" charset="0"/>
+                <a:ea typeface="SimSun" panose="02010600030101010101" pitchFamily="2" charset="-122"/>
+              </a:defRPr>
+            </a:lvl7pPr>
+            <a:lvl8pPr marL="1371600" algn="l" rtl="0" fontAlgn="base">
+              <a:spcBef>
+                <a:spcPct val="0"/>
+              </a:spcBef>
+              <a:spcAft>
+                <a:spcPct val="0"/>
+              </a:spcAft>
+              <a:defRPr sz="3600">
+                <a:solidFill>
+                  <a:schemeClr val="tx1"/>
+                </a:solidFill>
+                <a:latin typeface="Arial" panose="020B0604020202020204" pitchFamily="34" charset="0"/>
+                <a:ea typeface="SimSun" panose="02010600030101010101" pitchFamily="2" charset="-122"/>
+              </a:defRPr>
+            </a:lvl8pPr>
+            <a:lvl9pPr marL="1828800" algn="l" rtl="0" fontAlgn="base">
+              <a:spcBef>
+                <a:spcPct val="0"/>
+              </a:spcBef>
+              <a:spcAft>
+                <a:spcPct val="0"/>
+              </a:spcAft>
+              <a:defRPr sz="3600">
+                <a:solidFill>
+                  <a:schemeClr val="tx1"/>
+                </a:solidFill>
+                <a:latin typeface="Arial" panose="020B0604020202020204" pitchFamily="34" charset="0"/>
+                <a:ea typeface="SimSun" panose="02010600030101010101" pitchFamily="2" charset="-122"/>
+              </a:defRPr>
+            </a:lvl9pPr>
+          </a:lstStyle>
+          <a:p>
+            <a:r>
+              <a:rPr lang="ja-JP" altLang="en-US" sz="3200">
+                <a:sym typeface="+mn-ea"/>
+              </a:rPr>
+              <a:t>求你看顾保守教会牧师弟兄。不要叫我们遇见试探。救我们脱离凶恶。</a:t>
+            </a:r>
+            <a:endParaRPr lang="en-US" altLang="ja-JP" sz="3200" dirty="0">
+              <a:sym typeface="+mn-ea"/>
+            </a:endParaRPr>
+          </a:p>
+          <a:p>
+            <a:r>
+              <a:rPr lang="en-US" altLang="zh-CN" sz="3200" dirty="0">
+                <a:solidFill>
+                  <a:schemeClr val="accent2"/>
+                </a:solidFill>
+                <a:sym typeface="+mn-ea"/>
+              </a:rPr>
+              <a:t>Please watch over and protect the pastors and brothers in the church. Do not lead us into temptation. Deliver us from evil.</a:t>
+            </a:r>
+          </a:p>
+          <a:p>
+            <a:r>
+              <a:rPr lang="ja-JP" altLang="en-US" sz="3200">
+                <a:sym typeface="+mn-ea"/>
+              </a:rPr>
+              <a:t>兴旺福音和教会</a:t>
+            </a:r>
+            <a:r>
+              <a:rPr lang="en-US" altLang="ja-JP" sz="3200" dirty="0">
+                <a:sym typeface="+mn-ea"/>
+              </a:rPr>
+              <a:t>.</a:t>
+            </a:r>
+          </a:p>
+          <a:p>
+            <a:r>
+              <a:rPr lang="en-US" altLang="zh-CN" sz="3200" dirty="0">
+                <a:solidFill>
+                  <a:schemeClr val="accent2"/>
+                </a:solidFill>
+                <a:sym typeface="+mn-ea"/>
+              </a:rPr>
+              <a:t>Thriving gospel and church.</a:t>
+            </a:r>
+          </a:p>
+        </p:txBody>
+      </p:sp>
+    </p:spTree>
+    <p:extLst>
+      <p:ext uri="{BB962C8B-B14F-4D97-AF65-F5344CB8AC3E}">
+        <p14:creationId xmlns:p14="http://schemas.microsoft.com/office/powerpoint/2010/main" val="4201318862"/>
+      </p:ext>
+    </p:extLst>
+  </p:cSld>
+  <p:clrMapOvr>
+    <a:masterClrMapping/>
+  </p:clrMapOvr>
+</p:sld>
+</file>
+
+<file path=ppt/slides/slide12.xml><?xml version="1.0" encoding="utf-8"?>
+<p:sld xmlns:a="http://schemas.openxmlformats.org/drawingml/2006/main" xmlns:r="http://schemas.openxmlformats.org/officeDocument/2006/relationships" xmlns:p="http://schemas.openxmlformats.org/presentationml/2006/main">
+  <p:cSld>
+    <p:spTree>
+      <p:nvGrpSpPr>
+        <p:cNvPr id="1" name=""/>
+        <p:cNvGrpSpPr/>
+        <p:nvPr/>
+      </p:nvGrpSpPr>
+      <p:grpSpPr>
+        <a:xfrm>
+          <a:off x="0" y="0"/>
+          <a:ext cx="0" cy="0"/>
+          <a:chOff x="0" y="0"/>
+          <a:chExt cx="0" cy="0"/>
+        </a:xfrm>
+      </p:grpSpPr>
+      <p:sp>
+        <p:nvSpPr>
+          <p:cNvPr id="2" name="Title 1"/>
+          <p:cNvSpPr>
+            <a:spLocks noGrp="1"/>
+          </p:cNvSpPr>
+          <p:nvPr>
+            <p:ph type="title"/>
+          </p:nvPr>
+        </p:nvSpPr>
+        <p:spPr>
+          <a:xfrm>
+            <a:off x="351817" y="301557"/>
+            <a:ext cx="11488366" cy="700392"/>
+          </a:xfrm>
+          <a:solidFill>
+            <a:schemeClr val="accent3">
+              <a:lumMod val="85000"/>
+            </a:schemeClr>
+          </a:solidFill>
+        </p:spPr>
+        <p:txBody>
+          <a:bodyPr/>
+          <a:lstStyle/>
+          <a:p>
+            <a:r>
+              <a:rPr lang="en-US" altLang="zh-CN" sz="3200" dirty="0">
+                <a:solidFill>
+                  <a:schemeClr val="accent2"/>
+                </a:solidFill>
+                <a:sym typeface="+mn-ea"/>
+              </a:rPr>
+              <a:t>Pray: Don’t Do Evil in the Eyes of the Lord</a:t>
+            </a:r>
+            <a:endParaRPr lang="zh-CN" altLang="en-US" sz="3200" dirty="0">
+              <a:solidFill>
+                <a:schemeClr val="accent2"/>
+              </a:solidFill>
+              <a:sym typeface="+mn-ea"/>
+            </a:endParaRPr>
+          </a:p>
+        </p:txBody>
+      </p:sp>
+      <p:sp>
+        <p:nvSpPr>
           <p:cNvPr id="4" name="Title 1">
             <a:extLst>
               <a:ext uri="{FF2B5EF4-FFF2-40B4-BE49-F238E27FC236}">
@@ -5625,7 +6081,7 @@
 </p:sld>
 </file>
 
-<file path=ppt/slides/slide12.xml><?xml version="1.0" encoding="utf-8"?>
+<file path=ppt/slides/slide13.xml><?xml version="1.0" encoding="utf-8"?>
 <p:sld xmlns:a="http://schemas.openxmlformats.org/drawingml/2006/main" xmlns:r="http://schemas.openxmlformats.org/officeDocument/2006/relationships" xmlns:p="http://schemas.openxmlformats.org/presentationml/2006/main">
   <p:cSld>
     <p:spTree>
@@ -5857,32 +6313,19 @@
         </p:nvSpPr>
         <p:spPr>
           <a:xfrm>
-            <a:off x="609600" y="190500"/>
-            <a:ext cx="10972800" cy="1379883"/>
+            <a:off x="342099" y="190500"/>
+            <a:ext cx="11515283" cy="675577"/>
           </a:xfrm>
+          <a:solidFill>
+            <a:schemeClr val="bg1">
+              <a:lumMod val="95000"/>
+            </a:schemeClr>
+          </a:solidFill>
         </p:spPr>
         <p:txBody>
           <a:bodyPr/>
           <a:lstStyle/>
           <a:p>
-            <a:r>
-              <a:rPr lang="zh-CN" altLang="en-US" sz="3200" dirty="0">
-                <a:sym typeface="+mn-ea"/>
-              </a:rPr>
-              <a:t>王上</a:t>
-            </a:r>
-            <a:r>
-              <a:rPr lang="en-US" altLang="zh-CN" sz="3200" dirty="0">
-                <a:sym typeface="+mn-ea"/>
-              </a:rPr>
-              <a:t>16: 29-34.</a:t>
-            </a:r>
-            <a:r>
-              <a:rPr lang="zh-CN" altLang="en-US" sz="3200" dirty="0">
-                <a:sym typeface="+mn-ea"/>
-              </a:rPr>
-              <a:t>經文釋意</a:t>
-            </a:r>
             <a:br>
               <a:rPr lang="en-US" altLang="zh-CN" sz="3200" dirty="0">
                 <a:sym typeface="+mn-ea"/>
@@ -5892,797 +6335,437 @@
               <a:rPr lang="en-US" altLang="zh-CN" sz="3200" dirty="0">
                 <a:sym typeface="+mn-ea"/>
               </a:rPr>
-              <a:t>Do </a:t>
-            </a:r>
-            <a:r>
-              <a:rPr lang="en-US" altLang="zh-CN" sz="3200" b="1" dirty="0">
+              <a:t>Kings Cart </a:t>
+            </a:r>
+            <a:r>
+              <a:rPr lang="en-US" altLang="zh-CN" sz="1000" dirty="0">
                 <a:sym typeface="+mn-ea"/>
               </a:rPr>
-              <a:t>Evil</a:t>
-            </a:r>
-            <a:r>
+              <a:t>(</a:t>
+            </a:r>
+            <a:r>
+              <a:rPr lang="en-US" altLang="zh-CN" sz="1000" dirty="0">
+                <a:sym typeface="+mn-ea"/>
+                <a:hlinkClick r:id="rId3"/>
+              </a:rPr>
+              <a:t>https://</a:t>
+            </a:r>
+            <a:r>
+              <a:rPr lang="en-US" altLang="zh-CN" sz="1000" dirty="0" err="1">
+                <a:sym typeface="+mn-ea"/>
+                <a:hlinkClick r:id="rId3"/>
+              </a:rPr>
+              <a:t>en.wikipedia.org</a:t>
+            </a:r>
+            <a:r>
+              <a:rPr lang="en-US" altLang="zh-CN" sz="1000" dirty="0">
+                <a:sym typeface="+mn-ea"/>
+                <a:hlinkClick r:id="rId3"/>
+              </a:rPr>
+              <a:t>/wiki/</a:t>
+            </a:r>
+            <a:r>
+              <a:rPr lang="en-US" altLang="zh-CN" sz="1000" dirty="0" err="1">
+                <a:sym typeface="+mn-ea"/>
+                <a:hlinkClick r:id="rId3"/>
+              </a:rPr>
+              <a:t>Kings_of_Israel_and_Judah</a:t>
+            </a:r>
+            <a:r>
+              <a:rPr lang="en-US" altLang="zh-CN" sz="1000" dirty="0">
+                <a:sym typeface="+mn-ea"/>
+                <a:hlinkClick r:id="rId3"/>
+              </a:rPr>
+              <a:t>#/media/</a:t>
+            </a:r>
+            <a:r>
+              <a:rPr lang="en-US" altLang="zh-CN" sz="1000" dirty="0" err="1">
+                <a:sym typeface="+mn-ea"/>
+                <a:hlinkClick r:id="rId3"/>
+              </a:rPr>
+              <a:t>File:Genealogy_of_the_kings_of_Israel_and_Judah.svg</a:t>
+            </a:r>
+            <a:r>
+              <a:rPr lang="en-US" altLang="zh-CN" sz="1000" dirty="0">
+                <a:sym typeface="+mn-ea"/>
+              </a:rPr>
+              <a:t>)</a:t>
+            </a:r>
+            <a:br>
               <a:rPr lang="en-US" altLang="zh-CN" sz="3200" dirty="0">
                 <a:sym typeface="+mn-ea"/>
               </a:rPr>
-              <a:t> in the Eyes of the Lord. </a:t>
-            </a:r>
-            <a:r>
-              <a:rPr lang="en-US" altLang="ja-JP" sz="3200" dirty="0">
-                <a:sym typeface="+mn-ea"/>
-              </a:rPr>
-              <a:t>”</a:t>
-            </a:r>
-            <a:br>
-              <a:rPr lang="en-US" altLang="ja-JP" sz="3200" dirty="0">
-                <a:sym typeface="+mn-ea"/>
-              </a:rPr>
             </a:br>
-            <a:r>
-              <a:rPr lang="ja-JP" altLang="en-US" sz="3200">
-                <a:sym typeface="+mn-ea"/>
-              </a:rPr>
-              <a:t>行耶和华眼中看为</a:t>
-            </a:r>
-            <a:r>
-              <a:rPr lang="ja-JP" altLang="en-US" sz="3200" b="1">
-                <a:sym typeface="+mn-ea"/>
-              </a:rPr>
-              <a:t>恶</a:t>
-            </a:r>
-            <a:r>
-              <a:rPr lang="ja-JP" altLang="en-US" sz="3200">
-                <a:sym typeface="+mn-ea"/>
-              </a:rPr>
-              <a:t>的事</a:t>
-            </a:r>
-            <a:r>
-              <a:rPr lang="en-US" altLang="ja-JP" sz="3200" dirty="0">
-                <a:sym typeface="+mn-ea"/>
-              </a:rPr>
-              <a:t>" (1</a:t>
-            </a:r>
-            <a:r>
-              <a:rPr lang="en-US" altLang="zh-CN" sz="3200" dirty="0">
-                <a:sym typeface="+mn-ea"/>
-              </a:rPr>
-              <a:t>Ki16:30 CUVS)</a:t>
-            </a:r>
             <a:endParaRPr lang="zh-CN" altLang="en-US" sz="3200" dirty="0">
               <a:sym typeface="+mn-ea"/>
             </a:endParaRPr>
           </a:p>
         </p:txBody>
       </p:sp>
-      <p:graphicFrame>
-        <p:nvGraphicFramePr>
-          <p:cNvPr id="3" name="Table 2">
+      <p:sp>
+        <p:nvSpPr>
+          <p:cNvPr id="5" name="TextBox 4">
             <a:extLst>
               <a:ext uri="{FF2B5EF4-FFF2-40B4-BE49-F238E27FC236}">
-                <a16:creationId xmlns:a16="http://schemas.microsoft.com/office/drawing/2014/main" id="{3FC9E5E5-59F9-A88A-5647-AE03D39B4E14}"/>
+                <a16:creationId xmlns:a16="http://schemas.microsoft.com/office/drawing/2014/main" id="{1485C8C4-476E-65F0-0F07-75E6C3BF0AF2}"/>
               </a:ext>
             </a:extLst>
           </p:cNvPr>
-          <p:cNvGraphicFramePr>
-            <a:graphicFrameLocks noGrp="1"/>
-          </p:cNvGraphicFramePr>
-          <p:nvPr>
-            <p:extLst>
-              <p:ext uri="{D42A27DB-BD31-4B8C-83A1-F6EECF244321}">
-                <p14:modId xmlns:p14="http://schemas.microsoft.com/office/powerpoint/2010/main" val="879262444"/>
-              </p:ext>
-            </p:extLst>
-          </p:nvPr>
-        </p:nvGraphicFramePr>
-        <p:xfrm>
-          <a:off x="747205" y="2160105"/>
-          <a:ext cx="10835195" cy="3840480"/>
-        </p:xfrm>
-        <a:graphic>
-          <a:graphicData uri="http://schemas.openxmlformats.org/drawingml/2006/table">
-            <a:tbl>
-              <a:tblPr firstRow="1" bandRow="1">
-                <a:tableStyleId>{5C22544A-7EE6-4342-B048-85BDC9FD1C3A}</a:tableStyleId>
-              </a:tblPr>
-              <a:tblGrid>
-                <a:gridCol w="246302">
-                  <a:extLst>
-                    <a:ext uri="{9D8B030D-6E8A-4147-A177-3AD203B41FA5}">
-                      <a16:colId xmlns:a16="http://schemas.microsoft.com/office/drawing/2014/main" val="2912965187"/>
-                    </a:ext>
-                  </a:extLst>
-                </a:gridCol>
-                <a:gridCol w="865110">
-                  <a:extLst>
-                    <a:ext uri="{9D8B030D-6E8A-4147-A177-3AD203B41FA5}">
-                      <a16:colId xmlns:a16="http://schemas.microsoft.com/office/drawing/2014/main" val="4139541504"/>
-                    </a:ext>
-                  </a:extLst>
-                </a:gridCol>
-                <a:gridCol w="6539948">
-                  <a:extLst>
-                    <a:ext uri="{9D8B030D-6E8A-4147-A177-3AD203B41FA5}">
-                      <a16:colId xmlns:a16="http://schemas.microsoft.com/office/drawing/2014/main" val="4135421565"/>
-                    </a:ext>
-                  </a:extLst>
-                </a:gridCol>
-                <a:gridCol w="834887">
-                  <a:extLst>
-                    <a:ext uri="{9D8B030D-6E8A-4147-A177-3AD203B41FA5}">
-                      <a16:colId xmlns:a16="http://schemas.microsoft.com/office/drawing/2014/main" val="1959367724"/>
-                    </a:ext>
-                  </a:extLst>
-                </a:gridCol>
-                <a:gridCol w="755374">
-                  <a:extLst>
-                    <a:ext uri="{9D8B030D-6E8A-4147-A177-3AD203B41FA5}">
-                      <a16:colId xmlns:a16="http://schemas.microsoft.com/office/drawing/2014/main" val="3031510367"/>
-                    </a:ext>
-                  </a:extLst>
-                </a:gridCol>
-                <a:gridCol w="775252">
-                  <a:extLst>
-                    <a:ext uri="{9D8B030D-6E8A-4147-A177-3AD203B41FA5}">
-                      <a16:colId xmlns:a16="http://schemas.microsoft.com/office/drawing/2014/main" val="3782245511"/>
-                    </a:ext>
-                  </a:extLst>
-                </a:gridCol>
-                <a:gridCol w="818322">
-                  <a:extLst>
-                    <a:ext uri="{9D8B030D-6E8A-4147-A177-3AD203B41FA5}">
-                      <a16:colId xmlns:a16="http://schemas.microsoft.com/office/drawing/2014/main" val="1624776587"/>
-                    </a:ext>
-                  </a:extLst>
-                </a:gridCol>
-              </a:tblGrid>
-              <a:tr h="442130">
-                <a:tc>
-                  <a:txBody>
-                    <a:bodyPr/>
-                    <a:lstStyle/>
-                    <a:p>
-                      <a:r>
-                        <a:rPr lang="en-US" dirty="0"/>
-                        <a:t>#</a:t>
-                      </a:r>
-                    </a:p>
-                  </a:txBody>
-                  <a:tcPr/>
-                </a:tc>
-                <a:tc>
-                  <a:txBody>
-                    <a:bodyPr/>
-                    <a:lstStyle/>
-                    <a:p>
-                      <a:r>
-                        <a:rPr lang="en-US" dirty="0"/>
-                        <a:t>Exodus</a:t>
-                      </a:r>
-                    </a:p>
-                  </a:txBody>
-                  <a:tcPr/>
-                </a:tc>
-                <a:tc>
-                  <a:txBody>
-                    <a:bodyPr/>
-                    <a:lstStyle/>
-                    <a:p>
-                      <a:r>
-                        <a:rPr lang="en-US" dirty="0"/>
-                        <a:t>Lord’s Commands</a:t>
-                      </a:r>
-                    </a:p>
-                  </a:txBody>
-                  <a:tcPr/>
-                </a:tc>
-                <a:tc>
-                  <a:txBody>
-                    <a:bodyPr/>
-                    <a:lstStyle/>
-                    <a:p>
-                      <a:r>
-                        <a:rPr lang="en-US" dirty="0"/>
-                        <a:t>US</a:t>
-                      </a:r>
-                    </a:p>
-                  </a:txBody>
-                  <a:tcPr/>
-                </a:tc>
-                <a:tc>
-                  <a:txBody>
-                    <a:bodyPr/>
-                    <a:lstStyle/>
-                    <a:p>
-                      <a:r>
-                        <a:rPr lang="en-US" dirty="0"/>
-                        <a:t>PRC</a:t>
-                      </a:r>
-                    </a:p>
-                  </a:txBody>
-                  <a:tcPr/>
-                </a:tc>
-                <a:tc>
-                  <a:txBody>
-                    <a:bodyPr/>
-                    <a:lstStyle/>
-                    <a:p>
-                      <a:r>
-                        <a:rPr lang="en-US" dirty="0"/>
-                        <a:t>TW</a:t>
-                      </a:r>
-                    </a:p>
-                  </a:txBody>
-                  <a:tcPr/>
-                </a:tc>
-                <a:tc>
-                  <a:txBody>
-                    <a:bodyPr/>
-                    <a:lstStyle/>
-                    <a:p>
-                      <a:r>
-                        <a:rPr lang="en-US" dirty="0"/>
-                        <a:t>Me</a:t>
-                      </a:r>
-                    </a:p>
-                  </a:txBody>
-                  <a:tcPr/>
-                </a:tc>
-                <a:extLst>
-                  <a:ext uri="{0D108BD9-81ED-4DB2-BD59-A6C34878D82A}">
-                    <a16:rowId xmlns:a16="http://schemas.microsoft.com/office/drawing/2014/main" val="1061428638"/>
-                  </a:ext>
-                </a:extLst>
-              </a:tr>
-              <a:tr h="442130">
-                <a:tc>
-                  <a:txBody>
-                    <a:bodyPr/>
-                    <a:lstStyle/>
-                    <a:p>
-                      <a:r>
-                        <a:rPr lang="en-US" dirty="0"/>
-                        <a:t>1</a:t>
-                      </a:r>
-                    </a:p>
-                  </a:txBody>
-                  <a:tcPr/>
-                </a:tc>
-                <a:tc>
-                  <a:txBody>
-                    <a:bodyPr/>
-                    <a:lstStyle/>
-                    <a:p>
-                      <a:r>
-                        <a:rPr lang="en-US" dirty="0"/>
-                        <a:t>20:3</a:t>
-                      </a:r>
-                    </a:p>
-                  </a:txBody>
-                  <a:tcPr/>
-                </a:tc>
-                <a:tc>
-                  <a:txBody>
-                    <a:bodyPr/>
-                    <a:lstStyle/>
-                    <a:p>
-                      <a:r>
-                        <a:rPr lang="en-US" altLang="ja-JP" dirty="0"/>
-                        <a:t>You shall have no other gods before me.</a:t>
-                      </a:r>
-                    </a:p>
-                    <a:p>
-                      <a:r>
-                        <a:rPr lang="ja-JP" altLang="en-US"/>
-                        <a:t>除了我以外、你不可有别的神。</a:t>
-                      </a:r>
-                      <a:endParaRPr lang="en-US" dirty="0"/>
-                    </a:p>
-                  </a:txBody>
-                  <a:tcPr/>
-                </a:tc>
-                <a:tc>
-                  <a:txBody>
-                    <a:bodyPr/>
-                    <a:lstStyle/>
-                    <a:p>
-                      <a:endParaRPr lang="en-US" dirty="0"/>
-                    </a:p>
-                  </a:txBody>
-                  <a:tcPr/>
-                </a:tc>
-                <a:tc>
-                  <a:txBody>
-                    <a:bodyPr/>
-                    <a:lstStyle/>
-                    <a:p>
-                      <a:endParaRPr lang="en-US" dirty="0"/>
-                    </a:p>
-                  </a:txBody>
-                  <a:tcPr/>
-                </a:tc>
-                <a:tc>
-                  <a:txBody>
-                    <a:bodyPr/>
-                    <a:lstStyle/>
-                    <a:p>
-                      <a:r>
-                        <a:rPr lang="en-US" dirty="0"/>
-                        <a:t>XXX</a:t>
-                      </a:r>
-                    </a:p>
-                  </a:txBody>
-                  <a:tcPr/>
-                </a:tc>
-                <a:tc>
-                  <a:txBody>
-                    <a:bodyPr/>
-                    <a:lstStyle/>
-                    <a:p>
-                      <a:r>
-                        <a:rPr lang="en-US" dirty="0"/>
-                        <a:t>X</a:t>
-                      </a:r>
-                    </a:p>
-                  </a:txBody>
-                  <a:tcPr/>
-                </a:tc>
-                <a:extLst>
-                  <a:ext uri="{0D108BD9-81ED-4DB2-BD59-A6C34878D82A}">
-                    <a16:rowId xmlns:a16="http://schemas.microsoft.com/office/drawing/2014/main" val="685271850"/>
-                  </a:ext>
-                </a:extLst>
-              </a:tr>
-              <a:tr h="442130">
-                <a:tc>
-                  <a:txBody>
-                    <a:bodyPr/>
-                    <a:lstStyle/>
-                    <a:p>
-                      <a:r>
-                        <a:rPr lang="en-US" dirty="0"/>
-                        <a:t>2</a:t>
-                      </a:r>
-                    </a:p>
-                  </a:txBody>
-                  <a:tcPr/>
-                </a:tc>
-                <a:tc>
-                  <a:txBody>
-                    <a:bodyPr/>
-                    <a:lstStyle/>
-                    <a:p>
-                      <a:r>
-                        <a:rPr lang="en-US" dirty="0"/>
-                        <a:t>20:4</a:t>
-                      </a:r>
-                    </a:p>
-                  </a:txBody>
-                  <a:tcPr/>
-                </a:tc>
-                <a:tc>
-                  <a:txBody>
-                    <a:bodyPr/>
-                    <a:lstStyle/>
-                    <a:p>
-                      <a:r>
-                        <a:rPr lang="en-US" altLang="ja-JP" dirty="0"/>
-                        <a:t>You shall not make for yourself an idol in the form of anything </a:t>
-                      </a:r>
-                      <a:br>
-                        <a:rPr lang="en-US" altLang="ja-JP" dirty="0"/>
-                      </a:br>
-                      <a:r>
-                        <a:rPr lang="ja-JP" altLang="en-US"/>
-                        <a:t>不可为自己雕刻偶像</a:t>
-                      </a:r>
-                      <a:endParaRPr lang="en-US" dirty="0"/>
-                    </a:p>
-                  </a:txBody>
-                  <a:tcPr/>
-                </a:tc>
-                <a:tc>
-                  <a:txBody>
-                    <a:bodyPr/>
-                    <a:lstStyle/>
-                    <a:p>
-                      <a:endParaRPr lang="en-US" dirty="0"/>
-                    </a:p>
-                  </a:txBody>
-                  <a:tcPr/>
-                </a:tc>
-                <a:tc>
-                  <a:txBody>
-                    <a:bodyPr/>
-                    <a:lstStyle/>
-                    <a:p>
-                      <a:endParaRPr lang="en-US" dirty="0"/>
-                    </a:p>
-                  </a:txBody>
-                  <a:tcPr/>
-                </a:tc>
-                <a:tc>
-                  <a:txBody>
-                    <a:bodyPr/>
-                    <a:lstStyle/>
-                    <a:p>
-                      <a:r>
-                        <a:rPr lang="en-US" dirty="0"/>
-                        <a:t>XXX</a:t>
-                      </a:r>
-                    </a:p>
-                  </a:txBody>
-                  <a:tcPr/>
-                </a:tc>
-                <a:tc>
-                  <a:txBody>
-                    <a:bodyPr/>
-                    <a:lstStyle/>
-                    <a:p>
-                      <a:r>
-                        <a:rPr lang="en-US" dirty="0"/>
-                        <a:t>X</a:t>
-                      </a:r>
-                    </a:p>
-                  </a:txBody>
-                  <a:tcPr/>
-                </a:tc>
-                <a:extLst>
-                  <a:ext uri="{0D108BD9-81ED-4DB2-BD59-A6C34878D82A}">
-                    <a16:rowId xmlns:a16="http://schemas.microsoft.com/office/drawing/2014/main" val="1064146381"/>
-                  </a:ext>
-                </a:extLst>
-              </a:tr>
-              <a:tr h="442130">
-                <a:tc>
-                  <a:txBody>
-                    <a:bodyPr/>
-                    <a:lstStyle/>
-                    <a:p>
-                      <a:r>
-                        <a:rPr lang="en-US" dirty="0"/>
-                        <a:t>3</a:t>
-                      </a:r>
-                    </a:p>
-                  </a:txBody>
-                  <a:tcPr/>
-                </a:tc>
-                <a:tc>
-                  <a:txBody>
-                    <a:bodyPr/>
-                    <a:lstStyle/>
-                    <a:p>
-                      <a:r>
-                        <a:rPr lang="en-US" dirty="0"/>
-                        <a:t>20:7</a:t>
-                      </a:r>
-                    </a:p>
-                  </a:txBody>
-                  <a:tcPr/>
-                </a:tc>
-                <a:tc>
-                  <a:txBody>
-                    <a:bodyPr/>
-                    <a:lstStyle/>
-                    <a:p>
-                      <a:pPr marL="0" marR="0" lvl="0" indent="0" algn="l" defTabSz="914400" rtl="0" eaLnBrk="1" fontAlgn="auto" latinLnBrk="0" hangingPunct="1">
-                        <a:lnSpc>
-                          <a:spcPct val="100000"/>
-                        </a:lnSpc>
-                        <a:spcBef>
-                          <a:spcPts val="0"/>
-                        </a:spcBef>
-                        <a:spcAft>
-                          <a:spcPts val="0"/>
-                        </a:spcAft>
-                        <a:buClrTx/>
-                        <a:buSzTx/>
-                        <a:buFontTx/>
-                        <a:buNone/>
-                        <a:tabLst/>
-                        <a:defRPr/>
-                      </a:pPr>
-                      <a:r>
-                        <a:rPr lang="en-US" altLang="ja-JP" dirty="0"/>
-                        <a:t>You shall not misuse the name of the Lord your God.</a:t>
-                      </a:r>
-                      <a:br>
-                        <a:rPr lang="en-US" altLang="ja-JP" dirty="0"/>
-                      </a:br>
-                      <a:r>
-                        <a:rPr lang="ja-JP" altLang="en-US"/>
-                        <a:t>不可妄称耶和华你　神的名</a:t>
-                      </a:r>
-                      <a:r>
-                        <a:rPr lang="en-US" altLang="ja-JP" dirty="0"/>
-                        <a:t>.</a:t>
-                      </a:r>
-                      <a:endParaRPr lang="en-US" dirty="0"/>
-                    </a:p>
-                  </a:txBody>
-                  <a:tcPr/>
-                </a:tc>
-                <a:tc>
-                  <a:txBody>
-                    <a:bodyPr/>
-                    <a:lstStyle/>
-                    <a:p>
-                      <a:r>
-                        <a:rPr lang="en-US" dirty="0"/>
-                        <a:t>?</a:t>
-                      </a:r>
-                    </a:p>
-                  </a:txBody>
-                  <a:tcPr/>
-                </a:tc>
-                <a:tc>
-                  <a:txBody>
-                    <a:bodyPr/>
-                    <a:lstStyle/>
-                    <a:p>
-                      <a:endParaRPr lang="en-US" dirty="0"/>
-                    </a:p>
-                  </a:txBody>
-                  <a:tcPr/>
-                </a:tc>
-                <a:tc>
-                  <a:txBody>
-                    <a:bodyPr/>
-                    <a:lstStyle/>
-                    <a:p>
-                      <a:endParaRPr lang="en-US" dirty="0"/>
-                    </a:p>
-                  </a:txBody>
-                  <a:tcPr/>
-                </a:tc>
-                <a:tc>
-                  <a:txBody>
-                    <a:bodyPr/>
-                    <a:lstStyle/>
-                    <a:p>
-                      <a:endParaRPr lang="en-US" dirty="0"/>
-                    </a:p>
-                  </a:txBody>
-                  <a:tcPr/>
-                </a:tc>
-                <a:extLst>
-                  <a:ext uri="{0D108BD9-81ED-4DB2-BD59-A6C34878D82A}">
-                    <a16:rowId xmlns:a16="http://schemas.microsoft.com/office/drawing/2014/main" val="3339034449"/>
-                  </a:ext>
-                </a:extLst>
-              </a:tr>
-              <a:tr h="493116">
-                <a:tc>
-                  <a:txBody>
-                    <a:bodyPr/>
-                    <a:lstStyle/>
-                    <a:p>
-                      <a:r>
-                        <a:rPr lang="en-US" dirty="0"/>
-                        <a:t>4</a:t>
-                      </a:r>
-                    </a:p>
-                  </a:txBody>
-                  <a:tcPr/>
-                </a:tc>
-                <a:tc>
-                  <a:txBody>
-                    <a:bodyPr/>
-                    <a:lstStyle/>
-                    <a:p>
-                      <a:r>
-                        <a:rPr lang="en-US" dirty="0"/>
-                        <a:t>20:8</a:t>
-                      </a:r>
-                    </a:p>
-                  </a:txBody>
-                  <a:tcPr/>
-                </a:tc>
-                <a:tc>
-                  <a:txBody>
-                    <a:bodyPr/>
-                    <a:lstStyle/>
-                    <a:p>
-                      <a:pPr marL="0" marR="0" lvl="0" indent="0" algn="l" defTabSz="914400" rtl="0" eaLnBrk="1" fontAlgn="auto" latinLnBrk="0" hangingPunct="1">
-                        <a:lnSpc>
-                          <a:spcPct val="100000"/>
-                        </a:lnSpc>
-                        <a:spcBef>
-                          <a:spcPts val="0"/>
-                        </a:spcBef>
-                        <a:spcAft>
-                          <a:spcPts val="0"/>
-                        </a:spcAft>
-                        <a:buClrTx/>
-                        <a:buSzTx/>
-                        <a:buFontTx/>
-                        <a:buNone/>
-                        <a:tabLst/>
-                        <a:defRPr/>
-                      </a:pPr>
-                      <a:r>
-                        <a:rPr lang="en-US" dirty="0"/>
-                        <a:t>Remember the Sabbath day by keeping it holy.</a:t>
-                      </a:r>
-                      <a:br>
-                        <a:rPr lang="en-US" dirty="0"/>
-                      </a:br>
-                      <a:r>
-                        <a:rPr lang="ja-JP" altLang="en-US"/>
-                        <a:t>当记念安息日、守为圣日。</a:t>
-                      </a:r>
-                      <a:endParaRPr lang="en-US" dirty="0"/>
-                    </a:p>
-                  </a:txBody>
-                  <a:tcPr/>
-                </a:tc>
-                <a:tc>
-                  <a:txBody>
-                    <a:bodyPr/>
-                    <a:lstStyle/>
-                    <a:p>
-                      <a:endParaRPr lang="en-US" dirty="0"/>
-                    </a:p>
-                  </a:txBody>
-                  <a:tcPr/>
-                </a:tc>
-                <a:tc>
-                  <a:txBody>
-                    <a:bodyPr/>
-                    <a:lstStyle/>
-                    <a:p>
-                      <a:r>
-                        <a:rPr lang="en-US" dirty="0"/>
-                        <a:t>XXX</a:t>
-                      </a:r>
-                    </a:p>
-                  </a:txBody>
-                  <a:tcPr/>
-                </a:tc>
-                <a:tc>
-                  <a:txBody>
-                    <a:bodyPr/>
-                    <a:lstStyle/>
-                    <a:p>
-                      <a:r>
-                        <a:rPr lang="en-US" dirty="0"/>
-                        <a:t>XXX</a:t>
-                      </a:r>
-                    </a:p>
-                  </a:txBody>
-                  <a:tcPr/>
-                </a:tc>
-                <a:tc>
-                  <a:txBody>
-                    <a:bodyPr/>
-                    <a:lstStyle/>
-                    <a:p>
-                      <a:pPr marL="0" marR="0" lvl="0" indent="0" algn="l" defTabSz="914400" rtl="0" eaLnBrk="1" fontAlgn="auto" latinLnBrk="0" hangingPunct="1">
-                        <a:lnSpc>
-                          <a:spcPct val="100000"/>
-                        </a:lnSpc>
-                        <a:spcBef>
-                          <a:spcPts val="0"/>
-                        </a:spcBef>
-                        <a:spcAft>
-                          <a:spcPts val="0"/>
-                        </a:spcAft>
-                        <a:buClrTx/>
-                        <a:buSzTx/>
-                        <a:buFontTx/>
-                        <a:buNone/>
-                        <a:tabLst/>
-                        <a:defRPr/>
-                      </a:pPr>
-                      <a:endParaRPr lang="en-US" dirty="0"/>
-                    </a:p>
-                  </a:txBody>
-                  <a:tcPr/>
-                </a:tc>
-                <a:extLst>
-                  <a:ext uri="{0D108BD9-81ED-4DB2-BD59-A6C34878D82A}">
-                    <a16:rowId xmlns:a16="http://schemas.microsoft.com/office/drawing/2014/main" val="74654003"/>
-                  </a:ext>
-                </a:extLst>
-              </a:tr>
-              <a:tr h="442130">
-                <a:tc>
-                  <a:txBody>
-                    <a:bodyPr/>
-                    <a:lstStyle/>
-                    <a:p>
-                      <a:r>
-                        <a:rPr lang="en-US" dirty="0"/>
-                        <a:t>5</a:t>
-                      </a:r>
-                    </a:p>
-                  </a:txBody>
-                  <a:tcPr/>
-                </a:tc>
-                <a:tc>
-                  <a:txBody>
-                    <a:bodyPr/>
-                    <a:lstStyle/>
-                    <a:p>
-                      <a:r>
-                        <a:rPr lang="en-US" dirty="0"/>
-                        <a:t>20:12</a:t>
-                      </a:r>
-                    </a:p>
-                  </a:txBody>
-                  <a:tcPr/>
-                </a:tc>
-                <a:tc>
-                  <a:txBody>
-                    <a:bodyPr/>
-                    <a:lstStyle/>
-                    <a:p>
-                      <a:r>
-                        <a:rPr lang="en-US" dirty="0"/>
-                        <a:t>Honor your father and your mother.</a:t>
-                      </a:r>
-                    </a:p>
-                    <a:p>
-                      <a:r>
-                        <a:rPr lang="ja-JP" altLang="en-US"/>
-                        <a:t>当孝敬父母</a:t>
-                      </a:r>
-                      <a:endParaRPr lang="en-US" dirty="0"/>
-                    </a:p>
-                  </a:txBody>
-                  <a:tcPr/>
-                </a:tc>
-                <a:tc>
-                  <a:txBody>
-                    <a:bodyPr/>
-                    <a:lstStyle/>
-                    <a:p>
-                      <a:r>
-                        <a:rPr lang="en-US" dirty="0"/>
-                        <a:t> </a:t>
-                      </a:r>
-                    </a:p>
-                  </a:txBody>
-                  <a:tcPr/>
-                </a:tc>
-                <a:tc>
-                  <a:txBody>
-                    <a:bodyPr/>
-                    <a:lstStyle/>
-                    <a:p>
-                      <a:endParaRPr lang="en-US" dirty="0"/>
-                    </a:p>
-                  </a:txBody>
-                  <a:tcPr/>
-                </a:tc>
-                <a:tc>
-                  <a:txBody>
-                    <a:bodyPr/>
-                    <a:lstStyle/>
-                    <a:p>
-                      <a:endParaRPr lang="en-US" dirty="0"/>
-                    </a:p>
-                  </a:txBody>
-                  <a:tcPr/>
-                </a:tc>
-                <a:tc>
-                  <a:txBody>
-                    <a:bodyPr/>
-                    <a:lstStyle/>
-                    <a:p>
-                      <a:endParaRPr lang="en-US" dirty="0"/>
-                    </a:p>
-                  </a:txBody>
-                  <a:tcPr/>
-                </a:tc>
-                <a:extLst>
-                  <a:ext uri="{0D108BD9-81ED-4DB2-BD59-A6C34878D82A}">
-                    <a16:rowId xmlns:a16="http://schemas.microsoft.com/office/drawing/2014/main" val="1593722675"/>
-                  </a:ext>
-                </a:extLst>
-              </a:tr>
-            </a:tbl>
-          </a:graphicData>
-        </a:graphic>
-      </p:graphicFrame>
+          <p:cNvSpPr txBox="1"/>
+          <p:nvPr/>
+        </p:nvSpPr>
+        <p:spPr>
+          <a:xfrm>
+            <a:off x="6848917" y="3048393"/>
+            <a:ext cx="5311366" cy="2123658"/>
+          </a:xfrm>
+          <a:prstGeom prst="rect">
+            <a:avLst/>
+          </a:prstGeom>
+          <a:solidFill>
+            <a:schemeClr val="bg1">
+              <a:lumMod val="95000"/>
+            </a:schemeClr>
+          </a:solidFill>
+        </p:spPr>
+        <p:txBody>
+          <a:bodyPr wrap="square">
+            <a:spAutoFit/>
+          </a:bodyPr>
+          <a:lstStyle/>
+          <a:p>
+            <a:r>
+              <a:rPr lang="en-US" dirty="0"/>
+              <a:t>"Solomon the father of </a:t>
+            </a:r>
+            <a:r>
+              <a:rPr lang="en-US" sz="3200" dirty="0">
+                <a:highlight>
+                  <a:srgbClr val="C0C0C0"/>
+                </a:highlight>
+              </a:rPr>
+              <a:t>Rehoboam</a:t>
+            </a:r>
+            <a:r>
+              <a:rPr lang="en-US" dirty="0"/>
+              <a:t>, Rehoboam the father of </a:t>
+            </a:r>
+            <a:r>
+              <a:rPr lang="en-US" sz="3200" dirty="0">
+                <a:highlight>
+                  <a:srgbClr val="C0C0C0"/>
+                </a:highlight>
+              </a:rPr>
+              <a:t>Abijah</a:t>
+            </a:r>
+            <a:r>
+              <a:rPr lang="en-US" dirty="0"/>
+              <a:t>, Abijah the father of </a:t>
+            </a:r>
+            <a:r>
+              <a:rPr lang="en-US" sz="3200" dirty="0">
+                <a:highlight>
+                  <a:srgbClr val="C0C0C0"/>
+                </a:highlight>
+              </a:rPr>
+              <a:t>Asa</a:t>
+            </a:r>
+            <a:r>
+              <a:rPr lang="en-US" dirty="0"/>
+              <a:t>," (Mat1:7 NIV)</a:t>
+            </a:r>
+          </a:p>
+          <a:p>
+            <a:r>
+              <a:rPr lang="en-US" dirty="0"/>
+              <a:t>"</a:t>
+            </a:r>
+            <a:r>
+              <a:rPr lang="en-US" dirty="0" err="1"/>
+              <a:t>所罗门生罗波安．罗波安生亚比雅．亚比雅生亚撒</a:t>
+            </a:r>
+            <a:r>
+              <a:rPr lang="en-US" dirty="0"/>
+              <a:t>．" (Mat1:7 CUVS)</a:t>
+            </a:r>
+          </a:p>
+        </p:txBody>
+      </p:sp>
+      <p:sp>
+        <p:nvSpPr>
+          <p:cNvPr id="9" name="TextBox 8">
+            <a:extLst>
+              <a:ext uri="{FF2B5EF4-FFF2-40B4-BE49-F238E27FC236}">
+                <a16:creationId xmlns:a16="http://schemas.microsoft.com/office/drawing/2014/main" id="{839B716B-43AF-F820-1B55-DABAE10F55FF}"/>
+              </a:ext>
+            </a:extLst>
+          </p:cNvPr>
+          <p:cNvSpPr txBox="1"/>
+          <p:nvPr/>
+        </p:nvSpPr>
+        <p:spPr>
+          <a:xfrm>
+            <a:off x="6848917" y="1019967"/>
+            <a:ext cx="5343083" cy="1908215"/>
+          </a:xfrm>
+          <a:prstGeom prst="rect">
+            <a:avLst/>
+          </a:prstGeom>
+          <a:solidFill>
+            <a:schemeClr val="bg1">
+              <a:lumMod val="95000"/>
+            </a:schemeClr>
+          </a:solidFill>
+        </p:spPr>
+        <p:txBody>
+          <a:bodyPr wrap="square">
+            <a:spAutoFit/>
+          </a:bodyPr>
+          <a:lstStyle/>
+          <a:p>
+            <a:r>
+              <a:rPr lang="en-US" dirty="0"/>
+              <a:t>"and Jesse the father of King David. </a:t>
+            </a:r>
+            <a:r>
+              <a:rPr lang="en-US" sz="3200" b="1" dirty="0">
+                <a:solidFill>
+                  <a:schemeClr val="bg2">
+                    <a:lumMod val="40000"/>
+                    <a:lumOff val="60000"/>
+                  </a:schemeClr>
+                </a:solidFill>
+                <a:highlight>
+                  <a:srgbClr val="0000FF"/>
+                </a:highlight>
+              </a:rPr>
+              <a:t>David</a:t>
+            </a:r>
+            <a:r>
+              <a:rPr lang="en-US" dirty="0"/>
+              <a:t> was the father of </a:t>
+            </a:r>
+            <a:r>
+              <a:rPr lang="en-US" sz="3200" b="1" dirty="0">
+                <a:highlight>
+                  <a:srgbClr val="C0C0C0"/>
+                </a:highlight>
+              </a:rPr>
+              <a:t>Solomon</a:t>
+            </a:r>
+            <a:r>
+              <a:rPr lang="en-US" dirty="0"/>
+              <a:t>, whose mother had been Uriah's wife," (Mat1:6 NIV)</a:t>
+            </a:r>
+          </a:p>
+          <a:p>
+            <a:r>
+              <a:rPr lang="en-US" altLang="ja-JP" dirty="0"/>
+              <a:t>"</a:t>
+            </a:r>
+            <a:r>
+              <a:rPr lang="ja-JP" altLang="en-US"/>
+              <a:t>耶西生大卫王。大卫从乌利亚的妻子生所罗门．</a:t>
+            </a:r>
+            <a:r>
+              <a:rPr lang="en-US" altLang="ja-JP" dirty="0"/>
+              <a:t>" (</a:t>
+            </a:r>
+            <a:r>
+              <a:rPr lang="en-US" dirty="0"/>
+              <a:t>Mat1:6 CUVS)</a:t>
+            </a:r>
+          </a:p>
+        </p:txBody>
+      </p:sp>
+      <p:sp>
+        <p:nvSpPr>
+          <p:cNvPr id="10" name="TextBox 9">
+            <a:extLst>
+              <a:ext uri="{FF2B5EF4-FFF2-40B4-BE49-F238E27FC236}">
+                <a16:creationId xmlns:a16="http://schemas.microsoft.com/office/drawing/2014/main" id="{4E34EBAA-C523-99CF-3549-5A8F718C7CAC}"/>
+              </a:ext>
+            </a:extLst>
+          </p:cNvPr>
+          <p:cNvSpPr txBox="1"/>
+          <p:nvPr/>
+        </p:nvSpPr>
+        <p:spPr>
+          <a:xfrm>
+            <a:off x="6699402" y="5246629"/>
+            <a:ext cx="5492598" cy="1969770"/>
+          </a:xfrm>
+          <a:prstGeom prst="rect">
+            <a:avLst/>
+          </a:prstGeom>
+          <a:noFill/>
+        </p:spPr>
+        <p:txBody>
+          <a:bodyPr wrap="square" rtlCol="0">
+            <a:spAutoFit/>
+          </a:bodyPr>
+          <a:lstStyle/>
+          <a:p>
+            <a:r>
+              <a:rPr lang="en-US" dirty="0"/>
+              <a:t>"Asa the father of </a:t>
+            </a:r>
+            <a:r>
+              <a:rPr lang="en-US" sz="3200" dirty="0">
+                <a:highlight>
+                  <a:srgbClr val="C0C0C0"/>
+                </a:highlight>
+              </a:rPr>
+              <a:t>Jehoshaphat</a:t>
+            </a:r>
+            <a:r>
+              <a:rPr lang="en-US" dirty="0"/>
+              <a:t>, Jehoshaphat the father of </a:t>
+            </a:r>
+            <a:r>
+              <a:rPr lang="en-US" dirty="0" err="1"/>
+              <a:t>Jehoram</a:t>
+            </a:r>
+            <a:r>
+              <a:rPr lang="en-US" dirty="0"/>
+              <a:t>, </a:t>
+            </a:r>
+            <a:r>
+              <a:rPr lang="en-US" dirty="0" err="1"/>
+              <a:t>Jehoram</a:t>
+            </a:r>
+            <a:r>
+              <a:rPr lang="en-US" dirty="0"/>
+              <a:t> the father of Uzziah," (Mat1:8 NIV)</a:t>
+            </a:r>
+          </a:p>
+          <a:p>
+            <a:r>
+              <a:rPr lang="en-US" altLang="ja-JP" dirty="0"/>
+              <a:t>"</a:t>
+            </a:r>
+            <a:r>
+              <a:rPr lang="ja-JP" altLang="en-US"/>
+              <a:t>亚撒生约沙法．约沙法生约兰．约兰生乌西亚．</a:t>
+            </a:r>
+            <a:r>
+              <a:rPr lang="en-US" altLang="ja-JP" dirty="0"/>
+              <a:t>" (</a:t>
+            </a:r>
+            <a:r>
+              <a:rPr lang="en-US" dirty="0"/>
+              <a:t>Mat1:8 CUVS)</a:t>
+            </a:r>
+          </a:p>
+          <a:p>
+            <a:endParaRPr lang="en-US" dirty="0"/>
+          </a:p>
+        </p:txBody>
+      </p:sp>
+      <p:pic>
+        <p:nvPicPr>
+          <p:cNvPr id="11" name="Picture 10">
+            <a:extLst>
+              <a:ext uri="{FF2B5EF4-FFF2-40B4-BE49-F238E27FC236}">
+                <a16:creationId xmlns:a16="http://schemas.microsoft.com/office/drawing/2014/main" id="{633B7F9F-91C3-76F4-9AE2-C900C79E3EAE}"/>
+              </a:ext>
+            </a:extLst>
+          </p:cNvPr>
+          <p:cNvPicPr>
+            <a:picLocks noChangeAspect="1"/>
+          </p:cNvPicPr>
+          <p:nvPr/>
+        </p:nvPicPr>
+        <p:blipFill>
+          <a:blip r:embed="rId4"/>
+          <a:stretch>
+            <a:fillRect/>
+          </a:stretch>
+        </p:blipFill>
+        <p:spPr>
+          <a:xfrm>
+            <a:off x="-181233" y="940655"/>
+            <a:ext cx="6959719" cy="5985358"/>
+          </a:xfrm>
+          <a:prstGeom prst="rect">
+            <a:avLst/>
+          </a:prstGeom>
+        </p:spPr>
+      </p:pic>
+      <p:sp>
+        <p:nvSpPr>
+          <p:cNvPr id="12" name="Frame 11">
+            <a:extLst>
+              <a:ext uri="{FF2B5EF4-FFF2-40B4-BE49-F238E27FC236}">
+                <a16:creationId xmlns:a16="http://schemas.microsoft.com/office/drawing/2014/main" id="{4DA8C27A-EACC-28A0-3024-112F12CF5D67}"/>
+              </a:ext>
+            </a:extLst>
+          </p:cNvPr>
+          <p:cNvSpPr/>
+          <p:nvPr/>
+        </p:nvSpPr>
+        <p:spPr bwMode="auto">
+          <a:xfrm>
+            <a:off x="3508515" y="3140760"/>
+            <a:ext cx="954156" cy="327992"/>
+          </a:xfrm>
+          <a:prstGeom prst="frame">
+            <a:avLst/>
+          </a:prstGeom>
+          <a:gradFill rotWithShape="0">
+            <a:gsLst>
+              <a:gs pos="0">
+                <a:schemeClr val="accent1"/>
+              </a:gs>
+              <a:gs pos="100000">
+                <a:schemeClr val="accent2"/>
+              </a:gs>
+            </a:gsLst>
+            <a:lin ang="5400000" scaled="1"/>
+          </a:gradFill>
+          <a:ln w="9525" cap="flat" cmpd="sng" algn="ctr">
+            <a:solidFill>
+              <a:schemeClr val="accent1"/>
+            </a:solidFill>
+            <a:prstDash val="solid"/>
+            <a:round/>
+            <a:headEnd type="none" w="med" len="med"/>
+            <a:tailEnd type="none" w="med" len="med"/>
+          </a:ln>
+        </p:spPr>
+        <p:txBody>
+          <a:bodyPr vert="horz" wrap="none" lIns="91440" tIns="45720" rIns="91440" bIns="45720" numCol="1" rtlCol="0" anchor="ctr" anchorCtr="0" compatLnSpc="1"/>
+          <a:lstStyle/>
+          <a:p>
+            <a:pPr marL="0" marR="0" indent="0" algn="l" defTabSz="914400" rtl="0" eaLnBrk="1" fontAlgn="base" latinLnBrk="0" hangingPunct="1">
+              <a:lnSpc>
+                <a:spcPct val="100000"/>
+              </a:lnSpc>
+              <a:spcBef>
+                <a:spcPct val="0"/>
+              </a:spcBef>
+              <a:spcAft>
+                <a:spcPct val="0"/>
+              </a:spcAft>
+              <a:buClrTx/>
+              <a:buSzTx/>
+              <a:buFontTx/>
+              <a:buNone/>
+            </a:pPr>
+            <a:endParaRPr kumimoji="0" lang="en-US" sz="1800" b="0" i="0" u="none" strike="noStrike" cap="none" normalizeH="0" baseline="0">
+              <a:ln>
+                <a:noFill/>
+              </a:ln>
+              <a:solidFill>
+                <a:schemeClr val="tx1"/>
+              </a:solidFill>
+              <a:effectLst/>
+              <a:latin typeface="Arial" panose="020B0604020202020204" pitchFamily="34" charset="0"/>
+              <a:ea typeface="SimSun" panose="02010600030101010101" pitchFamily="2" charset="-122"/>
+            </a:endParaRPr>
+          </a:p>
+        </p:txBody>
+      </p:sp>
     </p:spTree>
     <p:extLst>
       <p:ext uri="{BB962C8B-B14F-4D97-AF65-F5344CB8AC3E}">
@@ -6713,123 +6796,6 @@
           <a:chExt cx="0" cy="0"/>
         </a:xfrm>
       </p:grpSpPr>
-      <p:sp>
-        <p:nvSpPr>
-          <p:cNvPr id="2" name="Title 1"/>
-          <p:cNvSpPr>
-            <a:spLocks noGrp="1"/>
-          </p:cNvSpPr>
-          <p:nvPr>
-            <p:ph type="title"/>
-          </p:nvPr>
-        </p:nvSpPr>
-        <p:spPr>
-          <a:xfrm>
-            <a:off x="609600" y="190500"/>
-            <a:ext cx="10972800" cy="1379883"/>
-          </a:xfrm>
-        </p:spPr>
-        <p:txBody>
-          <a:bodyPr/>
-          <a:lstStyle/>
-          <a:p>
-            <a:r>
-              <a:rPr lang="zh-CN" altLang="en-US" sz="3200" dirty="0">
-                <a:solidFill>
-                  <a:schemeClr val="accent2"/>
-                </a:solidFill>
-                <a:sym typeface="+mn-ea"/>
-              </a:rPr>
-              <a:t>王上</a:t>
-            </a:r>
-            <a:r>
-              <a:rPr lang="en-US" altLang="zh-CN" sz="3200" dirty="0">
-                <a:solidFill>
-                  <a:schemeClr val="accent2"/>
-                </a:solidFill>
-                <a:sym typeface="+mn-ea"/>
-              </a:rPr>
-              <a:t>16: 29-34.</a:t>
-            </a:r>
-            <a:r>
-              <a:rPr lang="zh-CN" altLang="en-US" sz="3200" dirty="0">
-                <a:solidFill>
-                  <a:schemeClr val="accent2"/>
-                </a:solidFill>
-                <a:sym typeface="+mn-ea"/>
-              </a:rPr>
-              <a:t>經文釋意</a:t>
-            </a:r>
-            <a:br>
-              <a:rPr lang="en-US" altLang="zh-CN" sz="3200" dirty="0">
-                <a:solidFill>
-                  <a:schemeClr val="accent2"/>
-                </a:solidFill>
-                <a:sym typeface="+mn-ea"/>
-              </a:rPr>
-            </a:br>
-            <a:r>
-              <a:rPr lang="en-US" altLang="zh-CN" sz="3200" dirty="0">
-                <a:solidFill>
-                  <a:schemeClr val="accent2"/>
-                </a:solidFill>
-                <a:sym typeface="+mn-ea"/>
-              </a:rPr>
-              <a:t>Do Evil in the Eyes of the Lord. </a:t>
-            </a:r>
-            <a:r>
-              <a:rPr lang="en-US" altLang="ja-JP" sz="3200" dirty="0">
-                <a:solidFill>
-                  <a:schemeClr val="accent2"/>
-                </a:solidFill>
-                <a:sym typeface="+mn-ea"/>
-              </a:rPr>
-              <a:t>”</a:t>
-            </a:r>
-            <a:br>
-              <a:rPr lang="en-US" altLang="ja-JP" sz="3200" dirty="0">
-                <a:solidFill>
-                  <a:schemeClr val="accent2"/>
-                </a:solidFill>
-                <a:sym typeface="+mn-ea"/>
-              </a:rPr>
-            </a:br>
-            <a:r>
-              <a:rPr lang="ja-JP" altLang="en-US" sz="3200">
-                <a:solidFill>
-                  <a:schemeClr val="accent2"/>
-                </a:solidFill>
-                <a:sym typeface="+mn-ea"/>
-              </a:rPr>
-              <a:t>行耶和华眼中看为恶的事</a:t>
-            </a:r>
-            <a:r>
-              <a:rPr lang="en-US" altLang="ja-JP" sz="3200" dirty="0">
-                <a:solidFill>
-                  <a:schemeClr val="accent2"/>
-                </a:solidFill>
-                <a:sym typeface="+mn-ea"/>
-              </a:rPr>
-              <a:t>" (1</a:t>
-            </a:r>
-            <a:r>
-              <a:rPr lang="en-US" altLang="zh-CN" sz="3200" dirty="0">
-                <a:solidFill>
-                  <a:schemeClr val="accent2"/>
-                </a:solidFill>
-                <a:sym typeface="+mn-ea"/>
-              </a:rPr>
-              <a:t>Ki16:30 CUVS)</a:t>
-            </a:r>
-            <a:endParaRPr lang="zh-CN" altLang="en-US" sz="3200" dirty="0">
-              <a:solidFill>
-                <a:schemeClr val="accent2"/>
-              </a:solidFill>
-              <a:sym typeface="+mn-ea"/>
-            </a:endParaRPr>
-          </a:p>
-        </p:txBody>
-      </p:sp>
       <p:graphicFrame>
         <p:nvGraphicFramePr>
           <p:cNvPr id="3" name="Table 2">
@@ -6845,14 +6811,14 @@
           <p:nvPr>
             <p:extLst>
               <p:ext uri="{D42A27DB-BD31-4B8C-83A1-F6EECF244321}">
-                <p14:modId xmlns:p14="http://schemas.microsoft.com/office/powerpoint/2010/main" val="3864921554"/>
+                <p14:modId xmlns:p14="http://schemas.microsoft.com/office/powerpoint/2010/main" val="3002138494"/>
               </p:ext>
             </p:extLst>
           </p:nvPr>
         </p:nvGraphicFramePr>
         <p:xfrm>
-          <a:off x="609600" y="1851992"/>
-          <a:ext cx="10972801" cy="3916850"/>
+          <a:off x="747205" y="2160105"/>
+          <a:ext cx="10652978" cy="3642530"/>
         </p:xfrm>
         <a:graphic>
           <a:graphicData uri="http://schemas.openxmlformats.org/drawingml/2006/table">
@@ -6861,55 +6827,27 @@
                 <a:tableStyleId>{5C22544A-7EE6-4342-B048-85BDC9FD1C3A}</a:tableStyleId>
               </a:tblPr>
               <a:tblGrid>
-                <a:gridCol w="513522">
+                <a:gridCol w="342926">
                   <a:extLst>
                     <a:ext uri="{9D8B030D-6E8A-4147-A177-3AD203B41FA5}">
                       <a16:colId xmlns:a16="http://schemas.microsoft.com/office/drawing/2014/main" val="2912965187"/>
                     </a:ext>
                   </a:extLst>
                 </a:gridCol>
-                <a:gridCol w="1063487">
+                <a:gridCol w="1204491">
                   <a:extLst>
                     <a:ext uri="{9D8B030D-6E8A-4147-A177-3AD203B41FA5}">
                       <a16:colId xmlns:a16="http://schemas.microsoft.com/office/drawing/2014/main" val="4139541504"/>
                     </a:ext>
                   </a:extLst>
                 </a:gridCol>
-                <a:gridCol w="5289538">
+                <a:gridCol w="9105561">
                   <a:extLst>
                     <a:ext uri="{9D8B030D-6E8A-4147-A177-3AD203B41FA5}">
                       <a16:colId xmlns:a16="http://schemas.microsoft.com/office/drawing/2014/main" val="4135421565"/>
                     </a:ext>
                   </a:extLst>
                 </a:gridCol>
-                <a:gridCol w="955332">
-                  <a:extLst>
-                    <a:ext uri="{9D8B030D-6E8A-4147-A177-3AD203B41FA5}">
-                      <a16:colId xmlns:a16="http://schemas.microsoft.com/office/drawing/2014/main" val="1959367724"/>
-                    </a:ext>
-                  </a:extLst>
-                </a:gridCol>
-                <a:gridCol w="995557">
-                  <a:extLst>
-                    <a:ext uri="{9D8B030D-6E8A-4147-A177-3AD203B41FA5}">
-                      <a16:colId xmlns:a16="http://schemas.microsoft.com/office/drawing/2014/main" val="4107114473"/>
-                    </a:ext>
-                  </a:extLst>
-                </a:gridCol>
-                <a:gridCol w="1000324">
-                  <a:extLst>
-                    <a:ext uri="{9D8B030D-6E8A-4147-A177-3AD203B41FA5}">
-                      <a16:colId xmlns:a16="http://schemas.microsoft.com/office/drawing/2014/main" val="2569890935"/>
-                    </a:ext>
-                  </a:extLst>
-                </a:gridCol>
-                <a:gridCol w="1155041">
-                  <a:extLst>
-                    <a:ext uri="{9D8B030D-6E8A-4147-A177-3AD203B41FA5}">
-                      <a16:colId xmlns:a16="http://schemas.microsoft.com/office/drawing/2014/main" val="1624776587"/>
-                    </a:ext>
-                  </a:extLst>
-                </a:gridCol>
               </a:tblGrid>
               <a:tr h="442130">
                 <a:tc>
@@ -6933,6 +6871,183 @@
                       <a:r>
                         <a:rPr lang="en-US" dirty="0"/>
                         <a:t>Exodus</a:t>
+                      </a:r>
+                    </a:p>
+                  </a:txBody>
+                  <a:tcPr/>
+                </a:tc>
+                <a:tc>
+                  <a:txBody>
+                    <a:bodyPr/>
+                    <a:lstStyle/>
+                    <a:p>
+                      <a:r>
+                        <a:rPr lang="en-US" dirty="0"/>
+                        <a:t>Lord’s Commands</a:t>
+                      </a:r>
+                    </a:p>
+                  </a:txBody>
+                  <a:tcPr/>
+                </a:tc>
+                <a:extLst>
+                  <a:ext uri="{0D108BD9-81ED-4DB2-BD59-A6C34878D82A}">
+                    <a16:rowId xmlns:a16="http://schemas.microsoft.com/office/drawing/2014/main" val="1061428638"/>
+                  </a:ext>
+                </a:extLst>
+              </a:tr>
+              <a:tr h="442130">
+                <a:tc>
+                  <a:txBody>
+                    <a:bodyPr/>
+                    <a:lstStyle/>
+                    <a:p>
+                      <a:r>
+                        <a:rPr lang="en-US" dirty="0"/>
+                        <a:t>1</a:t>
+                      </a:r>
+                    </a:p>
+                  </a:txBody>
+                  <a:tcPr/>
+                </a:tc>
+                <a:tc>
+                  <a:txBody>
+                    <a:bodyPr/>
+                    <a:lstStyle/>
+                    <a:p>
+                      <a:r>
+                        <a:rPr lang="en-US" dirty="0"/>
+                        <a:t>20:3</a:t>
+                      </a:r>
+                    </a:p>
+                  </a:txBody>
+                  <a:tcPr/>
+                </a:tc>
+                <a:tc>
+                  <a:txBody>
+                    <a:bodyPr/>
+                    <a:lstStyle/>
+                    <a:p>
+                      <a:r>
+                        <a:rPr lang="en-US" altLang="ja-JP" dirty="0"/>
+                        <a:t>You shall have no other </a:t>
+                      </a:r>
+                      <a:r>
+                        <a:rPr lang="en-US" altLang="ja-JP" b="1" dirty="0">
+                          <a:solidFill>
+                            <a:schemeClr val="accent1"/>
+                          </a:solidFill>
+                        </a:rPr>
+                        <a:t>gods</a:t>
+                      </a:r>
+                      <a:r>
+                        <a:rPr lang="en-US" altLang="ja-JP" dirty="0"/>
+                        <a:t> before me.</a:t>
+                      </a:r>
+                    </a:p>
+                    <a:p>
+                      <a:r>
+                        <a:rPr lang="ja-JP" altLang="en-US"/>
+                        <a:t>除了我以外、你不可有别的神。</a:t>
+                      </a:r>
+                      <a:endParaRPr lang="en-US" dirty="0"/>
+                    </a:p>
+                  </a:txBody>
+                  <a:tcPr/>
+                </a:tc>
+                <a:extLst>
+                  <a:ext uri="{0D108BD9-81ED-4DB2-BD59-A6C34878D82A}">
+                    <a16:rowId xmlns:a16="http://schemas.microsoft.com/office/drawing/2014/main" val="685271850"/>
+                  </a:ext>
+                </a:extLst>
+              </a:tr>
+              <a:tr h="442130">
+                <a:tc>
+                  <a:txBody>
+                    <a:bodyPr/>
+                    <a:lstStyle/>
+                    <a:p>
+                      <a:r>
+                        <a:rPr lang="en-US" dirty="0"/>
+                        <a:t>2</a:t>
+                      </a:r>
+                    </a:p>
+                  </a:txBody>
+                  <a:tcPr/>
+                </a:tc>
+                <a:tc>
+                  <a:txBody>
+                    <a:bodyPr/>
+                    <a:lstStyle/>
+                    <a:p>
+                      <a:r>
+                        <a:rPr lang="en-US" dirty="0"/>
+                        <a:t>20:4</a:t>
+                      </a:r>
+                    </a:p>
+                  </a:txBody>
+                  <a:tcPr/>
+                </a:tc>
+                <a:tc>
+                  <a:txBody>
+                    <a:bodyPr/>
+                    <a:lstStyle/>
+                    <a:p>
+                      <a:r>
+                        <a:rPr lang="en-US" altLang="ja-JP" dirty="0"/>
+                        <a:t>You shall not make for yourself an </a:t>
+                      </a:r>
+                      <a:r>
+                        <a:rPr lang="en-US" altLang="ja-JP" b="1" dirty="0">
+                          <a:solidFill>
+                            <a:schemeClr val="accent1"/>
+                          </a:solidFill>
+                        </a:rPr>
+                        <a:t>idol</a:t>
+                      </a:r>
+                      <a:r>
+                        <a:rPr lang="en-US" altLang="ja-JP" dirty="0"/>
+                        <a:t> in the form of anything </a:t>
+                      </a:r>
+                      <a:br>
+                        <a:rPr lang="en-US" altLang="ja-JP" dirty="0"/>
+                      </a:br>
+                      <a:r>
+                        <a:rPr lang="ja-JP" altLang="en-US"/>
+                        <a:t>不可为自己雕刻偶像</a:t>
+                      </a:r>
+                      <a:endParaRPr lang="en-US" dirty="0"/>
+                    </a:p>
+                  </a:txBody>
+                  <a:tcPr/>
+                </a:tc>
+                <a:extLst>
+                  <a:ext uri="{0D108BD9-81ED-4DB2-BD59-A6C34878D82A}">
+                    <a16:rowId xmlns:a16="http://schemas.microsoft.com/office/drawing/2014/main" val="1064146381"/>
+                  </a:ext>
+                </a:extLst>
+              </a:tr>
+              <a:tr h="442130">
+                <a:tc>
+                  <a:txBody>
+                    <a:bodyPr/>
+                    <a:lstStyle/>
+                    <a:p>
+                      <a:r>
+                        <a:rPr lang="en-US" dirty="0"/>
+                        <a:t>3</a:t>
+                      </a:r>
+                    </a:p>
+                  </a:txBody>
+                  <a:tcPr/>
+                </a:tc>
+                <a:tc>
+                  <a:txBody>
+                    <a:bodyPr/>
+                    <a:lstStyle/>
+                    <a:p>
+                      <a:r>
+                        <a:rPr lang="en-US" dirty="0"/>
+                        <a:t>20:7</a:t>
                       </a:r>
                     </a:p>
                   </a:txBody>
@@ -6961,72 +7076,44 @@
                         <a:defRPr/>
                       </a:pPr>
                       <a:r>
-                        <a:rPr lang="en-US" dirty="0"/>
-                        <a:t>Lord’s Commands</a:t>
-                      </a:r>
-                    </a:p>
-                  </a:txBody>
-                  <a:tcPr/>
-                </a:tc>
-                <a:tc>
-                  <a:txBody>
-                    <a:bodyPr/>
-                    <a:lstStyle/>
-                    <a:p>
-                      <a:r>
-                        <a:rPr lang="en-US" dirty="0"/>
-                        <a:t>US</a:t>
-                      </a:r>
-                    </a:p>
-                  </a:txBody>
-                  <a:tcPr/>
-                </a:tc>
-                <a:tc>
-                  <a:txBody>
-                    <a:bodyPr/>
-                    <a:lstStyle/>
-                    <a:p>
-                      <a:r>
-                        <a:rPr lang="en-US" dirty="0"/>
-                        <a:t>PRC</a:t>
-                      </a:r>
-                    </a:p>
-                  </a:txBody>
-                  <a:tcPr/>
-                </a:tc>
-                <a:tc>
-                  <a:txBody>
-                    <a:bodyPr/>
-                    <a:lstStyle/>
-                    <a:p>
-                      <a:r>
-                        <a:rPr lang="en-US" dirty="0"/>
-                        <a:t>TW</a:t>
-                      </a:r>
-                    </a:p>
-                  </a:txBody>
-                  <a:tcPr/>
-                </a:tc>
-                <a:tc>
-                  <a:txBody>
-                    <a:bodyPr/>
-                    <a:lstStyle/>
-                    <a:p>
-                      <a:r>
-                        <a:rPr lang="en-US" dirty="0"/>
-                        <a:t>Me</a:t>
-                      </a:r>
+                        <a:rPr lang="en-US" altLang="ja-JP" dirty="0"/>
+                        <a:t>You shall not </a:t>
+                      </a:r>
+                      <a:r>
+                        <a:rPr lang="en-US" altLang="ja-JP" b="1" dirty="0">
+                          <a:solidFill>
+                            <a:schemeClr val="accent1"/>
+                          </a:solidFill>
+                        </a:rPr>
+                        <a:t>misuse</a:t>
+                      </a:r>
+                      <a:r>
+                        <a:rPr lang="en-US" altLang="ja-JP" dirty="0"/>
+                        <a:t> the name of the Lord your God.</a:t>
+                      </a:r>
+                      <a:br>
+                        <a:rPr lang="en-US" altLang="ja-JP" dirty="0"/>
+                      </a:br>
+                      <a:r>
+                        <a:rPr lang="ja-JP" altLang="en-US"/>
+                        <a:t>不可妄称耶和华你　神的名</a:t>
+                      </a:r>
+                      <a:r>
+                        <a:rPr lang="en-US" altLang="ja-JP" dirty="0"/>
+                        <a:t>.</a:t>
+                      </a:r>
+                      <a:endParaRPr lang="en-US" dirty="0"/>
                     </a:p>
                   </a:txBody>
                   <a:tcPr/>
                 </a:tc>
                 <a:extLst>
                   <a:ext uri="{0D108BD9-81ED-4DB2-BD59-A6C34878D82A}">
-                    <a16:rowId xmlns:a16="http://schemas.microsoft.com/office/drawing/2014/main" val="1061428638"/>
+                    <a16:rowId xmlns:a16="http://schemas.microsoft.com/office/drawing/2014/main" val="3339034449"/>
                   </a:ext>
                 </a:extLst>
               </a:tr>
-              <a:tr h="442130">
+              <a:tr h="493116">
                 <a:tc>
                   <a:txBody>
                     <a:bodyPr/>
@@ -7034,7 +7121,7 @@
                     <a:p>
                       <a:r>
                         <a:rPr lang="en-US" dirty="0"/>
-                        <a:t>6</a:t>
+                        <a:t>4</a:t>
                       </a:r>
                     </a:p>
                   </a:txBody>
@@ -7047,212 +7134,7 @@
                     <a:p>
                       <a:r>
                         <a:rPr lang="en-US" dirty="0"/>
-                        <a:t>20:13</a:t>
-                      </a:r>
-                    </a:p>
-                  </a:txBody>
-                  <a:tcPr/>
-                </a:tc>
-                <a:tc>
-                  <a:txBody>
-                    <a:bodyPr/>
-                    <a:lstStyle/>
-                    <a:p>
-                      <a:r>
-                        <a:rPr lang="en-US" altLang="ja-JP" dirty="0"/>
-                        <a:t>You shall not murder.</a:t>
-                      </a:r>
-                      <a:br>
-                        <a:rPr lang="en-US" altLang="ja-JP" dirty="0"/>
-                      </a:br>
-                      <a:r>
-                        <a:rPr lang="ja-JP" altLang="en-US"/>
-                        <a:t>不可杀人。</a:t>
-                      </a:r>
-                      <a:r>
-                        <a:rPr lang="en-US" altLang="ja-JP" dirty="0"/>
-                        <a:t> </a:t>
-                      </a:r>
-                      <a:endParaRPr lang="en-US" dirty="0"/>
-                    </a:p>
-                  </a:txBody>
-                  <a:tcPr/>
-                </a:tc>
-                <a:tc>
-                  <a:txBody>
-                    <a:bodyPr/>
-                    <a:lstStyle/>
-                    <a:p>
-                      <a:endParaRPr lang="en-US" dirty="0"/>
-                    </a:p>
-                  </a:txBody>
-                  <a:tcPr/>
-                </a:tc>
-                <a:tc>
-                  <a:txBody>
-                    <a:bodyPr/>
-                    <a:lstStyle/>
-                    <a:p>
-                      <a:r>
-                        <a:rPr lang="en-US" dirty="0"/>
-                        <a:t>XXX</a:t>
-                      </a:r>
-                    </a:p>
-                  </a:txBody>
-                  <a:tcPr/>
-                </a:tc>
-                <a:tc>
-                  <a:txBody>
-                    <a:bodyPr/>
-                    <a:lstStyle/>
-                    <a:p>
-                      <a:endParaRPr lang="en-US" dirty="0"/>
-                    </a:p>
-                  </a:txBody>
-                  <a:tcPr/>
-                </a:tc>
-                <a:tc>
-                  <a:txBody>
-                    <a:bodyPr/>
-                    <a:lstStyle/>
-                    <a:p>
-                      <a:endParaRPr lang="en-US" dirty="0"/>
-                    </a:p>
-                  </a:txBody>
-                  <a:tcPr/>
-                </a:tc>
-                <a:extLst>
-                  <a:ext uri="{0D108BD9-81ED-4DB2-BD59-A6C34878D82A}">
-                    <a16:rowId xmlns:a16="http://schemas.microsoft.com/office/drawing/2014/main" val="685271850"/>
-                  </a:ext>
-                </a:extLst>
-              </a:tr>
-              <a:tr h="442130">
-                <a:tc>
-                  <a:txBody>
-                    <a:bodyPr/>
-                    <a:lstStyle/>
-                    <a:p>
-                      <a:r>
-                        <a:rPr lang="en-US" dirty="0"/>
-                        <a:t>7</a:t>
-                      </a:r>
-                    </a:p>
-                  </a:txBody>
-                  <a:tcPr/>
-                </a:tc>
-                <a:tc>
-                  <a:txBody>
-                    <a:bodyPr/>
-                    <a:lstStyle/>
-                    <a:p>
-                      <a:r>
-                        <a:rPr lang="en-US" dirty="0"/>
-                        <a:t>20:14</a:t>
-                      </a:r>
-                    </a:p>
-                  </a:txBody>
-                  <a:tcPr/>
-                </a:tc>
-                <a:tc>
-                  <a:txBody>
-                    <a:bodyPr/>
-                    <a:lstStyle/>
-                    <a:p>
-                      <a:r>
-                        <a:rPr lang="en-US" altLang="ja-JP" dirty="0"/>
-                        <a:t>You shall not commit adultery.</a:t>
-                      </a:r>
-                      <a:br>
-                        <a:rPr lang="en-US" altLang="ja-JP" dirty="0"/>
-                      </a:br>
-                      <a:r>
-                        <a:rPr lang="ja-JP" altLang="en-US"/>
-                        <a:t>不可奸淫。</a:t>
-                      </a:r>
-                      <a:r>
-                        <a:rPr lang="en-US" altLang="ja-JP" dirty="0"/>
-                        <a:t> </a:t>
-                      </a:r>
-                      <a:endParaRPr lang="en-US" dirty="0"/>
-                    </a:p>
-                  </a:txBody>
-                  <a:tcPr/>
-                </a:tc>
-                <a:tc>
-                  <a:txBody>
-                    <a:bodyPr/>
-                    <a:lstStyle/>
-                    <a:p>
-                      <a:r>
-                        <a:rPr lang="en-US" dirty="0"/>
-                        <a:t>XXX</a:t>
-                      </a:r>
-                    </a:p>
-                  </a:txBody>
-                  <a:tcPr/>
-                </a:tc>
-                <a:tc>
-                  <a:txBody>
-                    <a:bodyPr/>
-                    <a:lstStyle/>
-                    <a:p>
-                      <a:endParaRPr lang="en-US" dirty="0"/>
-                    </a:p>
-                  </a:txBody>
-                  <a:tcPr/>
-                </a:tc>
-                <a:tc>
-                  <a:txBody>
-                    <a:bodyPr/>
-                    <a:lstStyle/>
-                    <a:p>
-                      <a:endParaRPr lang="en-US" dirty="0"/>
-                    </a:p>
-                  </a:txBody>
-                  <a:tcPr/>
-                </a:tc>
-                <a:tc>
-                  <a:txBody>
-                    <a:bodyPr/>
-                    <a:lstStyle/>
-                    <a:p>
-                      <a:r>
-                        <a:rPr lang="en-US" dirty="0"/>
-                        <a:t>x</a:t>
-                      </a:r>
-                    </a:p>
-                  </a:txBody>
-                  <a:tcPr/>
-                </a:tc>
-                <a:extLst>
-                  <a:ext uri="{0D108BD9-81ED-4DB2-BD59-A6C34878D82A}">
-                    <a16:rowId xmlns:a16="http://schemas.microsoft.com/office/drawing/2014/main" val="1064146381"/>
-                  </a:ext>
-                </a:extLst>
-              </a:tr>
-              <a:tr h="442130">
-                <a:tc>
-                  <a:txBody>
-                    <a:bodyPr/>
-                    <a:lstStyle/>
-                    <a:p>
-                      <a:r>
-                        <a:rPr lang="en-US" dirty="0"/>
-                        <a:t>8</a:t>
-                      </a:r>
-                    </a:p>
-                  </a:txBody>
-                  <a:tcPr/>
-                </a:tc>
-                <a:tc>
-                  <a:txBody>
-                    <a:bodyPr/>
-                    <a:lstStyle/>
-                    <a:p>
-                      <a:r>
-                        <a:rPr lang="en-US" dirty="0"/>
-                        <a:t>20:15</a:t>
+                        <a:t>20:8</a:t>
                       </a:r>
                     </a:p>
                   </a:txBody>
@@ -7281,203 +7163,28 @@
                         <a:defRPr/>
                       </a:pPr>
                       <a:r>
-                        <a:rPr lang="en-US" altLang="ja-JP" dirty="0"/>
-                        <a:t>You shall not steal.</a:t>
-                      </a:r>
-                    </a:p>
-                    <a:p>
-                      <a:pPr marL="0" marR="0" lvl="0" indent="0" algn="l" defTabSz="914400" rtl="0" eaLnBrk="1" fontAlgn="auto" latinLnBrk="0" hangingPunct="1">
-                        <a:lnSpc>
-                          <a:spcPct val="100000"/>
-                        </a:lnSpc>
-                        <a:spcBef>
-                          <a:spcPts val="0"/>
-                        </a:spcBef>
-                        <a:spcAft>
-                          <a:spcPts val="0"/>
-                        </a:spcAft>
-                        <a:buClrTx/>
-                        <a:buSzTx/>
-                        <a:buFontTx/>
-                        <a:buNone/>
-                        <a:tabLst/>
-                        <a:defRPr/>
-                      </a:pPr>
-                      <a:r>
-                        <a:rPr lang="ja-JP" altLang="en-US"/>
-                        <a:t>不可偷盗。</a:t>
-                      </a:r>
-                      <a:endParaRPr lang="en-US" dirty="0"/>
-                    </a:p>
-                  </a:txBody>
-                  <a:tcPr/>
-                </a:tc>
-                <a:tc>
-                  <a:txBody>
-                    <a:bodyPr/>
-                    <a:lstStyle/>
-                    <a:p>
-                      <a:endParaRPr lang="en-US" dirty="0"/>
-                    </a:p>
-                  </a:txBody>
-                  <a:tcPr/>
-                </a:tc>
-                <a:tc>
-                  <a:txBody>
-                    <a:bodyPr/>
-                    <a:lstStyle/>
-                    <a:p>
-                      <a:r>
                         <a:rPr lang="en-US" dirty="0"/>
-                        <a:t>XXX</a:t>
-                      </a:r>
-                    </a:p>
-                  </a:txBody>
-                  <a:tcPr/>
-                </a:tc>
-                <a:tc>
-                  <a:txBody>
-                    <a:bodyPr/>
-                    <a:lstStyle/>
-                    <a:p>
-                      <a:endParaRPr lang="en-US" dirty="0"/>
-                    </a:p>
-                  </a:txBody>
-                  <a:tcPr/>
-                </a:tc>
-                <a:tc>
-                  <a:txBody>
-                    <a:bodyPr/>
-                    <a:lstStyle/>
-                    <a:p>
-                      <a:endParaRPr lang="en-US" dirty="0"/>
-                    </a:p>
-                  </a:txBody>
-                  <a:tcPr/>
-                </a:tc>
-                <a:extLst>
-                  <a:ext uri="{0D108BD9-81ED-4DB2-BD59-A6C34878D82A}">
-                    <a16:rowId xmlns:a16="http://schemas.microsoft.com/office/drawing/2014/main" val="3339034449"/>
-                  </a:ext>
-                </a:extLst>
-              </a:tr>
-              <a:tr h="493116">
-                <a:tc>
-                  <a:txBody>
-                    <a:bodyPr/>
-                    <a:lstStyle/>
-                    <a:p>
+                        <a:t>Remember the </a:t>
+                      </a:r>
+                      <a:r>
+                        <a:rPr lang="en-US" dirty="0">
+                          <a:solidFill>
+                            <a:schemeClr val="accent1"/>
+                          </a:solidFill>
+                        </a:rPr>
+                        <a:t>Sabbath</a:t>
+                      </a:r>
                       <a:r>
                         <a:rPr lang="en-US" dirty="0"/>
-                        <a:t>9</a:t>
-                      </a:r>
-                    </a:p>
-                  </a:txBody>
-                  <a:tcPr/>
-                </a:tc>
-                <a:tc>
-                  <a:txBody>
-                    <a:bodyPr/>
-                    <a:lstStyle/>
-                    <a:p>
-                      <a:r>
-                        <a:rPr lang="en-US" dirty="0"/>
-                        <a:t>20:16</a:t>
-                      </a:r>
-                    </a:p>
-                  </a:txBody>
-                  <a:tcPr/>
-                </a:tc>
-                <a:tc>
-                  <a:txBody>
-                    <a:bodyPr/>
-                    <a:lstStyle/>
-                    <a:p>
-                      <a:pPr marL="0" marR="0" lvl="0" indent="0" algn="l" defTabSz="914400" rtl="0" eaLnBrk="1" fontAlgn="auto" latinLnBrk="0" hangingPunct="1">
-                        <a:lnSpc>
-                          <a:spcPct val="100000"/>
-                        </a:lnSpc>
-                        <a:spcBef>
-                          <a:spcPts val="0"/>
-                        </a:spcBef>
-                        <a:spcAft>
-                          <a:spcPts val="0"/>
-                        </a:spcAft>
-                        <a:buClrTx/>
-                        <a:buSzTx/>
-                        <a:buFontTx/>
-                        <a:buNone/>
-                        <a:tabLst/>
-                        <a:defRPr/>
-                      </a:pPr>
-                      <a:r>
-                        <a:rPr lang="en-US" dirty="0"/>
-                        <a:t>You shall not give false testimony against your neighbor.</a:t>
+                        <a:t> day by keeping it holy.</a:t>
                       </a:r>
                       <a:br>
                         <a:rPr lang="en-US" dirty="0"/>
                       </a:br>
                       <a:r>
                         <a:rPr lang="ja-JP" altLang="en-US"/>
-                        <a:t>不可作假见证陷害人。</a:t>
-                      </a:r>
-                      <a:endParaRPr lang="en-US" dirty="0"/>
-                    </a:p>
-                  </a:txBody>
-                  <a:tcPr/>
-                </a:tc>
-                <a:tc>
-                  <a:txBody>
-                    <a:bodyPr/>
-                    <a:lstStyle/>
-                    <a:p>
-                      <a:endParaRPr lang="en-US" dirty="0"/>
-                    </a:p>
-                  </a:txBody>
-                  <a:tcPr/>
-                </a:tc>
-                <a:tc>
-                  <a:txBody>
-                    <a:bodyPr/>
-                    <a:lstStyle/>
-                    <a:p>
-                      <a:endParaRPr lang="en-US" dirty="0"/>
-                    </a:p>
-                  </a:txBody>
-                  <a:tcPr/>
-                </a:tc>
-                <a:tc>
-                  <a:txBody>
-                    <a:bodyPr/>
-                    <a:lstStyle/>
-                    <a:p>
-                      <a:endParaRPr lang="en-US" dirty="0"/>
-                    </a:p>
-                  </a:txBody>
-                  <a:tcPr/>
-                </a:tc>
-                <a:tc>
-                  <a:txBody>
-                    <a:bodyPr/>
-                    <a:lstStyle/>
-                    <a:p>
-                      <a:pPr marL="0" marR="0" lvl="0" indent="0" algn="l" defTabSz="914400" rtl="0" eaLnBrk="1" fontAlgn="auto" latinLnBrk="0" hangingPunct="1">
-                        <a:lnSpc>
-                          <a:spcPct val="100000"/>
-                        </a:lnSpc>
-                        <a:spcBef>
-                          <a:spcPts val="0"/>
-                        </a:spcBef>
-                        <a:spcAft>
-                          <a:spcPts val="0"/>
-                        </a:spcAft>
-                        <a:buClrTx/>
-                        <a:buSzTx/>
-                        <a:buFontTx/>
-                        <a:buNone/>
-                        <a:tabLst/>
-                        <a:defRPr/>
-                      </a:pPr>
+                        <a:t>当记念安息日、守为圣日。</a:t>
+                      </a:r>
                       <a:endParaRPr lang="en-US" dirty="0"/>
                     </a:p>
                   </a:txBody>
@@ -7497,7 +7204,7 @@
                     <a:p>
                       <a:r>
                         <a:rPr lang="en-US" dirty="0"/>
-                        <a:t>10</a:t>
+                        <a:t>5</a:t>
                       </a:r>
                     </a:p>
                   </a:txBody>
@@ -7510,70 +7217,35 @@
                     <a:p>
                       <a:r>
                         <a:rPr lang="en-US" dirty="0"/>
-                        <a:t>20:17</a:t>
-                      </a:r>
-                    </a:p>
-                  </a:txBody>
-                  <a:tcPr/>
-                </a:tc>
-                <a:tc>
-                  <a:txBody>
-                    <a:bodyPr/>
-                    <a:lstStyle/>
-                    <a:p>
+                        <a:t>20:12</a:t>
+                      </a:r>
+                    </a:p>
+                  </a:txBody>
+                  <a:tcPr/>
+                </a:tc>
+                <a:tc>
+                  <a:txBody>
+                    <a:bodyPr/>
+                    <a:lstStyle/>
+                    <a:p>
+                      <a:r>
+                        <a:rPr lang="en-US" dirty="0">
+                          <a:solidFill>
+                            <a:schemeClr val="accent1"/>
+                          </a:solidFill>
+                        </a:rPr>
+                        <a:t>Honor</a:t>
+                      </a:r>
                       <a:r>
                         <a:rPr lang="en-US" dirty="0"/>
-                        <a:t>You shall not covet your neighbor's house. </a:t>
+                        <a:t> your father and your mother.</a:t>
                       </a:r>
                     </a:p>
                     <a:p>
                       <a:r>
                         <a:rPr lang="ja-JP" altLang="en-US"/>
-                        <a:t>不可贪恋人的房屋</a:t>
-                      </a:r>
-                      <a:endParaRPr lang="en-US" dirty="0"/>
-                    </a:p>
-                  </a:txBody>
-                  <a:tcPr/>
-                </a:tc>
-                <a:tc>
-                  <a:txBody>
-                    <a:bodyPr/>
-                    <a:lstStyle/>
-                    <a:p>
-                      <a:endParaRPr lang="en-US" dirty="0"/>
-                    </a:p>
-                  </a:txBody>
-                  <a:tcPr/>
-                </a:tc>
-                <a:tc>
-                  <a:txBody>
-                    <a:bodyPr/>
-                    <a:lstStyle/>
-                    <a:p>
-                      <a:r>
-                        <a:rPr lang="en-US" dirty="0"/>
-                        <a:t>XXX</a:t>
-                      </a:r>
-                    </a:p>
-                  </a:txBody>
-                  <a:tcPr/>
-                </a:tc>
-                <a:tc>
-                  <a:txBody>
-                    <a:bodyPr/>
-                    <a:lstStyle/>
-                    <a:p>
-                      <a:endParaRPr lang="en-US" dirty="0"/>
-                    </a:p>
-                  </a:txBody>
-                  <a:tcPr/>
-                </a:tc>
-                <a:tc>
-                  <a:txBody>
-                    <a:bodyPr/>
-                    <a:lstStyle/>
-                    <a:p>
+                        <a:t>当孝敬父母</a:t>
+                      </a:r>
                       <a:endParaRPr lang="en-US" dirty="0"/>
                     </a:p>
                   </a:txBody>
@@ -7589,10 +7261,117 @@
           </a:graphicData>
         </a:graphic>
       </p:graphicFrame>
+      <p:sp>
+        <p:nvSpPr>
+          <p:cNvPr id="6" name="Title 1">
+            <a:extLst>
+              <a:ext uri="{FF2B5EF4-FFF2-40B4-BE49-F238E27FC236}">
+                <a16:creationId xmlns:a16="http://schemas.microsoft.com/office/drawing/2014/main" id="{7C29A727-29AF-28DA-7B1B-F22E245A3C1E}"/>
+              </a:ext>
+            </a:extLst>
+          </p:cNvPr>
+          <p:cNvSpPr>
+            <a:spLocks noGrp="1"/>
+          </p:cNvSpPr>
+          <p:nvPr>
+            <p:ph type="title"/>
+          </p:nvPr>
+        </p:nvSpPr>
+        <p:spPr>
+          <a:xfrm>
+            <a:off x="609600" y="190500"/>
+            <a:ext cx="10972800" cy="1379883"/>
+          </a:xfrm>
+          <a:solidFill>
+            <a:schemeClr val="bg1">
+              <a:lumMod val="95000"/>
+            </a:schemeClr>
+          </a:solidFill>
+        </p:spPr>
+        <p:txBody>
+          <a:bodyPr/>
+          <a:lstStyle/>
+          <a:p>
+            <a:r>
+              <a:rPr lang="en-US" altLang="ja-JP" sz="3200" dirty="0">
+                <a:sym typeface="+mn-ea"/>
+              </a:rPr>
+              <a:t>1</a:t>
+            </a:r>
+            <a:r>
+              <a:rPr lang="en-US" altLang="zh-CN" sz="3200" dirty="0">
+                <a:sym typeface="+mn-ea"/>
+              </a:rPr>
+              <a:t>Ki 16:30</a:t>
+            </a:r>
+            <a:br>
+              <a:rPr lang="en-US" altLang="zh-CN" sz="3200" dirty="0">
+                <a:sym typeface="+mn-ea"/>
+              </a:rPr>
+            </a:br>
+            <a:r>
+              <a:rPr lang="en-US" altLang="zh-CN" sz="3200" dirty="0">
+                <a:sym typeface="+mn-ea"/>
+              </a:rPr>
+              <a:t>Do </a:t>
+            </a:r>
+            <a:r>
+              <a:rPr lang="en-US" altLang="zh-CN" sz="3200" b="1" dirty="0">
+                <a:sym typeface="+mn-ea"/>
+              </a:rPr>
+              <a:t>Evil</a:t>
+            </a:r>
+            <a:r>
+              <a:rPr lang="en-US" altLang="zh-CN" sz="3200" dirty="0">
+                <a:sym typeface="+mn-ea"/>
+              </a:rPr>
+              <a:t> in the Eyes of the Lord.   </a:t>
+            </a:r>
+            <a:br>
+              <a:rPr lang="en-US" altLang="ja-JP" sz="2000" dirty="0">
+                <a:sym typeface="+mn-ea"/>
+              </a:rPr>
+            </a:br>
+            <a:r>
+              <a:rPr lang="ja-JP" altLang="en-US" sz="3200">
+                <a:sym typeface="+mn-ea"/>
+              </a:rPr>
+              <a:t>行耶和华眼中看为</a:t>
+            </a:r>
+            <a:r>
+              <a:rPr lang="ja-JP" altLang="en-US" sz="3200" b="1">
+                <a:sym typeface="+mn-ea"/>
+              </a:rPr>
+              <a:t>恶</a:t>
+            </a:r>
+            <a:r>
+              <a:rPr lang="ja-JP" altLang="en-US" sz="3200">
+                <a:sym typeface="+mn-ea"/>
+              </a:rPr>
+              <a:t>的事</a:t>
+            </a:r>
+            <a:r>
+              <a:rPr lang="en-US" altLang="ja-JP" sz="3200" dirty="0">
+                <a:sym typeface="+mn-ea"/>
+              </a:rPr>
+              <a:t>  (1</a:t>
+            </a:r>
+            <a:r>
+              <a:rPr lang="en-US" altLang="zh-CN" sz="3200" dirty="0">
+                <a:sym typeface="+mn-ea"/>
+              </a:rPr>
+              <a:t>Ki16:30 CUVS). (x47)</a:t>
+            </a:r>
+            <a:endParaRPr lang="zh-CN" altLang="en-US" sz="3200" dirty="0">
+              <a:sym typeface="+mn-ea"/>
+            </a:endParaRPr>
+          </a:p>
+        </p:txBody>
+      </p:sp>
     </p:spTree>
     <p:extLst>
       <p:ext uri="{BB962C8B-B14F-4D97-AF65-F5344CB8AC3E}">
-        <p14:creationId xmlns:p14="http://schemas.microsoft.com/office/powerpoint/2010/main" val="777609016"/>
+        <p14:creationId xmlns:p14="http://schemas.microsoft.com/office/powerpoint/2010/main" val="3380589271"/>
       </p:ext>
     </p:extLst>
   </p:cSld>
@@ -7619,123 +7398,6 @@
           <a:chExt cx="0" cy="0"/>
         </a:xfrm>
       </p:grpSpPr>
-      <p:sp>
-        <p:nvSpPr>
-          <p:cNvPr id="2" name="Title 1"/>
-          <p:cNvSpPr>
-            <a:spLocks noGrp="1"/>
-          </p:cNvSpPr>
-          <p:nvPr>
-            <p:ph type="title"/>
-          </p:nvPr>
-        </p:nvSpPr>
-        <p:spPr>
-          <a:xfrm>
-            <a:off x="609600" y="190500"/>
-            <a:ext cx="10972800" cy="1379883"/>
-          </a:xfrm>
-        </p:spPr>
-        <p:txBody>
-          <a:bodyPr/>
-          <a:lstStyle/>
-          <a:p>
-            <a:r>
-              <a:rPr lang="zh-CN" altLang="en-US" sz="3200" dirty="0">
-                <a:solidFill>
-                  <a:schemeClr val="accent2"/>
-                </a:solidFill>
-                <a:sym typeface="+mn-ea"/>
-              </a:rPr>
-              <a:t>王上</a:t>
-            </a:r>
-            <a:r>
-              <a:rPr lang="en-US" altLang="zh-CN" sz="3200" dirty="0">
-                <a:solidFill>
-                  <a:schemeClr val="accent2"/>
-                </a:solidFill>
-                <a:sym typeface="+mn-ea"/>
-              </a:rPr>
-              <a:t>16: 29-34.</a:t>
-            </a:r>
-            <a:r>
-              <a:rPr lang="zh-CN" altLang="en-US" sz="3200" dirty="0">
-                <a:solidFill>
-                  <a:schemeClr val="accent2"/>
-                </a:solidFill>
-                <a:sym typeface="+mn-ea"/>
-              </a:rPr>
-              <a:t>經文釋意</a:t>
-            </a:r>
-            <a:br>
-              <a:rPr lang="en-US" altLang="zh-CN" sz="3200" dirty="0">
-                <a:solidFill>
-                  <a:schemeClr val="accent2"/>
-                </a:solidFill>
-                <a:sym typeface="+mn-ea"/>
-              </a:rPr>
-            </a:br>
-            <a:r>
-              <a:rPr lang="en-US" altLang="zh-CN" sz="3200" dirty="0">
-                <a:solidFill>
-                  <a:schemeClr val="accent2"/>
-                </a:solidFill>
-                <a:sym typeface="+mn-ea"/>
-              </a:rPr>
-              <a:t>Do Evil in the Eyes of the Lord. </a:t>
-            </a:r>
-            <a:r>
-              <a:rPr lang="en-US" altLang="ja-JP" sz="3200" dirty="0">
-                <a:solidFill>
-                  <a:schemeClr val="accent2"/>
-                </a:solidFill>
-                <a:sym typeface="+mn-ea"/>
-              </a:rPr>
-              <a:t>”</a:t>
-            </a:r>
-            <a:br>
-              <a:rPr lang="en-US" altLang="ja-JP" sz="3200" dirty="0">
-                <a:solidFill>
-                  <a:schemeClr val="accent2"/>
-                </a:solidFill>
-                <a:sym typeface="+mn-ea"/>
-              </a:rPr>
-            </a:br>
-            <a:r>
-              <a:rPr lang="ja-JP" altLang="en-US" sz="3200">
-                <a:solidFill>
-                  <a:schemeClr val="accent2"/>
-                </a:solidFill>
-                <a:sym typeface="+mn-ea"/>
-              </a:rPr>
-              <a:t>行耶和华眼中看为恶的事</a:t>
-            </a:r>
-            <a:r>
-              <a:rPr lang="en-US" altLang="ja-JP" sz="3200" dirty="0">
-                <a:solidFill>
-                  <a:schemeClr val="accent2"/>
-                </a:solidFill>
-                <a:sym typeface="+mn-ea"/>
-              </a:rPr>
-              <a:t>" (1</a:t>
-            </a:r>
-            <a:r>
-              <a:rPr lang="en-US" altLang="zh-CN" sz="3200" dirty="0">
-                <a:solidFill>
-                  <a:schemeClr val="accent2"/>
-                </a:solidFill>
-                <a:sym typeface="+mn-ea"/>
-              </a:rPr>
-              <a:t>Ki16:30 CUVS)</a:t>
-            </a:r>
-            <a:endParaRPr lang="zh-CN" altLang="en-US" sz="3200" dirty="0">
-              <a:solidFill>
-                <a:schemeClr val="accent2"/>
-              </a:solidFill>
-              <a:sym typeface="+mn-ea"/>
-            </a:endParaRPr>
-          </a:p>
-        </p:txBody>
-      </p:sp>
       <p:graphicFrame>
         <p:nvGraphicFramePr>
           <p:cNvPr id="3" name="Table 2">
@@ -7751,14 +7413,14 @@
           <p:nvPr>
             <p:extLst>
               <p:ext uri="{D42A27DB-BD31-4B8C-83A1-F6EECF244321}">
-                <p14:modId xmlns:p14="http://schemas.microsoft.com/office/powerpoint/2010/main" val="1063167183"/>
+                <p14:modId xmlns:p14="http://schemas.microsoft.com/office/powerpoint/2010/main" val="1804867371"/>
               </p:ext>
             </p:extLst>
           </p:nvPr>
         </p:nvGraphicFramePr>
         <p:xfrm>
-          <a:off x="747205" y="1851992"/>
-          <a:ext cx="9908087" cy="6294290"/>
+          <a:off x="609600" y="1851992"/>
+          <a:ext cx="10972799" cy="3642530"/>
         </p:xfrm>
         <a:graphic>
           <a:graphicData uri="http://schemas.openxmlformats.org/drawingml/2006/table">
@@ -7767,41 +7429,27 @@
                 <a:tableStyleId>{5C22544A-7EE6-4342-B048-85BDC9FD1C3A}</a:tableStyleId>
               </a:tblPr>
               <a:tblGrid>
-                <a:gridCol w="253324">
+                <a:gridCol w="820612">
                   <a:extLst>
                     <a:ext uri="{9D8B030D-6E8A-4147-A177-3AD203B41FA5}">
                       <a16:colId xmlns:a16="http://schemas.microsoft.com/office/drawing/2014/main" val="2912965187"/>
                     </a:ext>
                   </a:extLst>
                 </a:gridCol>
-                <a:gridCol w="1116506">
+                <a:gridCol w="1699461">
                   <a:extLst>
                     <a:ext uri="{9D8B030D-6E8A-4147-A177-3AD203B41FA5}">
                       <a16:colId xmlns:a16="http://schemas.microsoft.com/office/drawing/2014/main" val="4139541504"/>
                     </a:ext>
                   </a:extLst>
                 </a:gridCol>
-                <a:gridCol w="6708913">
+                <a:gridCol w="8452726">
                   <a:extLst>
                     <a:ext uri="{9D8B030D-6E8A-4147-A177-3AD203B41FA5}">
                       <a16:colId xmlns:a16="http://schemas.microsoft.com/office/drawing/2014/main" val="4135421565"/>
                     </a:ext>
                   </a:extLst>
                 </a:gridCol>
-                <a:gridCol w="1073426">
-                  <a:extLst>
-                    <a:ext uri="{9D8B030D-6E8A-4147-A177-3AD203B41FA5}">
-                      <a16:colId xmlns:a16="http://schemas.microsoft.com/office/drawing/2014/main" val="1959367724"/>
-                    </a:ext>
-                  </a:extLst>
-                </a:gridCol>
-                <a:gridCol w="755918">
-                  <a:extLst>
-                    <a:ext uri="{9D8B030D-6E8A-4147-A177-3AD203B41FA5}">
-                      <a16:colId xmlns:a16="http://schemas.microsoft.com/office/drawing/2014/main" val="1624776587"/>
-                    </a:ext>
-                  </a:extLst>
-                </a:gridCol>
               </a:tblGrid>
               <a:tr h="442130">
                 <a:tc>
@@ -7825,228 +7473,6 @@
                       <a:r>
                         <a:rPr lang="en-US" dirty="0"/>
                         <a:t>Exodus</a:t>
-                      </a:r>
-                    </a:p>
-                  </a:txBody>
-                  <a:tcPr/>
-                </a:tc>
-                <a:tc>
-                  <a:txBody>
-                    <a:bodyPr/>
-                    <a:lstStyle/>
-                    <a:p>
-                      <a:r>
-                        <a:rPr lang="en-US" dirty="0"/>
-                        <a:t>People</a:t>
-                      </a:r>
-                    </a:p>
-                  </a:txBody>
-                  <a:tcPr/>
-                </a:tc>
-                <a:tc>
-                  <a:txBody>
-                    <a:bodyPr/>
-                    <a:lstStyle/>
-                    <a:p>
-                      <a:endParaRPr lang="en-US" dirty="0"/>
-                    </a:p>
-                  </a:txBody>
-                  <a:tcPr/>
-                </a:tc>
-                <a:tc>
-                  <a:txBody>
-                    <a:bodyPr/>
-                    <a:lstStyle/>
-                    <a:p>
-                      <a:endParaRPr lang="en-US" dirty="0"/>
-                    </a:p>
-                  </a:txBody>
-                  <a:tcPr/>
-                </a:tc>
-                <a:extLst>
-                  <a:ext uri="{0D108BD9-81ED-4DB2-BD59-A6C34878D82A}">
-                    <a16:rowId xmlns:a16="http://schemas.microsoft.com/office/drawing/2014/main" val="1061428638"/>
-                  </a:ext>
-                </a:extLst>
-              </a:tr>
-              <a:tr h="442130">
-                <a:tc>
-                  <a:txBody>
-                    <a:bodyPr/>
-                    <a:lstStyle/>
-                    <a:p>
-                      <a:r>
-                        <a:rPr lang="en-US" dirty="0"/>
-                        <a:t>1</a:t>
-                      </a:r>
-                    </a:p>
-                  </a:txBody>
-                  <a:tcPr/>
-                </a:tc>
-                <a:tc>
-                  <a:txBody>
-                    <a:bodyPr/>
-                    <a:lstStyle/>
-                    <a:p>
-                      <a:r>
-                        <a:rPr lang="en-US" dirty="0"/>
-                        <a:t>20:3</a:t>
-                      </a:r>
-                    </a:p>
-                  </a:txBody>
-                  <a:tcPr/>
-                </a:tc>
-                <a:tc>
-                  <a:txBody>
-                    <a:bodyPr/>
-                    <a:lstStyle/>
-                    <a:p>
-                      <a:r>
-                        <a:rPr lang="en-US" altLang="ja-JP" dirty="0"/>
-                        <a:t>You shall have no other gods before me.</a:t>
-                      </a:r>
-                    </a:p>
-                    <a:p>
-                      <a:r>
-                        <a:rPr lang="ja-JP" altLang="en-US"/>
-                        <a:t>除了我以外、你不可有别的神。</a:t>
-                      </a:r>
-                      <a:endParaRPr lang="en-US" dirty="0"/>
-                    </a:p>
-                  </a:txBody>
-                  <a:tcPr/>
-                </a:tc>
-                <a:tc>
-                  <a:txBody>
-                    <a:bodyPr/>
-                    <a:lstStyle/>
-                    <a:p>
-                      <a:endParaRPr lang="en-US" dirty="0"/>
-                    </a:p>
-                  </a:txBody>
-                  <a:tcPr/>
-                </a:tc>
-                <a:tc>
-                  <a:txBody>
-                    <a:bodyPr/>
-                    <a:lstStyle/>
-                    <a:p>
-                      <a:r>
-                        <a:rPr lang="en-US" dirty="0"/>
-                        <a:t>Left</a:t>
-                      </a:r>
-                    </a:p>
-                  </a:txBody>
-                  <a:tcPr/>
-                </a:tc>
-                <a:extLst>
-                  <a:ext uri="{0D108BD9-81ED-4DB2-BD59-A6C34878D82A}">
-                    <a16:rowId xmlns:a16="http://schemas.microsoft.com/office/drawing/2014/main" val="685271850"/>
-                  </a:ext>
-                </a:extLst>
-              </a:tr>
-              <a:tr h="442130">
-                <a:tc>
-                  <a:txBody>
-                    <a:bodyPr/>
-                    <a:lstStyle/>
-                    <a:p>
-                      <a:r>
-                        <a:rPr lang="en-US" dirty="0"/>
-                        <a:t>2</a:t>
-                      </a:r>
-                    </a:p>
-                  </a:txBody>
-                  <a:tcPr/>
-                </a:tc>
-                <a:tc>
-                  <a:txBody>
-                    <a:bodyPr/>
-                    <a:lstStyle/>
-                    <a:p>
-                      <a:r>
-                        <a:rPr lang="en-US" dirty="0"/>
-                        <a:t>20:4</a:t>
-                      </a:r>
-                    </a:p>
-                  </a:txBody>
-                  <a:tcPr/>
-                </a:tc>
-                <a:tc>
-                  <a:txBody>
-                    <a:bodyPr/>
-                    <a:lstStyle/>
-                    <a:p>
-                      <a:r>
-                        <a:rPr lang="en-US" altLang="ja-JP" dirty="0"/>
-                        <a:t>You shall not make for yourself an idol in the form of anything </a:t>
-                      </a:r>
-                      <a:br>
-                        <a:rPr lang="en-US" altLang="ja-JP" dirty="0"/>
-                      </a:br>
-                      <a:r>
-                        <a:rPr lang="ja-JP" altLang="en-US"/>
-                        <a:t>不可为自己雕刻偶像</a:t>
-                      </a:r>
-                      <a:endParaRPr lang="en-US" dirty="0"/>
-                    </a:p>
-                  </a:txBody>
-                  <a:tcPr/>
-                </a:tc>
-                <a:tc>
-                  <a:txBody>
-                    <a:bodyPr/>
-                    <a:lstStyle/>
-                    <a:p>
-                      <a:r>
-                        <a:rPr lang="en-US" dirty="0"/>
-                        <a:t>Embrace; </a:t>
-                      </a:r>
-                    </a:p>
-                  </a:txBody>
-                  <a:tcPr/>
-                </a:tc>
-                <a:tc>
-                  <a:txBody>
-                    <a:bodyPr/>
-                    <a:lstStyle/>
-                    <a:p>
-                      <a:r>
-                        <a:rPr lang="en-US" dirty="0"/>
-                        <a:t>Right</a:t>
-                      </a:r>
-                    </a:p>
-                  </a:txBody>
-                  <a:tcPr/>
-                </a:tc>
-                <a:extLst>
-                  <a:ext uri="{0D108BD9-81ED-4DB2-BD59-A6C34878D82A}">
-                    <a16:rowId xmlns:a16="http://schemas.microsoft.com/office/drawing/2014/main" val="1064146381"/>
-                  </a:ext>
-                </a:extLst>
-              </a:tr>
-              <a:tr h="442130">
-                <a:tc>
-                  <a:txBody>
-                    <a:bodyPr/>
-                    <a:lstStyle/>
-                    <a:p>
-                      <a:r>
-                        <a:rPr lang="en-US" dirty="0"/>
-                        <a:t>3</a:t>
-                      </a:r>
-                    </a:p>
-                  </a:txBody>
-                  <a:tcPr/>
-                </a:tc>
-                <a:tc>
-                  <a:txBody>
-                    <a:bodyPr/>
-                    <a:lstStyle/>
-                    <a:p>
-                      <a:r>
-                        <a:rPr lang="en-US" dirty="0"/>
-                        <a:t>20:7</a:t>
                       </a:r>
                     </a:p>
                   </a:txBody>
@@ -8075,40 +7501,78 @@
                         <a:defRPr/>
                       </a:pPr>
                       <a:r>
+                        <a:rPr lang="en-US" dirty="0"/>
+                        <a:t>Lord’s Commands</a:t>
+                      </a:r>
+                    </a:p>
+                  </a:txBody>
+                  <a:tcPr/>
+                </a:tc>
+                <a:extLst>
+                  <a:ext uri="{0D108BD9-81ED-4DB2-BD59-A6C34878D82A}">
+                    <a16:rowId xmlns:a16="http://schemas.microsoft.com/office/drawing/2014/main" val="1061428638"/>
+                  </a:ext>
+                </a:extLst>
+              </a:tr>
+              <a:tr h="442130">
+                <a:tc>
+                  <a:txBody>
+                    <a:bodyPr/>
+                    <a:lstStyle/>
+                    <a:p>
+                      <a:r>
+                        <a:rPr lang="en-US" dirty="0"/>
+                        <a:t>6</a:t>
+                      </a:r>
+                    </a:p>
+                  </a:txBody>
+                  <a:tcPr/>
+                </a:tc>
+                <a:tc>
+                  <a:txBody>
+                    <a:bodyPr/>
+                    <a:lstStyle/>
+                    <a:p>
+                      <a:r>
+                        <a:rPr lang="en-US" dirty="0"/>
+                        <a:t>20:13</a:t>
+                      </a:r>
+                    </a:p>
+                  </a:txBody>
+                  <a:tcPr/>
+                </a:tc>
+                <a:tc>
+                  <a:txBody>
+                    <a:bodyPr/>
+                    <a:lstStyle/>
+                    <a:p>
+                      <a:r>
                         <a:rPr lang="en-US" altLang="ja-JP" dirty="0"/>
-                        <a:t>You shall not misuse the name of the Lord your God.</a:t>
+                        <a:t>You shall not </a:t>
+                      </a:r>
+                      <a:r>
+                        <a:rPr lang="en-US" altLang="ja-JP" dirty="0">
+                          <a:solidFill>
+                            <a:schemeClr val="accent1"/>
+                          </a:solidFill>
+                        </a:rPr>
+                        <a:t>murder</a:t>
+                      </a:r>
+                      <a:r>
+                        <a:rPr lang="en-US" altLang="ja-JP" dirty="0"/>
+                        <a:t>.</a:t>
                       </a:r>
                       <a:br>
                         <a:rPr lang="en-US" altLang="ja-JP" dirty="0"/>
                       </a:br>
                       <a:r>
                         <a:rPr lang="ja-JP" altLang="en-US"/>
-                        <a:t>不可妄称耶和华你　神的名</a:t>
+                        <a:t>不可杀人。</a:t>
                       </a:r>
                       <a:r>
                         <a:rPr lang="en-US" altLang="ja-JP" dirty="0"/>
-                        <a:t>.</a:t>
-                      </a:r>
-                      <a:endParaRPr lang="en-US" dirty="0"/>
-                    </a:p>
-                  </a:txBody>
-                  <a:tcPr/>
-                </a:tc>
-                <a:tc>
-                  <a:txBody>
-                    <a:bodyPr/>
-                    <a:lstStyle/>
-                    <a:p>
-                      <a:endParaRPr lang="en-US" dirty="0"/>
-                    </a:p>
-                  </a:txBody>
-                  <a:tcPr/>
-                </a:tc>
-                <a:tc>
-                  <a:txBody>
-                    <a:bodyPr/>
-                    <a:lstStyle/>
-                    <a:p>
+                        <a:t> </a:t>
+                      </a:r>
                       <a:endParaRPr lang="en-US" dirty="0"/>
                     </a:p>
                   </a:txBody>
@@ -8116,11 +7580,11 @@
                 </a:tc>
                 <a:extLst>
                   <a:ext uri="{0D108BD9-81ED-4DB2-BD59-A6C34878D82A}">
-                    <a16:rowId xmlns:a16="http://schemas.microsoft.com/office/drawing/2014/main" val="3339034449"/>
+                    <a16:rowId xmlns:a16="http://schemas.microsoft.com/office/drawing/2014/main" val="685271850"/>
                   </a:ext>
                 </a:extLst>
               </a:tr>
-              <a:tr h="493116">
+              <a:tr h="442130">
                 <a:tc>
                   <a:txBody>
                     <a:bodyPr/>
@@ -8128,7 +7592,7 @@
                     <a:p>
                       <a:r>
                         <a:rPr lang="en-US" dirty="0"/>
-                        <a:t>4</a:t>
+                        <a:t>7</a:t>
                       </a:r>
                     </a:p>
                   </a:txBody>
@@ -8141,7 +7605,77 @@
                     <a:p>
                       <a:r>
                         <a:rPr lang="en-US" dirty="0"/>
-                        <a:t>20:8</a:t>
+                        <a:t>20:14</a:t>
+                      </a:r>
+                    </a:p>
+                  </a:txBody>
+                  <a:tcPr/>
+                </a:tc>
+                <a:tc>
+                  <a:txBody>
+                    <a:bodyPr/>
+                    <a:lstStyle/>
+                    <a:p>
+                      <a:r>
+                        <a:rPr lang="en-US" altLang="ja-JP" dirty="0"/>
+                        <a:t>You shall not commit </a:t>
+                      </a:r>
+                      <a:r>
+                        <a:rPr lang="en-US" altLang="ja-JP" dirty="0">
+                          <a:solidFill>
+                            <a:schemeClr val="accent1"/>
+                          </a:solidFill>
+                        </a:rPr>
+                        <a:t>adultery</a:t>
+                      </a:r>
+                      <a:r>
+                        <a:rPr lang="en-US" altLang="ja-JP" dirty="0"/>
+                        <a:t>.</a:t>
+                      </a:r>
+                      <a:br>
+                        <a:rPr lang="en-US" altLang="ja-JP" dirty="0"/>
+                      </a:br>
+                      <a:r>
+                        <a:rPr lang="ja-JP" altLang="en-US"/>
+                        <a:t>不可奸淫。</a:t>
+                      </a:r>
+                      <a:r>
+                        <a:rPr lang="en-US" altLang="ja-JP" dirty="0"/>
+                        <a:t> </a:t>
+                      </a:r>
+                      <a:endParaRPr lang="en-US" dirty="0"/>
+                    </a:p>
+                  </a:txBody>
+                  <a:tcPr/>
+                </a:tc>
+                <a:extLst>
+                  <a:ext uri="{0D108BD9-81ED-4DB2-BD59-A6C34878D82A}">
+                    <a16:rowId xmlns:a16="http://schemas.microsoft.com/office/drawing/2014/main" val="1064146381"/>
+                  </a:ext>
+                </a:extLst>
+              </a:tr>
+              <a:tr h="442130">
+                <a:tc>
+                  <a:txBody>
+                    <a:bodyPr/>
+                    <a:lstStyle/>
+                    <a:p>
+                      <a:r>
+                        <a:rPr lang="en-US" dirty="0"/>
+                        <a:t>8</a:t>
+                      </a:r>
+                    </a:p>
+                  </a:txBody>
+                  <a:tcPr/>
+                </a:tc>
+                <a:tc>
+                  <a:txBody>
+                    <a:bodyPr/>
+                    <a:lstStyle/>
+                    <a:p>
+                      <a:r>
+                        <a:rPr lang="en-US" dirty="0"/>
+                        <a:t>20:15</a:t>
                       </a:r>
                     </a:p>
                   </a:txBody>
@@ -8170,38 +7704,22 @@
                         <a:defRPr/>
                       </a:pPr>
                       <a:r>
-                        <a:rPr lang="en-US" dirty="0"/>
-                        <a:t>Remember the Sabbath day by keeping it holy.</a:t>
-                      </a:r>
-                      <a:br>
-                        <a:rPr lang="en-US" dirty="0"/>
-                      </a:br>
-                      <a:r>
-                        <a:rPr lang="ja-JP" altLang="en-US"/>
-                        <a:t>当记念安息日、守为圣日。</a:t>
-                      </a:r>
-                      <a:endParaRPr lang="en-US" dirty="0"/>
-                    </a:p>
-                  </a:txBody>
-                  <a:tcPr/>
-                </a:tc>
-                <a:tc>
-                  <a:txBody>
-                    <a:bodyPr/>
-                    <a:lstStyle/>
-                    <a:p>
-                      <a:r>
-                        <a:rPr lang="en-US" dirty="0"/>
+                        <a:rPr lang="en-US" altLang="ja-JP" dirty="0"/>
+                        <a:t>You shall not </a:t>
+                      </a:r>
+                      <a:r>
+                        <a:rPr lang="en-US" altLang="ja-JP" dirty="0">
+                          <a:solidFill>
+                            <a:schemeClr val="accent1"/>
+                          </a:solidFill>
+                        </a:rPr>
+                        <a:t>steal</a:t>
+                      </a:r>
+                      <a:r>
+                        <a:rPr lang="en-US" altLang="ja-JP" dirty="0"/>
                         <a:t>.</a:t>
                       </a:r>
                     </a:p>
-                  </a:txBody>
-                  <a:tcPr/>
-                </a:tc>
-                <a:tc>
-                  <a:txBody>
-                    <a:bodyPr/>
-                    <a:lstStyle/>
                     <a:p>
                       <a:pPr marL="0" marR="0" lvl="0" indent="0" algn="l" defTabSz="914400" rtl="0" eaLnBrk="1" fontAlgn="auto" latinLnBrk="0" hangingPunct="1">
                         <a:lnSpc>
@@ -8220,6 +7738,10 @@
                         <a:tabLst/>
                         <a:defRPr/>
                       </a:pPr>
+                      <a:r>
+                        <a:rPr lang="ja-JP" altLang="en-US"/>
+                        <a:t>不可偷盗。</a:t>
+                      </a:r>
                       <a:endParaRPr lang="en-US" dirty="0"/>
                     </a:p>
                   </a:txBody>
@@ -8227,11 +7749,11 @@
                 </a:tc>
                 <a:extLst>
                   <a:ext uri="{0D108BD9-81ED-4DB2-BD59-A6C34878D82A}">
-                    <a16:rowId xmlns:a16="http://schemas.microsoft.com/office/drawing/2014/main" val="74654003"/>
+                    <a16:rowId xmlns:a16="http://schemas.microsoft.com/office/drawing/2014/main" val="3339034449"/>
                   </a:ext>
                 </a:extLst>
               </a:tr>
-              <a:tr h="442130">
+              <a:tr h="493116">
                 <a:tc>
                   <a:txBody>
                     <a:bodyPr/>
@@ -8239,7 +7761,7 @@
                     <a:p>
                       <a:r>
                         <a:rPr lang="en-US" dirty="0"/>
-                        <a:t>5</a:t>
+                        <a:t>9</a:t>
                       </a:r>
                     </a:p>
                   </a:txBody>
@@ -8252,80 +7774,7 @@
                     <a:p>
                       <a:r>
                         <a:rPr lang="en-US" dirty="0"/>
-                        <a:t>20:12</a:t>
-                      </a:r>
-                    </a:p>
-                  </a:txBody>
-                  <a:tcPr/>
-                </a:tc>
-                <a:tc>
-                  <a:txBody>
-                    <a:bodyPr/>
-                    <a:lstStyle/>
-                    <a:p>
-                      <a:r>
-                        <a:rPr lang="en-US" dirty="0"/>
-                        <a:t>Honor your father and your mother.</a:t>
-                      </a:r>
-                    </a:p>
-                    <a:p>
-                      <a:r>
-                        <a:rPr lang="ja-JP" altLang="en-US"/>
-                        <a:t>当孝敬父母</a:t>
-                      </a:r>
-                      <a:endParaRPr lang="en-US" dirty="0"/>
-                    </a:p>
-                  </a:txBody>
-                  <a:tcPr/>
-                </a:tc>
-                <a:tc>
-                  <a:txBody>
-                    <a:bodyPr/>
-                    <a:lstStyle/>
-                    <a:p>
-                      <a:endParaRPr lang="en-US" dirty="0"/>
-                    </a:p>
-                  </a:txBody>
-                  <a:tcPr/>
-                </a:tc>
-                <a:tc>
-                  <a:txBody>
-                    <a:bodyPr/>
-                    <a:lstStyle/>
-                    <a:p>
-                      <a:endParaRPr lang="en-US" dirty="0"/>
-                    </a:p>
-                  </a:txBody>
-                  <a:tcPr/>
-                </a:tc>
-                <a:extLst>
-                  <a:ext uri="{0D108BD9-81ED-4DB2-BD59-A6C34878D82A}">
-                    <a16:rowId xmlns:a16="http://schemas.microsoft.com/office/drawing/2014/main" val="1593722675"/>
-                  </a:ext>
-                </a:extLst>
-              </a:tr>
-              <a:tr h="442130">
-                <a:tc>
-                  <a:txBody>
-                    <a:bodyPr/>
-                    <a:lstStyle/>
-                    <a:p>
-                      <a:r>
-                        <a:rPr lang="en-US" dirty="0"/>
-                        <a:t>6</a:t>
-                      </a:r>
-                    </a:p>
-                  </a:txBody>
-                  <a:tcPr/>
-                </a:tc>
-                <a:tc>
-                  <a:txBody>
-                    <a:bodyPr/>
-                    <a:lstStyle/>
-                    <a:p>
-                      <a:r>
-                        <a:rPr lang="en-US" dirty="0"/>
-                        <a:t>20:13</a:t>
+                        <a:t>20:16</a:t>
                       </a:r>
                     </a:p>
                   </a:txBody>
@@ -8355,41 +7804,47 @@
                       </a:pPr>
                       <a:r>
                         <a:rPr lang="en-US" dirty="0"/>
-                        <a:t>Man of God</a:t>
-                      </a:r>
-                    </a:p>
-                  </a:txBody>
-                  <a:tcPr/>
-                </a:tc>
-                <a:tc>
-                  <a:txBody>
-                    <a:bodyPr/>
-                    <a:lstStyle/>
-                    <a:p>
+                        <a:t>You shall not give </a:t>
+                      </a:r>
+                      <a:r>
+                        <a:rPr lang="en-US" dirty="0">
+                          <a:solidFill>
+                            <a:schemeClr val="tx1"/>
+                          </a:solidFill>
+                        </a:rPr>
+                        <a:t>false</a:t>
+                      </a:r>
                       <a:r>
                         <a:rPr lang="en-US" dirty="0"/>
-                        <a:t>Return Home (Church/FG);</a:t>
-                      </a:r>
-                    </a:p>
-                  </a:txBody>
-                  <a:tcPr/>
-                </a:tc>
-                <a:tc>
-                  <a:txBody>
-                    <a:bodyPr/>
-                    <a:lstStyle/>
-                    <a:p>
+                        <a:t> </a:t>
+                      </a:r>
+                      <a:r>
+                        <a:rPr lang="en-US" dirty="0">
+                          <a:solidFill>
+                            <a:schemeClr val="accent1"/>
+                          </a:solidFill>
+                        </a:rPr>
+                        <a:t>testimony</a:t>
+                      </a:r>
                       <a:r>
                         <a:rPr lang="en-US" dirty="0"/>
-                        <a:t>Heavenly Up-down</a:t>
-                      </a:r>
+                        <a:t> against your neighbor.</a:t>
+                      </a:r>
+                      <a:br>
+                        <a:rPr lang="en-US" dirty="0"/>
+                      </a:br>
+                      <a:r>
+                        <a:rPr lang="ja-JP" altLang="en-US"/>
+                        <a:t>不可作假见证陷害人。</a:t>
+                      </a:r>
+                      <a:endParaRPr lang="en-US" dirty="0"/>
                     </a:p>
                   </a:txBody>
                   <a:tcPr/>
                 </a:tc>
                 <a:extLst>
                   <a:ext uri="{0D108BD9-81ED-4DB2-BD59-A6C34878D82A}">
-                    <a16:rowId xmlns:a16="http://schemas.microsoft.com/office/drawing/2014/main" val="1333562694"/>
+                    <a16:rowId xmlns:a16="http://schemas.microsoft.com/office/drawing/2014/main" val="74654003"/>
                   </a:ext>
                 </a:extLst>
               </a:tr>
@@ -8401,98 +7856,60 @@
                     <a:p>
                       <a:r>
                         <a:rPr lang="en-US" dirty="0"/>
-                        <a:t>7</a:t>
-                      </a:r>
-                    </a:p>
-                  </a:txBody>
-                  <a:tcPr/>
-                </a:tc>
-                <a:tc>
-                  <a:txBody>
-                    <a:bodyPr/>
-                    <a:lstStyle/>
-                    <a:p>
+                        <a:t>10</a:t>
+                      </a:r>
+                    </a:p>
+                  </a:txBody>
+                  <a:tcPr/>
+                </a:tc>
+                <a:tc>
+                  <a:txBody>
+                    <a:bodyPr/>
+                    <a:lstStyle/>
+                    <a:p>
+                      <a:r>
+                        <a:rPr lang="en-US" dirty="0"/>
+                        <a:t>20:17</a:t>
+                      </a:r>
+                    </a:p>
+                  </a:txBody>
+                  <a:tcPr/>
+                </a:tc>
+                <a:tc>
+                  <a:txBody>
+                    <a:bodyPr/>
+                    <a:lstStyle/>
+                    <a:p>
+                      <a:r>
+                        <a:rPr lang="en-US" dirty="0"/>
+                        <a:t>You shall not </a:t>
+                      </a:r>
+                      <a:r>
+                        <a:rPr lang="en-US" dirty="0">
+                          <a:solidFill>
+                            <a:schemeClr val="accent1"/>
+                          </a:solidFill>
+                        </a:rPr>
+                        <a:t>covet</a:t>
+                      </a:r>
+                      <a:r>
+                        <a:rPr lang="en-US" dirty="0"/>
+                        <a:t> your neighbor's house. </a:t>
+                      </a:r>
+                    </a:p>
+                    <a:p>
+                      <a:r>
+                        <a:rPr lang="ja-JP" altLang="en-US"/>
+                        <a:t>不可贪恋人的房屋</a:t>
+                      </a:r>
                       <a:endParaRPr lang="en-US" dirty="0"/>
-                    </a:p>
-                  </a:txBody>
-                  <a:tcPr/>
-                </a:tc>
-                <a:tc>
-                  <a:txBody>
-                    <a:bodyPr/>
-                    <a:lstStyle/>
-                    <a:p>
-                      <a:pPr marL="0" marR="0" lvl="0" indent="0" algn="l" defTabSz="914400" rtl="0" eaLnBrk="1" fontAlgn="auto" latinLnBrk="0" hangingPunct="1">
-                        <a:lnSpc>
-                          <a:spcPct val="100000"/>
-                        </a:lnSpc>
-                        <a:spcBef>
-                          <a:spcPts val="0"/>
-                        </a:spcBef>
-                        <a:spcAft>
-                          <a:spcPts val="0"/>
-                        </a:spcAft>
-                        <a:buClrTx/>
-                        <a:buSzTx/>
-                        <a:buFontTx/>
-                        <a:buNone/>
-                        <a:tabLst/>
-                        <a:defRPr/>
-                      </a:pPr>
-                      <a:r>
-                        <a:rPr lang="en-US" dirty="0"/>
-                        <a:t>Jesus</a:t>
-                      </a:r>
-                    </a:p>
-                  </a:txBody>
-                  <a:tcPr/>
-                </a:tc>
-                <a:tc>
-                  <a:txBody>
-                    <a:bodyPr/>
-                    <a:lstStyle/>
-                    <a:p>
-                      <a:pPr marL="0" marR="0" lvl="0" indent="0" algn="l" defTabSz="914400" rtl="0" eaLnBrk="1" fontAlgn="auto" latinLnBrk="0" hangingPunct="1">
-                        <a:lnSpc>
-                          <a:spcPct val="100000"/>
-                        </a:lnSpc>
-                        <a:spcBef>
-                          <a:spcPts val="0"/>
-                        </a:spcBef>
-                        <a:spcAft>
-                          <a:spcPts val="0"/>
-                        </a:spcAft>
-                        <a:buClrTx/>
-                        <a:buSzTx/>
-                        <a:buFontTx/>
-                        <a:buNone/>
-                        <a:tabLst/>
-                        <a:defRPr/>
-                      </a:pPr>
-                      <a:r>
-                        <a:rPr lang="en-US" dirty="0"/>
-                        <a:t>Great Commission (Mat28:19-20)</a:t>
-                      </a:r>
-                    </a:p>
-                  </a:txBody>
-                  <a:tcPr/>
-                </a:tc>
-                <a:tc>
-                  <a:txBody>
-                    <a:bodyPr/>
-                    <a:lstStyle/>
-                    <a:p>
-                      <a:r>
-                        <a:rPr lang="en-US" dirty="0"/>
-                        <a:t>Heavenly Up-down</a:t>
-                      </a:r>
                     </a:p>
                   </a:txBody>
                   <a:tcPr/>
                 </a:tc>
                 <a:extLst>
                   <a:ext uri="{0D108BD9-81ED-4DB2-BD59-A6C34878D82A}">
-                    <a16:rowId xmlns:a16="http://schemas.microsoft.com/office/drawing/2014/main" val="1934359302"/>
+                    <a16:rowId xmlns:a16="http://schemas.microsoft.com/office/drawing/2014/main" val="1593722675"/>
                   </a:ext>
                 </a:extLst>
               </a:tr>
@@ -8500,7 +7917,102 @@
           </a:graphicData>
         </a:graphic>
       </p:graphicFrame>
+      <p:sp>
+        <p:nvSpPr>
+          <p:cNvPr id="9" name="Title 1">
+            <a:extLst>
+              <a:ext uri="{FF2B5EF4-FFF2-40B4-BE49-F238E27FC236}">
+                <a16:creationId xmlns:a16="http://schemas.microsoft.com/office/drawing/2014/main" id="{C63780A5-8BB8-F9AD-CE36-0818A725E90E}"/>
+              </a:ext>
+            </a:extLst>
+          </p:cNvPr>
+          <p:cNvSpPr>
+            <a:spLocks noGrp="1"/>
+          </p:cNvSpPr>
+          <p:nvPr>
+            <p:ph type="title"/>
+          </p:nvPr>
+        </p:nvSpPr>
+        <p:spPr>
+          <a:xfrm>
+            <a:off x="609600" y="190500"/>
+            <a:ext cx="10972800" cy="1379883"/>
+          </a:xfrm>
+          <a:solidFill>
+            <a:schemeClr val="bg1">
+              <a:lumMod val="95000"/>
+            </a:schemeClr>
+          </a:solidFill>
+        </p:spPr>
+        <p:txBody>
+          <a:bodyPr/>
+          <a:lstStyle/>
+          <a:p>
+            <a:r>
+              <a:rPr lang="en-US" altLang="zh-CN" sz="3200" dirty="0">
+                <a:sym typeface="+mn-ea"/>
+              </a:rPr>
+              <a:t>Do </a:t>
+            </a:r>
+            <a:r>
+              <a:rPr lang="en-US" altLang="zh-CN" sz="3200" b="1" dirty="0">
+                <a:sym typeface="+mn-ea"/>
+              </a:rPr>
+              <a:t>Evil</a:t>
+            </a:r>
+            <a:r>
+              <a:rPr lang="en-US" altLang="zh-CN" sz="3200" dirty="0">
+                <a:sym typeface="+mn-ea"/>
+              </a:rPr>
+              <a:t> in the Eyes of the Lord. </a:t>
+            </a:r>
+            <a:br>
+              <a:rPr lang="en-US" altLang="ja-JP" sz="3200" dirty="0">
+                <a:sym typeface="+mn-ea"/>
+              </a:rPr>
+            </a:br>
+            <a:r>
+              <a:rPr lang="ja-JP" altLang="en-US" sz="3200">
+                <a:sym typeface="+mn-ea"/>
+              </a:rPr>
+              <a:t>行耶和华眼中看为</a:t>
+            </a:r>
+            <a:r>
+              <a:rPr lang="ja-JP" altLang="en-US" sz="3200" b="1">
+                <a:sym typeface="+mn-ea"/>
+              </a:rPr>
+              <a:t>恶</a:t>
+            </a:r>
+            <a:r>
+              <a:rPr lang="ja-JP" altLang="en-US" sz="3200">
+                <a:sym typeface="+mn-ea"/>
+              </a:rPr>
+              <a:t>的事</a:t>
+            </a:r>
+            <a:r>
+              <a:rPr lang="en-US" altLang="ja-JP" sz="3200" dirty="0">
+                <a:sym typeface="+mn-ea"/>
+              </a:rPr>
+              <a:t> (1</a:t>
+            </a:r>
+            <a:r>
+              <a:rPr lang="en-US" altLang="zh-CN" sz="3200" dirty="0">
+                <a:sym typeface="+mn-ea"/>
+              </a:rPr>
+              <a:t>Ki16:30 CUVS)</a:t>
+            </a:r>
+            <a:endParaRPr lang="zh-CN" altLang="en-US" sz="3200" dirty="0">
+              <a:sym typeface="+mn-ea"/>
+            </a:endParaRPr>
+          </a:p>
+        </p:txBody>
+      </p:sp>
     </p:spTree>
+    <p:extLst>
+      <p:ext uri="{BB962C8B-B14F-4D97-AF65-F5344CB8AC3E}">
+        <p14:creationId xmlns:p14="http://schemas.microsoft.com/office/powerpoint/2010/main" val="777609016"/>
+      </p:ext>
+    </p:extLst>
   </p:cSld>
   <p:clrMapOvr>
     <a:masterClrMapping/>
@@ -8527,7 +8039,13 @@
       </p:grpSpPr>
       <p:sp>
         <p:nvSpPr>
-          <p:cNvPr id="2" name="Title 1"/>
+          <p:cNvPr id="9" name="Title 1">
+            <a:extLst>
+              <a:ext uri="{FF2B5EF4-FFF2-40B4-BE49-F238E27FC236}">
+                <a16:creationId xmlns:a16="http://schemas.microsoft.com/office/drawing/2014/main" id="{C63780A5-8BB8-F9AD-CE36-0818A725E90E}"/>
+              </a:ext>
+            </a:extLst>
+          </p:cNvPr>
           <p:cNvSpPr>
             <a:spLocks noGrp="1"/>
           </p:cNvSpPr>
@@ -8537,170 +8055,1422 @@
         </p:nvSpPr>
         <p:spPr>
           <a:xfrm>
-            <a:off x="609600" y="190499"/>
-            <a:ext cx="10972800" cy="1048495"/>
+            <a:off x="609600" y="190500"/>
+            <a:ext cx="10972800" cy="1379883"/>
           </a:xfrm>
+          <a:solidFill>
+            <a:schemeClr val="bg1">
+              <a:lumMod val="95000"/>
+            </a:schemeClr>
+          </a:solidFill>
         </p:spPr>
         <p:txBody>
           <a:bodyPr/>
           <a:lstStyle/>
           <a:p>
             <a:r>
-              <a:rPr lang="en-US" altLang="zh-CN" dirty="0">
-                <a:solidFill>
-                  <a:schemeClr val="accent2"/>
-                </a:solidFill>
+              <a:rPr lang="en-US" altLang="zh-CN" sz="3200" dirty="0">
                 <a:sym typeface="+mn-ea"/>
               </a:rPr>
-              <a:t>Spiritual War</a:t>
-            </a:r>
-            <a:endParaRPr lang="zh-CN" altLang="en-US" dirty="0">
-              <a:solidFill>
-                <a:schemeClr val="accent2"/>
-              </a:solidFill>
+              <a:t>Check List of Moses’ Ten Commands</a:t>
+            </a:r>
+            <a:br>
+              <a:rPr lang="en-US" altLang="zh-CN" sz="3200" dirty="0">
+                <a:sym typeface="+mn-ea"/>
+              </a:rPr>
+            </a:br>
+            <a:endParaRPr lang="zh-CN" altLang="en-US" sz="3200" dirty="0">
               <a:sym typeface="+mn-ea"/>
             </a:endParaRPr>
           </a:p>
         </p:txBody>
       </p:sp>
-      <p:sp>
-        <p:nvSpPr>
-          <p:cNvPr id="4" name="TextBox 3">
+      <p:graphicFrame>
+        <p:nvGraphicFramePr>
+          <p:cNvPr id="4" name="Table 3">
             <a:extLst>
               <a:ext uri="{FF2B5EF4-FFF2-40B4-BE49-F238E27FC236}">
-                <a16:creationId xmlns:a16="http://schemas.microsoft.com/office/drawing/2014/main" id="{45188022-702C-2B79-63CE-51454CBECCEE}"/>
+                <a16:creationId xmlns:a16="http://schemas.microsoft.com/office/drawing/2014/main" id="{68A2020F-0E23-E486-CCD3-1C6F43843636}"/>
               </a:ext>
             </a:extLst>
           </p:cNvPr>
-          <p:cNvSpPr txBox="1"/>
-          <p:nvPr/>
-        </p:nvSpPr>
-        <p:spPr>
-          <a:xfrm>
-            <a:off x="609600" y="1408301"/>
-            <a:ext cx="10373139" cy="4524315"/>
-          </a:xfrm>
-          <a:prstGeom prst="rect">
-            <a:avLst/>
-          </a:prstGeom>
-          <a:noFill/>
-        </p:spPr>
-        <p:txBody>
-          <a:bodyPr wrap="square">
-            <a:spAutoFit/>
-          </a:bodyPr>
-          <a:lstStyle/>
-          <a:p>
-            <a:r>
-              <a:rPr lang="en-US" dirty="0"/>
-              <a:t>"I know that nothing good lives in me, that is, in my sinful nature. For I have the desire to do what is good, but I cannot carry it out." (Rom7:18 NIV)</a:t>
-            </a:r>
-          </a:p>
-          <a:p>
-            <a:r>
-              <a:rPr lang="en-US" altLang="ja-JP" dirty="0"/>
-              <a:t>"</a:t>
-            </a:r>
-            <a:r>
-              <a:rPr lang="ja-JP" altLang="en-US"/>
-              <a:t>我也知道、在我里头、就是我肉体之中、没有良善．因为立志为善由得我、只是行出来由不得我。</a:t>
-            </a:r>
-            <a:r>
-              <a:rPr lang="en-US" altLang="ja-JP" dirty="0"/>
-              <a:t>" (</a:t>
-            </a:r>
-            <a:r>
-              <a:rPr lang="en-US" dirty="0"/>
-              <a:t>Rom7:18 CUVS)</a:t>
-            </a:r>
-          </a:p>
-          <a:p>
-            <a:endParaRPr lang="en-US" dirty="0"/>
-          </a:p>
-          <a:p>
-            <a:r>
-              <a:rPr lang="en-US" dirty="0"/>
-              <a:t>"For what I do is not the good I want to do; no, the evil I do not want to do -- this I keep on doing." (Rom7:19 NIV)</a:t>
-            </a:r>
-          </a:p>
-          <a:p>
-            <a:r>
-              <a:rPr lang="en-US" altLang="ja-JP" dirty="0"/>
-              <a:t>"</a:t>
-            </a:r>
-            <a:r>
-              <a:rPr lang="ja-JP" altLang="en-US"/>
-              <a:t>故此、我所愿意的善、我反不作．我所不愿意的恶、我倒去作。</a:t>
-            </a:r>
-            <a:r>
-              <a:rPr lang="en-US" altLang="ja-JP" dirty="0"/>
-              <a:t>" (</a:t>
-            </a:r>
-            <a:r>
-              <a:rPr lang="en-US" dirty="0"/>
-              <a:t>Rom7:19 CUVS)</a:t>
-            </a:r>
-          </a:p>
-          <a:p>
-            <a:endParaRPr lang="en-US" dirty="0"/>
-          </a:p>
-          <a:p>
-            <a:r>
-              <a:rPr lang="en-US" dirty="0"/>
-              <a:t>"Now if I do what I do not want to do, it is no longer I who do it, but it is sin living in me that does it." (Rom7:20 NIV)</a:t>
-            </a:r>
-          </a:p>
-          <a:p>
-            <a:r>
-              <a:rPr lang="en-US" altLang="ja-JP" dirty="0"/>
-              <a:t>"</a:t>
-            </a:r>
-            <a:r>
-              <a:rPr lang="ja-JP" altLang="en-US"/>
-              <a:t>若我去作所不愿意作的、就不是我作的、乃是住在我里头的罪作的。</a:t>
-            </a:r>
-            <a:r>
-              <a:rPr lang="en-US" altLang="ja-JP" dirty="0"/>
-              <a:t>" (</a:t>
-            </a:r>
-            <a:r>
-              <a:rPr lang="en-US" dirty="0"/>
-              <a:t>Rom7:20 CUVS)</a:t>
-            </a:r>
-          </a:p>
-          <a:p>
-            <a:endParaRPr lang="en-US" dirty="0"/>
-          </a:p>
-          <a:p>
-            <a:r>
-              <a:rPr lang="en-US" dirty="0"/>
-              <a:t>"So I find this law at work: When I want to do good, evil is right there with me." (Rom7:21 NIV)</a:t>
-            </a:r>
-          </a:p>
-          <a:p>
-            <a:r>
-              <a:rPr lang="en-US" altLang="ja-JP" dirty="0"/>
-              <a:t>"</a:t>
-            </a:r>
-            <a:r>
-              <a:rPr lang="ja-JP" altLang="en-US"/>
-              <a:t>我觉得有个律、就是我愿意为善的时候、便有恶与我同在。</a:t>
-            </a:r>
-            <a:r>
-              <a:rPr lang="en-US" altLang="ja-JP" dirty="0"/>
-              <a:t>" (</a:t>
-            </a:r>
-            <a:r>
-              <a:rPr lang="en-US" dirty="0"/>
-              <a:t>Rom7:21 CUVS)</a:t>
-            </a:r>
-          </a:p>
-          <a:p>
-            <a:endParaRPr lang="en-US" dirty="0"/>
-          </a:p>
-        </p:txBody>
-      </p:sp>
+          <p:cNvGraphicFramePr>
+            <a:graphicFrameLocks noGrp="1"/>
+          </p:cNvGraphicFramePr>
+          <p:nvPr>
+            <p:extLst>
+              <p:ext uri="{D42A27DB-BD31-4B8C-83A1-F6EECF244321}">
+                <p14:modId xmlns:p14="http://schemas.microsoft.com/office/powerpoint/2010/main" val="2756002623"/>
+              </p:ext>
+            </p:extLst>
+          </p:nvPr>
+        </p:nvGraphicFramePr>
+        <p:xfrm>
+          <a:off x="609600" y="1834800"/>
+          <a:ext cx="10840273" cy="3246963"/>
+        </p:xfrm>
+        <a:graphic>
+          <a:graphicData uri="http://schemas.openxmlformats.org/drawingml/2006/table">
+            <a:tbl>
+              <a:tblPr firstRow="1" bandRow="1">
+                <a:tableStyleId>{5C22544A-7EE6-4342-B048-85BDC9FD1C3A}</a:tableStyleId>
+              </a:tblPr>
+              <a:tblGrid>
+                <a:gridCol w="564321">
+                  <a:extLst>
+                    <a:ext uri="{9D8B030D-6E8A-4147-A177-3AD203B41FA5}">
+                      <a16:colId xmlns:a16="http://schemas.microsoft.com/office/drawing/2014/main" val="1341161800"/>
+                    </a:ext>
+                  </a:extLst>
+                </a:gridCol>
+                <a:gridCol w="1122018">
+                  <a:extLst>
+                    <a:ext uri="{9D8B030D-6E8A-4147-A177-3AD203B41FA5}">
+                      <a16:colId xmlns:a16="http://schemas.microsoft.com/office/drawing/2014/main" val="4160174445"/>
+                    </a:ext>
+                  </a:extLst>
+                </a:gridCol>
+                <a:gridCol w="1152939">
+                  <a:extLst>
+                    <a:ext uri="{9D8B030D-6E8A-4147-A177-3AD203B41FA5}">
+                      <a16:colId xmlns:a16="http://schemas.microsoft.com/office/drawing/2014/main" val="3407671898"/>
+                    </a:ext>
+                  </a:extLst>
+                </a:gridCol>
+                <a:gridCol w="894522">
+                  <a:extLst>
+                    <a:ext uri="{9D8B030D-6E8A-4147-A177-3AD203B41FA5}">
+                      <a16:colId xmlns:a16="http://schemas.microsoft.com/office/drawing/2014/main" val="3057126703"/>
+                    </a:ext>
+                  </a:extLst>
+                </a:gridCol>
+                <a:gridCol w="824948">
+                  <a:extLst>
+                    <a:ext uri="{9D8B030D-6E8A-4147-A177-3AD203B41FA5}">
+                      <a16:colId xmlns:a16="http://schemas.microsoft.com/office/drawing/2014/main" val="750108894"/>
+                    </a:ext>
+                  </a:extLst>
+                </a:gridCol>
+                <a:gridCol w="861389">
+                  <a:extLst>
+                    <a:ext uri="{9D8B030D-6E8A-4147-A177-3AD203B41FA5}">
+                      <a16:colId xmlns:a16="http://schemas.microsoft.com/office/drawing/2014/main" val="3505031252"/>
+                    </a:ext>
+                  </a:extLst>
+                </a:gridCol>
+                <a:gridCol w="903356">
+                  <a:extLst>
+                    <a:ext uri="{9D8B030D-6E8A-4147-A177-3AD203B41FA5}">
+                      <a16:colId xmlns:a16="http://schemas.microsoft.com/office/drawing/2014/main" val="2342028271"/>
+                    </a:ext>
+                  </a:extLst>
+                </a:gridCol>
+                <a:gridCol w="903356">
+                  <a:extLst>
+                    <a:ext uri="{9D8B030D-6E8A-4147-A177-3AD203B41FA5}">
+                      <a16:colId xmlns:a16="http://schemas.microsoft.com/office/drawing/2014/main" val="385251023"/>
+                    </a:ext>
+                  </a:extLst>
+                </a:gridCol>
+                <a:gridCol w="903356">
+                  <a:extLst>
+                    <a:ext uri="{9D8B030D-6E8A-4147-A177-3AD203B41FA5}">
+                      <a16:colId xmlns:a16="http://schemas.microsoft.com/office/drawing/2014/main" val="3381038810"/>
+                    </a:ext>
+                  </a:extLst>
+                </a:gridCol>
+                <a:gridCol w="903356">
+                  <a:extLst>
+                    <a:ext uri="{9D8B030D-6E8A-4147-A177-3AD203B41FA5}">
+                      <a16:colId xmlns:a16="http://schemas.microsoft.com/office/drawing/2014/main" val="3474221572"/>
+                    </a:ext>
+                  </a:extLst>
+                </a:gridCol>
+                <a:gridCol w="903356">
+                  <a:extLst>
+                    <a:ext uri="{9D8B030D-6E8A-4147-A177-3AD203B41FA5}">
+                      <a16:colId xmlns:a16="http://schemas.microsoft.com/office/drawing/2014/main" val="3059287442"/>
+                    </a:ext>
+                  </a:extLst>
+                </a:gridCol>
+                <a:gridCol w="903356">
+                  <a:extLst>
+                    <a:ext uri="{9D8B030D-6E8A-4147-A177-3AD203B41FA5}">
+                      <a16:colId xmlns:a16="http://schemas.microsoft.com/office/drawing/2014/main" val="2041559729"/>
+                    </a:ext>
+                  </a:extLst>
+                </a:gridCol>
+              </a:tblGrid>
+              <a:tr h="617331">
+                <a:tc>
+                  <a:txBody>
+                    <a:bodyPr/>
+                    <a:lstStyle/>
+                    <a:p>
+                      <a:pPr algn="ctr"/>
+                      <a:r>
+                        <a:rPr lang="en-US" dirty="0"/>
+                        <a:t>#</a:t>
+                      </a:r>
+                    </a:p>
+                  </a:txBody>
+                  <a:tcPr/>
+                </a:tc>
+                <a:tc>
+                  <a:txBody>
+                    <a:bodyPr/>
+                    <a:lstStyle/>
+                    <a:p>
+                      <a:pPr algn="ctr"/>
+                      <a:r>
+                        <a:rPr lang="en-US" dirty="0"/>
+                        <a:t>Names</a:t>
+                      </a:r>
+                    </a:p>
+                  </a:txBody>
+                  <a:tcPr/>
+                </a:tc>
+                <a:tc>
+                  <a:txBody>
+                    <a:bodyPr/>
+                    <a:lstStyle/>
+                    <a:p>
+                      <a:pPr algn="ctr"/>
+                      <a:r>
+                        <a:rPr lang="en-US" dirty="0"/>
+                        <a:t>1</a:t>
+                      </a:r>
+                    </a:p>
+                    <a:p>
+                      <a:pPr algn="ctr"/>
+                      <a:r>
+                        <a:rPr lang="en-US" sz="1200" dirty="0"/>
+                        <a:t>gods</a:t>
+                      </a:r>
+                    </a:p>
+                  </a:txBody>
+                  <a:tcPr/>
+                </a:tc>
+                <a:tc>
+                  <a:txBody>
+                    <a:bodyPr/>
+                    <a:lstStyle/>
+                    <a:p>
+                      <a:pPr algn="ctr"/>
+                      <a:r>
+                        <a:rPr lang="en-US" dirty="0"/>
+                        <a:t>2</a:t>
+                      </a:r>
+                    </a:p>
+                    <a:p>
+                      <a:pPr algn="ctr"/>
+                      <a:r>
+                        <a:rPr lang="en-US" dirty="0"/>
+                        <a:t>idol</a:t>
+                      </a:r>
+                    </a:p>
+                  </a:txBody>
+                  <a:tcPr/>
+                </a:tc>
+                <a:tc>
+                  <a:txBody>
+                    <a:bodyPr/>
+                    <a:lstStyle/>
+                    <a:p>
+                      <a:pPr algn="ctr"/>
+                      <a:r>
+                        <a:rPr lang="en-US" dirty="0"/>
+                        <a:t>3</a:t>
+                      </a:r>
+                    </a:p>
+                    <a:p>
+                      <a:pPr algn="ctr"/>
+                      <a:r>
+                        <a:rPr lang="en-US" sz="1200" dirty="0"/>
+                        <a:t>misuse</a:t>
+                      </a:r>
+                    </a:p>
+                  </a:txBody>
+                  <a:tcPr/>
+                </a:tc>
+                <a:tc>
+                  <a:txBody>
+                    <a:bodyPr/>
+                    <a:lstStyle/>
+                    <a:p>
+                      <a:pPr algn="ctr"/>
+                      <a:r>
+                        <a:rPr lang="en-US" dirty="0"/>
+                        <a:t>4</a:t>
+                      </a:r>
+                    </a:p>
+                    <a:p>
+                      <a:pPr algn="ctr"/>
+                      <a:r>
+                        <a:rPr lang="en-US" sz="1200" dirty="0"/>
+                        <a:t>Sabbath</a:t>
+                      </a:r>
+                    </a:p>
+                  </a:txBody>
+                  <a:tcPr/>
+                </a:tc>
+                <a:tc>
+                  <a:txBody>
+                    <a:bodyPr/>
+                    <a:lstStyle/>
+                    <a:p>
+                      <a:pPr algn="ctr"/>
+                      <a:r>
+                        <a:rPr lang="en-US" dirty="0"/>
+                        <a:t>5</a:t>
+                      </a:r>
+                    </a:p>
+                    <a:p>
+                      <a:pPr algn="ctr"/>
+                      <a:r>
+                        <a:rPr lang="en-US" sz="1200" dirty="0"/>
+                        <a:t>Parents</a:t>
+                      </a:r>
+                    </a:p>
+                  </a:txBody>
+                  <a:tcPr/>
+                </a:tc>
+                <a:tc>
+                  <a:txBody>
+                    <a:bodyPr/>
+                    <a:lstStyle/>
+                    <a:p>
+                      <a:pPr algn="ctr"/>
+                      <a:r>
+                        <a:rPr lang="en-US" dirty="0"/>
+                        <a:t>6</a:t>
+                      </a:r>
+                    </a:p>
+                    <a:p>
+                      <a:pPr algn="ctr"/>
+                      <a:r>
+                        <a:rPr lang="en-US" sz="1200" dirty="0"/>
+                        <a:t>Murder</a:t>
+                      </a:r>
+                    </a:p>
+                  </a:txBody>
+                  <a:tcPr/>
+                </a:tc>
+                <a:tc>
+                  <a:txBody>
+                    <a:bodyPr/>
+                    <a:lstStyle/>
+                    <a:p>
+                      <a:pPr algn="ctr"/>
+                      <a:r>
+                        <a:rPr lang="en-US" dirty="0"/>
+                        <a:t>7</a:t>
+                      </a:r>
+                    </a:p>
+                    <a:p>
+                      <a:pPr algn="ctr"/>
+                      <a:r>
+                        <a:rPr lang="en-US" sz="1200" dirty="0"/>
+                        <a:t>adultery</a:t>
+                      </a:r>
+                    </a:p>
+                  </a:txBody>
+                  <a:tcPr/>
+                </a:tc>
+                <a:tc>
+                  <a:txBody>
+                    <a:bodyPr/>
+                    <a:lstStyle/>
+                    <a:p>
+                      <a:pPr algn="ctr"/>
+                      <a:r>
+                        <a:rPr lang="en-US" dirty="0"/>
+                        <a:t>8</a:t>
+                      </a:r>
+                    </a:p>
+                    <a:p>
+                      <a:pPr algn="ctr"/>
+                      <a:r>
+                        <a:rPr lang="en-US" dirty="0"/>
+                        <a:t>Steal</a:t>
+                      </a:r>
+                    </a:p>
+                  </a:txBody>
+                  <a:tcPr/>
+                </a:tc>
+                <a:tc>
+                  <a:txBody>
+                    <a:bodyPr/>
+                    <a:lstStyle/>
+                    <a:p>
+                      <a:pPr algn="ctr"/>
+                      <a:r>
+                        <a:rPr lang="en-US" dirty="0"/>
+                        <a:t>9</a:t>
+                      </a:r>
+                    </a:p>
+                    <a:p>
+                      <a:pPr algn="ctr"/>
+                      <a:r>
+                        <a:rPr lang="en-US" sz="1100" dirty="0"/>
+                        <a:t>Testament</a:t>
+                      </a:r>
+                    </a:p>
+                  </a:txBody>
+                  <a:tcPr/>
+                </a:tc>
+                <a:tc>
+                  <a:txBody>
+                    <a:bodyPr/>
+                    <a:lstStyle/>
+                    <a:p>
+                      <a:pPr algn="ctr"/>
+                      <a:r>
+                        <a:rPr lang="en-US" dirty="0"/>
+                        <a:t>10</a:t>
+                      </a:r>
+                    </a:p>
+                    <a:p>
+                      <a:pPr algn="ctr"/>
+                      <a:r>
+                        <a:rPr lang="en-US" dirty="0"/>
+                        <a:t>Covet</a:t>
+                      </a:r>
+                    </a:p>
+                  </a:txBody>
+                  <a:tcPr/>
+                </a:tc>
+                <a:extLst>
+                  <a:ext uri="{0D108BD9-81ED-4DB2-BD59-A6C34878D82A}">
+                    <a16:rowId xmlns:a16="http://schemas.microsoft.com/office/drawing/2014/main" val="1175198856"/>
+                  </a:ext>
+                </a:extLst>
+              </a:tr>
+              <a:tr h="398482">
+                <a:tc>
+                  <a:txBody>
+                    <a:bodyPr/>
+                    <a:lstStyle/>
+                    <a:p>
+                      <a:r>
+                        <a:rPr lang="en-US" dirty="0"/>
+                        <a:t>1</a:t>
+                      </a:r>
+                    </a:p>
+                  </a:txBody>
+                  <a:tcPr/>
+                </a:tc>
+                <a:tc>
+                  <a:txBody>
+                    <a:bodyPr/>
+                    <a:lstStyle/>
+                    <a:p>
+                      <a:r>
+                        <a:rPr lang="en-US" dirty="0"/>
+                        <a:t>USA</a:t>
+                      </a:r>
+                    </a:p>
+                  </a:txBody>
+                  <a:tcPr/>
+                </a:tc>
+                <a:tc>
+                  <a:txBody>
+                    <a:bodyPr/>
+                    <a:lstStyle/>
+                    <a:p>
+                      <a:endParaRPr lang="en-US" dirty="0"/>
+                    </a:p>
+                  </a:txBody>
+                  <a:tcPr/>
+                </a:tc>
+                <a:tc>
+                  <a:txBody>
+                    <a:bodyPr/>
+                    <a:lstStyle/>
+                    <a:p>
+                      <a:endParaRPr lang="en-US" dirty="0"/>
+                    </a:p>
+                  </a:txBody>
+                  <a:tcPr/>
+                </a:tc>
+                <a:tc>
+                  <a:txBody>
+                    <a:bodyPr/>
+                    <a:lstStyle/>
+                    <a:p>
+                      <a:r>
+                        <a:rPr lang="en-US" dirty="0"/>
+                        <a:t>?</a:t>
+                      </a:r>
+                    </a:p>
+                  </a:txBody>
+                  <a:tcPr/>
+                </a:tc>
+                <a:tc>
+                  <a:txBody>
+                    <a:bodyPr/>
+                    <a:lstStyle/>
+                    <a:p>
+                      <a:endParaRPr lang="en-US" dirty="0"/>
+                    </a:p>
+                  </a:txBody>
+                  <a:tcPr/>
+                </a:tc>
+                <a:tc>
+                  <a:txBody>
+                    <a:bodyPr/>
+                    <a:lstStyle/>
+                    <a:p>
+                      <a:endParaRPr lang="en-US" dirty="0"/>
+                    </a:p>
+                  </a:txBody>
+                  <a:tcPr/>
+                </a:tc>
+                <a:tc>
+                  <a:txBody>
+                    <a:bodyPr/>
+                    <a:lstStyle/>
+                    <a:p>
+                      <a:endParaRPr lang="en-US" dirty="0"/>
+                    </a:p>
+                  </a:txBody>
+                  <a:tcPr/>
+                </a:tc>
+                <a:tc>
+                  <a:txBody>
+                    <a:bodyPr/>
+                    <a:lstStyle/>
+                    <a:p>
+                      <a:r>
+                        <a:rPr lang="en-US" dirty="0"/>
+                        <a:t>XXX</a:t>
+                      </a:r>
+                    </a:p>
+                  </a:txBody>
+                  <a:tcPr/>
+                </a:tc>
+                <a:tc>
+                  <a:txBody>
+                    <a:bodyPr/>
+                    <a:lstStyle/>
+                    <a:p>
+                      <a:endParaRPr lang="en-US" dirty="0"/>
+                    </a:p>
+                  </a:txBody>
+                  <a:tcPr/>
+                </a:tc>
+                <a:tc>
+                  <a:txBody>
+                    <a:bodyPr/>
+                    <a:lstStyle/>
+                    <a:p>
+                      <a:endParaRPr lang="en-US" dirty="0"/>
+                    </a:p>
+                  </a:txBody>
+                  <a:tcPr/>
+                </a:tc>
+                <a:tc>
+                  <a:txBody>
+                    <a:bodyPr/>
+                    <a:lstStyle/>
+                    <a:p>
+                      <a:endParaRPr lang="en-US" dirty="0"/>
+                    </a:p>
+                  </a:txBody>
+                  <a:tcPr/>
+                </a:tc>
+                <a:extLst>
+                  <a:ext uri="{0D108BD9-81ED-4DB2-BD59-A6C34878D82A}">
+                    <a16:rowId xmlns:a16="http://schemas.microsoft.com/office/drawing/2014/main" val="3857630293"/>
+                  </a:ext>
+                </a:extLst>
+              </a:tr>
+              <a:tr h="352761">
+                <a:tc>
+                  <a:txBody>
+                    <a:bodyPr/>
+                    <a:lstStyle/>
+                    <a:p>
+                      <a:r>
+                        <a:rPr lang="en-US" dirty="0"/>
+                        <a:t>2</a:t>
+                      </a:r>
+                    </a:p>
+                  </a:txBody>
+                  <a:tcPr/>
+                </a:tc>
+                <a:tc>
+                  <a:txBody>
+                    <a:bodyPr/>
+                    <a:lstStyle/>
+                    <a:p>
+                      <a:r>
+                        <a:rPr lang="en-US" dirty="0"/>
+                        <a:t>PRC</a:t>
+                      </a:r>
+                    </a:p>
+                  </a:txBody>
+                  <a:tcPr/>
+                </a:tc>
+                <a:tc>
+                  <a:txBody>
+                    <a:bodyPr/>
+                    <a:lstStyle/>
+                    <a:p>
+                      <a:endParaRPr lang="en-US"/>
+                    </a:p>
+                  </a:txBody>
+                  <a:tcPr/>
+                </a:tc>
+                <a:tc>
+                  <a:txBody>
+                    <a:bodyPr/>
+                    <a:lstStyle/>
+                    <a:p>
+                      <a:endParaRPr lang="en-US" dirty="0"/>
+                    </a:p>
+                  </a:txBody>
+                  <a:tcPr/>
+                </a:tc>
+                <a:tc>
+                  <a:txBody>
+                    <a:bodyPr/>
+                    <a:lstStyle/>
+                    <a:p>
+                      <a:endParaRPr lang="en-US" dirty="0"/>
+                    </a:p>
+                  </a:txBody>
+                  <a:tcPr/>
+                </a:tc>
+                <a:tc>
+                  <a:txBody>
+                    <a:bodyPr/>
+                    <a:lstStyle/>
+                    <a:p>
+                      <a:r>
+                        <a:rPr lang="en-US" dirty="0"/>
+                        <a:t>XX</a:t>
+                      </a:r>
+                    </a:p>
+                  </a:txBody>
+                  <a:tcPr/>
+                </a:tc>
+                <a:tc>
+                  <a:txBody>
+                    <a:bodyPr/>
+                    <a:lstStyle/>
+                    <a:p>
+                      <a:endParaRPr lang="en-US"/>
+                    </a:p>
+                  </a:txBody>
+                  <a:tcPr/>
+                </a:tc>
+                <a:tc>
+                  <a:txBody>
+                    <a:bodyPr/>
+                    <a:lstStyle/>
+                    <a:p>
+                      <a:r>
+                        <a:rPr lang="en-US" dirty="0"/>
+                        <a:t>XXX</a:t>
+                      </a:r>
+                    </a:p>
+                  </a:txBody>
+                  <a:tcPr/>
+                </a:tc>
+                <a:tc>
+                  <a:txBody>
+                    <a:bodyPr/>
+                    <a:lstStyle/>
+                    <a:p>
+                      <a:endParaRPr lang="en-US" dirty="0"/>
+                    </a:p>
+                  </a:txBody>
+                  <a:tcPr/>
+                </a:tc>
+                <a:tc>
+                  <a:txBody>
+                    <a:bodyPr/>
+                    <a:lstStyle/>
+                    <a:p>
+                      <a:r>
+                        <a:rPr lang="en-US" dirty="0"/>
+                        <a:t>XXX</a:t>
+                      </a:r>
+                    </a:p>
+                  </a:txBody>
+                  <a:tcPr/>
+                </a:tc>
+                <a:tc>
+                  <a:txBody>
+                    <a:bodyPr/>
+                    <a:lstStyle/>
+                    <a:p>
+                      <a:endParaRPr lang="en-US"/>
+                    </a:p>
+                  </a:txBody>
+                  <a:tcPr/>
+                </a:tc>
+                <a:tc>
+                  <a:txBody>
+                    <a:bodyPr/>
+                    <a:lstStyle/>
+                    <a:p>
+                      <a:endParaRPr lang="en-US"/>
+                    </a:p>
+                  </a:txBody>
+                  <a:tcPr/>
+                </a:tc>
+                <a:extLst>
+                  <a:ext uri="{0D108BD9-81ED-4DB2-BD59-A6C34878D82A}">
+                    <a16:rowId xmlns:a16="http://schemas.microsoft.com/office/drawing/2014/main" val="3934390432"/>
+                  </a:ext>
+                </a:extLst>
+              </a:tr>
+              <a:tr h="352761">
+                <a:tc>
+                  <a:txBody>
+                    <a:bodyPr/>
+                    <a:lstStyle/>
+                    <a:p>
+                      <a:r>
+                        <a:rPr lang="en-US" dirty="0"/>
+                        <a:t>3</a:t>
+                      </a:r>
+                    </a:p>
+                  </a:txBody>
+                  <a:tcPr/>
+                </a:tc>
+                <a:tc>
+                  <a:txBody>
+                    <a:bodyPr/>
+                    <a:lstStyle/>
+                    <a:p>
+                      <a:r>
+                        <a:rPr lang="en-US" dirty="0"/>
+                        <a:t>TW</a:t>
+                      </a:r>
+                    </a:p>
+                  </a:txBody>
+                  <a:tcPr/>
+                </a:tc>
+                <a:tc>
+                  <a:txBody>
+                    <a:bodyPr/>
+                    <a:lstStyle/>
+                    <a:p>
+                      <a:endParaRPr lang="en-US" dirty="0"/>
+                    </a:p>
+                  </a:txBody>
+                  <a:tcPr/>
+                </a:tc>
+                <a:tc>
+                  <a:txBody>
+                    <a:bodyPr/>
+                    <a:lstStyle/>
+                    <a:p>
+                      <a:r>
+                        <a:rPr lang="en-US" sz="1800" dirty="0"/>
+                        <a:t>XXX</a:t>
+                      </a:r>
+                    </a:p>
+                  </a:txBody>
+                  <a:tcPr/>
+                </a:tc>
+                <a:tc>
+                  <a:txBody>
+                    <a:bodyPr/>
+                    <a:lstStyle/>
+                    <a:p>
+                      <a:endParaRPr lang="en-US" dirty="0"/>
+                    </a:p>
+                  </a:txBody>
+                  <a:tcPr/>
+                </a:tc>
+                <a:tc>
+                  <a:txBody>
+                    <a:bodyPr/>
+                    <a:lstStyle/>
+                    <a:p>
+                      <a:r>
+                        <a:rPr lang="en-US" dirty="0"/>
+                        <a:t>X</a:t>
+                      </a:r>
+                    </a:p>
+                  </a:txBody>
+                  <a:tcPr/>
+                </a:tc>
+                <a:tc>
+                  <a:txBody>
+                    <a:bodyPr/>
+                    <a:lstStyle/>
+                    <a:p>
+                      <a:endParaRPr lang="en-US"/>
+                    </a:p>
+                  </a:txBody>
+                  <a:tcPr/>
+                </a:tc>
+                <a:tc>
+                  <a:txBody>
+                    <a:bodyPr/>
+                    <a:lstStyle/>
+                    <a:p>
+                      <a:endParaRPr lang="en-US" dirty="0"/>
+                    </a:p>
+                  </a:txBody>
+                  <a:tcPr/>
+                </a:tc>
+                <a:tc>
+                  <a:txBody>
+                    <a:bodyPr/>
+                    <a:lstStyle/>
+                    <a:p>
+                      <a:r>
+                        <a:rPr lang="en-US" dirty="0"/>
+                        <a:t>(x)</a:t>
+                      </a:r>
+                    </a:p>
+                  </a:txBody>
+                  <a:tcPr/>
+                </a:tc>
+                <a:tc>
+                  <a:txBody>
+                    <a:bodyPr/>
+                    <a:lstStyle/>
+                    <a:p>
+                      <a:endParaRPr lang="en-US" dirty="0"/>
+                    </a:p>
+                  </a:txBody>
+                  <a:tcPr/>
+                </a:tc>
+                <a:tc>
+                  <a:txBody>
+                    <a:bodyPr/>
+                    <a:lstStyle/>
+                    <a:p>
+                      <a:endParaRPr lang="en-US"/>
+                    </a:p>
+                  </a:txBody>
+                  <a:tcPr/>
+                </a:tc>
+                <a:tc>
+                  <a:txBody>
+                    <a:bodyPr/>
+                    <a:lstStyle/>
+                    <a:p>
+                      <a:endParaRPr lang="en-US" dirty="0"/>
+                    </a:p>
+                  </a:txBody>
+                  <a:tcPr/>
+                </a:tc>
+                <a:extLst>
+                  <a:ext uri="{0D108BD9-81ED-4DB2-BD59-A6C34878D82A}">
+                    <a16:rowId xmlns:a16="http://schemas.microsoft.com/office/drawing/2014/main" val="2772572540"/>
+                  </a:ext>
+                </a:extLst>
+              </a:tr>
+              <a:tr h="352761">
+                <a:tc>
+                  <a:txBody>
+                    <a:bodyPr/>
+                    <a:lstStyle/>
+                    <a:p>
+                      <a:r>
+                        <a:rPr lang="en-US" dirty="0"/>
+                        <a:t>4</a:t>
+                      </a:r>
+                    </a:p>
+                  </a:txBody>
+                  <a:tcPr/>
+                </a:tc>
+                <a:tc>
+                  <a:txBody>
+                    <a:bodyPr/>
+                    <a:lstStyle/>
+                    <a:p>
+                      <a:r>
+                        <a:rPr lang="en-US" dirty="0"/>
+                        <a:t>HK</a:t>
+                      </a:r>
+                    </a:p>
+                  </a:txBody>
+                  <a:tcPr/>
+                </a:tc>
+                <a:tc>
+                  <a:txBody>
+                    <a:bodyPr/>
+                    <a:lstStyle/>
+                    <a:p>
+                      <a:endParaRPr lang="en-US" dirty="0"/>
+                    </a:p>
+                  </a:txBody>
+                  <a:tcPr/>
+                </a:tc>
+                <a:tc>
+                  <a:txBody>
+                    <a:bodyPr/>
+                    <a:lstStyle/>
+                    <a:p>
+                      <a:r>
+                        <a:rPr lang="en-US" sz="1800" dirty="0"/>
+                        <a:t>XXX</a:t>
+                      </a:r>
+                    </a:p>
+                  </a:txBody>
+                  <a:tcPr/>
+                </a:tc>
+                <a:tc>
+                  <a:txBody>
+                    <a:bodyPr/>
+                    <a:lstStyle/>
+                    <a:p>
+                      <a:endParaRPr lang="en-US" dirty="0"/>
+                    </a:p>
+                  </a:txBody>
+                  <a:tcPr/>
+                </a:tc>
+                <a:tc>
+                  <a:txBody>
+                    <a:bodyPr/>
+                    <a:lstStyle/>
+                    <a:p>
+                      <a:r>
+                        <a:rPr lang="en-US" dirty="0"/>
+                        <a:t>XX</a:t>
+                      </a:r>
+                    </a:p>
+                  </a:txBody>
+                  <a:tcPr/>
+                </a:tc>
+                <a:tc>
+                  <a:txBody>
+                    <a:bodyPr/>
+                    <a:lstStyle/>
+                    <a:p>
+                      <a:endParaRPr lang="en-US"/>
+                    </a:p>
+                  </a:txBody>
+                  <a:tcPr/>
+                </a:tc>
+                <a:tc>
+                  <a:txBody>
+                    <a:bodyPr/>
+                    <a:lstStyle/>
+                    <a:p>
+                      <a:endParaRPr lang="en-US" dirty="0"/>
+                    </a:p>
+                  </a:txBody>
+                  <a:tcPr/>
+                </a:tc>
+                <a:tc>
+                  <a:txBody>
+                    <a:bodyPr/>
+                    <a:lstStyle/>
+                    <a:p>
+                      <a:r>
+                        <a:rPr lang="en-US" dirty="0" err="1"/>
+                        <a:t>Xx</a:t>
+                      </a:r>
+                      <a:endParaRPr lang="en-US" dirty="0"/>
+                    </a:p>
+                  </a:txBody>
+                  <a:tcPr/>
+                </a:tc>
+                <a:tc>
+                  <a:txBody>
+                    <a:bodyPr/>
+                    <a:lstStyle/>
+                    <a:p>
+                      <a:endParaRPr lang="en-US" dirty="0"/>
+                    </a:p>
+                  </a:txBody>
+                  <a:tcPr/>
+                </a:tc>
+                <a:tc>
+                  <a:txBody>
+                    <a:bodyPr/>
+                    <a:lstStyle/>
+                    <a:p>
+                      <a:endParaRPr lang="en-US"/>
+                    </a:p>
+                  </a:txBody>
+                  <a:tcPr/>
+                </a:tc>
+                <a:tc>
+                  <a:txBody>
+                    <a:bodyPr/>
+                    <a:lstStyle/>
+                    <a:p>
+                      <a:endParaRPr lang="en-US" dirty="0"/>
+                    </a:p>
+                  </a:txBody>
+                  <a:tcPr/>
+                </a:tc>
+                <a:extLst>
+                  <a:ext uri="{0D108BD9-81ED-4DB2-BD59-A6C34878D82A}">
+                    <a16:rowId xmlns:a16="http://schemas.microsoft.com/office/drawing/2014/main" val="3369250603"/>
+                  </a:ext>
+                </a:extLst>
+              </a:tr>
+              <a:tr h="352761">
+                <a:tc>
+                  <a:txBody>
+                    <a:bodyPr/>
+                    <a:lstStyle/>
+                    <a:p>
+                      <a:r>
+                        <a:rPr lang="en-US" dirty="0"/>
+                        <a:t>5</a:t>
+                      </a:r>
+                    </a:p>
+                  </a:txBody>
+                  <a:tcPr/>
+                </a:tc>
+                <a:tc>
+                  <a:txBody>
+                    <a:bodyPr/>
+                    <a:lstStyle/>
+                    <a:p>
+                      <a:r>
+                        <a:rPr lang="en-US" dirty="0"/>
+                        <a:t>Russia</a:t>
+                      </a:r>
+                    </a:p>
+                  </a:txBody>
+                  <a:tcPr/>
+                </a:tc>
+                <a:tc>
+                  <a:txBody>
+                    <a:bodyPr/>
+                    <a:lstStyle/>
+                    <a:p>
+                      <a:endParaRPr lang="en-US"/>
+                    </a:p>
+                  </a:txBody>
+                  <a:tcPr/>
+                </a:tc>
+                <a:tc>
+                  <a:txBody>
+                    <a:bodyPr/>
+                    <a:lstStyle/>
+                    <a:p>
+                      <a:endParaRPr lang="en-US" dirty="0"/>
+                    </a:p>
+                  </a:txBody>
+                  <a:tcPr/>
+                </a:tc>
+                <a:tc>
+                  <a:txBody>
+                    <a:bodyPr/>
+                    <a:lstStyle/>
+                    <a:p>
+                      <a:endParaRPr lang="en-US"/>
+                    </a:p>
+                  </a:txBody>
+                  <a:tcPr/>
+                </a:tc>
+                <a:tc>
+                  <a:txBody>
+                    <a:bodyPr/>
+                    <a:lstStyle/>
+                    <a:p>
+                      <a:endParaRPr lang="en-US"/>
+                    </a:p>
+                  </a:txBody>
+                  <a:tcPr/>
+                </a:tc>
+                <a:tc>
+                  <a:txBody>
+                    <a:bodyPr/>
+                    <a:lstStyle/>
+                    <a:p>
+                      <a:endParaRPr lang="en-US"/>
+                    </a:p>
+                  </a:txBody>
+                  <a:tcPr/>
+                </a:tc>
+                <a:tc>
+                  <a:txBody>
+                    <a:bodyPr/>
+                    <a:lstStyle/>
+                    <a:p>
+                      <a:r>
+                        <a:rPr lang="en-US" dirty="0"/>
+                        <a:t>XXX</a:t>
+                      </a:r>
+                    </a:p>
+                  </a:txBody>
+                  <a:tcPr/>
+                </a:tc>
+                <a:tc>
+                  <a:txBody>
+                    <a:bodyPr/>
+                    <a:lstStyle/>
+                    <a:p>
+                      <a:endParaRPr lang="en-US" dirty="0"/>
+                    </a:p>
+                  </a:txBody>
+                  <a:tcPr/>
+                </a:tc>
+                <a:tc>
+                  <a:txBody>
+                    <a:bodyPr/>
+                    <a:lstStyle/>
+                    <a:p>
+                      <a:endParaRPr lang="en-US"/>
+                    </a:p>
+                  </a:txBody>
+                  <a:tcPr/>
+                </a:tc>
+                <a:tc>
+                  <a:txBody>
+                    <a:bodyPr/>
+                    <a:lstStyle/>
+                    <a:p>
+                      <a:endParaRPr lang="en-US"/>
+                    </a:p>
+                  </a:txBody>
+                  <a:tcPr/>
+                </a:tc>
+                <a:tc>
+                  <a:txBody>
+                    <a:bodyPr/>
+                    <a:lstStyle/>
+                    <a:p>
+                      <a:endParaRPr lang="en-US"/>
+                    </a:p>
+                  </a:txBody>
+                  <a:tcPr/>
+                </a:tc>
+                <a:extLst>
+                  <a:ext uri="{0D108BD9-81ED-4DB2-BD59-A6C34878D82A}">
+                    <a16:rowId xmlns:a16="http://schemas.microsoft.com/office/drawing/2014/main" val="2111908814"/>
+                  </a:ext>
+                </a:extLst>
+              </a:tr>
+              <a:tr h="379601">
+                <a:tc>
+                  <a:txBody>
+                    <a:bodyPr/>
+                    <a:lstStyle/>
+                    <a:p>
+                      <a:r>
+                        <a:rPr lang="en-US" dirty="0"/>
+                        <a:t>6</a:t>
+                      </a:r>
+                    </a:p>
+                  </a:txBody>
+                  <a:tcPr/>
+                </a:tc>
+                <a:tc>
+                  <a:txBody>
+                    <a:bodyPr/>
+                    <a:lstStyle/>
+                    <a:p>
+                      <a:r>
+                        <a:rPr lang="en-US" dirty="0"/>
+                        <a:t>Israel</a:t>
+                      </a:r>
+                    </a:p>
+                  </a:txBody>
+                  <a:tcPr/>
+                </a:tc>
+                <a:tc>
+                  <a:txBody>
+                    <a:bodyPr/>
+                    <a:lstStyle/>
+                    <a:p>
+                      <a:endParaRPr lang="en-US" sz="1200" dirty="0"/>
+                    </a:p>
+                  </a:txBody>
+                  <a:tcPr/>
+                </a:tc>
+                <a:tc>
+                  <a:txBody>
+                    <a:bodyPr/>
+                    <a:lstStyle/>
+                    <a:p>
+                      <a:endParaRPr lang="en-US" dirty="0"/>
+                    </a:p>
+                  </a:txBody>
+                  <a:tcPr/>
+                </a:tc>
+                <a:tc>
+                  <a:txBody>
+                    <a:bodyPr/>
+                    <a:lstStyle/>
+                    <a:p>
+                      <a:endParaRPr lang="en-US"/>
+                    </a:p>
+                  </a:txBody>
+                  <a:tcPr/>
+                </a:tc>
+                <a:tc>
+                  <a:txBody>
+                    <a:bodyPr/>
+                    <a:lstStyle/>
+                    <a:p>
+                      <a:endParaRPr lang="en-US"/>
+                    </a:p>
+                  </a:txBody>
+                  <a:tcPr/>
+                </a:tc>
+                <a:tc>
+                  <a:txBody>
+                    <a:bodyPr/>
+                    <a:lstStyle/>
+                    <a:p>
+                      <a:endParaRPr lang="en-US" dirty="0"/>
+                    </a:p>
+                  </a:txBody>
+                  <a:tcPr/>
+                </a:tc>
+                <a:tc>
+                  <a:txBody>
+                    <a:bodyPr/>
+                    <a:lstStyle/>
+                    <a:p>
+                      <a:endParaRPr lang="en-US" dirty="0"/>
+                    </a:p>
+                  </a:txBody>
+                  <a:tcPr/>
+                </a:tc>
+                <a:tc>
+                  <a:txBody>
+                    <a:bodyPr/>
+                    <a:lstStyle/>
+                    <a:p>
+                      <a:endParaRPr lang="en-US" dirty="0"/>
+                    </a:p>
+                  </a:txBody>
+                  <a:tcPr/>
+                </a:tc>
+                <a:tc>
+                  <a:txBody>
+                    <a:bodyPr/>
+                    <a:lstStyle/>
+                    <a:p>
+                      <a:endParaRPr lang="en-US"/>
+                    </a:p>
+                  </a:txBody>
+                  <a:tcPr/>
+                </a:tc>
+                <a:tc>
+                  <a:txBody>
+                    <a:bodyPr/>
+                    <a:lstStyle/>
+                    <a:p>
+                      <a:endParaRPr lang="en-US"/>
+                    </a:p>
+                  </a:txBody>
+                  <a:tcPr/>
+                </a:tc>
+                <a:tc>
+                  <a:txBody>
+                    <a:bodyPr/>
+                    <a:lstStyle/>
+                    <a:p>
+                      <a:endParaRPr lang="en-US"/>
+                    </a:p>
+                  </a:txBody>
+                  <a:tcPr/>
+                </a:tc>
+                <a:extLst>
+                  <a:ext uri="{0D108BD9-81ED-4DB2-BD59-A6C34878D82A}">
+                    <a16:rowId xmlns:a16="http://schemas.microsoft.com/office/drawing/2014/main" val="78005292"/>
+                  </a:ext>
+                </a:extLst>
+              </a:tr>
+              <a:tr h="352761">
+                <a:tc>
+                  <a:txBody>
+                    <a:bodyPr/>
+                    <a:lstStyle/>
+                    <a:p>
+                      <a:r>
+                        <a:rPr lang="en-US" dirty="0"/>
+                        <a:t>7</a:t>
+                      </a:r>
+                    </a:p>
+                  </a:txBody>
+                  <a:tcPr/>
+                </a:tc>
+                <a:tc>
+                  <a:txBody>
+                    <a:bodyPr/>
+                    <a:lstStyle/>
+                    <a:p>
+                      <a:pPr marL="0" marR="0" indent="0" algn="l" defTabSz="914400" rtl="0" eaLnBrk="1" fontAlgn="auto" latinLnBrk="0" hangingPunct="1">
+                        <a:lnSpc>
+                          <a:spcPct val="100000"/>
+                        </a:lnSpc>
+                        <a:spcBef>
+                          <a:spcPts val="0"/>
+                        </a:spcBef>
+                        <a:spcAft>
+                          <a:spcPts val="0"/>
+                        </a:spcAft>
+                        <a:buClrTx/>
+                        <a:buSzTx/>
+                        <a:buFontTx/>
+                        <a:buNone/>
+                        <a:tabLst/>
+                        <a:defRPr/>
+                      </a:pPr>
+                      <a:r>
+                        <a:rPr lang="en-US" dirty="0"/>
+                        <a:t>Me</a:t>
+                      </a:r>
+                    </a:p>
+                  </a:txBody>
+                  <a:tcPr/>
+                </a:tc>
+                <a:tc>
+                  <a:txBody>
+                    <a:bodyPr/>
+                    <a:lstStyle/>
+                    <a:p>
+                      <a:r>
+                        <a:rPr lang="en-US" dirty="0"/>
+                        <a:t>x</a:t>
+                      </a:r>
+                    </a:p>
+                  </a:txBody>
+                  <a:tcPr/>
+                </a:tc>
+                <a:tc>
+                  <a:txBody>
+                    <a:bodyPr/>
+                    <a:lstStyle/>
+                    <a:p>
+                      <a:r>
+                        <a:rPr lang="en-US" dirty="0"/>
+                        <a:t>x</a:t>
+                      </a:r>
+                    </a:p>
+                  </a:txBody>
+                  <a:tcPr/>
+                </a:tc>
+                <a:tc>
+                  <a:txBody>
+                    <a:bodyPr/>
+                    <a:lstStyle/>
+                    <a:p>
+                      <a:r>
+                        <a:rPr lang="en-US" dirty="0"/>
+                        <a:t>x</a:t>
+                      </a:r>
+                    </a:p>
+                  </a:txBody>
+                  <a:tcPr/>
+                </a:tc>
+                <a:tc>
+                  <a:txBody>
+                    <a:bodyPr/>
+                    <a:lstStyle/>
+                    <a:p>
+                      <a:r>
+                        <a:rPr lang="en-US" dirty="0"/>
+                        <a:t>x</a:t>
+                      </a:r>
+                    </a:p>
+                  </a:txBody>
+                  <a:tcPr/>
+                </a:tc>
+                <a:tc>
+                  <a:txBody>
+                    <a:bodyPr/>
+                    <a:lstStyle/>
+                    <a:p>
+                      <a:r>
+                        <a:rPr lang="en-US" dirty="0"/>
+                        <a:t>x</a:t>
+                      </a:r>
+                    </a:p>
+                  </a:txBody>
+                  <a:tcPr/>
+                </a:tc>
+                <a:tc>
+                  <a:txBody>
+                    <a:bodyPr/>
+                    <a:lstStyle/>
+                    <a:p>
+                      <a:r>
+                        <a:rPr lang="en-US" dirty="0"/>
+                        <a:t>x</a:t>
+                      </a:r>
+                    </a:p>
+                  </a:txBody>
+                  <a:tcPr/>
+                </a:tc>
+                <a:tc>
+                  <a:txBody>
+                    <a:bodyPr/>
+                    <a:lstStyle/>
+                    <a:p>
+                      <a:r>
+                        <a:rPr lang="en-US" dirty="0"/>
+                        <a:t>x</a:t>
+                      </a:r>
+                    </a:p>
+                  </a:txBody>
+                  <a:tcPr/>
+                </a:tc>
+                <a:tc>
+                  <a:txBody>
+                    <a:bodyPr/>
+                    <a:lstStyle/>
+                    <a:p>
+                      <a:r>
+                        <a:rPr lang="en-US" dirty="0"/>
+                        <a:t>x</a:t>
+                      </a:r>
+                    </a:p>
+                  </a:txBody>
+                  <a:tcPr/>
+                </a:tc>
+                <a:tc>
+                  <a:txBody>
+                    <a:bodyPr/>
+                    <a:lstStyle/>
+                    <a:p>
+                      <a:r>
+                        <a:rPr lang="en-US" dirty="0"/>
+                        <a:t>x</a:t>
+                      </a:r>
+                    </a:p>
+                  </a:txBody>
+                  <a:tcPr/>
+                </a:tc>
+                <a:tc>
+                  <a:txBody>
+                    <a:bodyPr/>
+                    <a:lstStyle/>
+                    <a:p>
+                      <a:r>
+                        <a:rPr lang="en-US" dirty="0"/>
+                        <a:t>x</a:t>
+                      </a:r>
+                    </a:p>
+                  </a:txBody>
+                  <a:tcPr/>
+                </a:tc>
+                <a:extLst>
+                  <a:ext uri="{0D108BD9-81ED-4DB2-BD59-A6C34878D82A}">
+                    <a16:rowId xmlns:a16="http://schemas.microsoft.com/office/drawing/2014/main" val="3324744869"/>
+                  </a:ext>
+                </a:extLst>
+              </a:tr>
+            </a:tbl>
+          </a:graphicData>
+        </a:graphic>
+      </p:graphicFrame>
     </p:spTree>
+    <p:extLst>
+      <p:ext uri="{BB962C8B-B14F-4D97-AF65-F5344CB8AC3E}">
+        <p14:creationId xmlns:p14="http://schemas.microsoft.com/office/powerpoint/2010/main" val="1333037636"/>
+      </p:ext>
+    </p:extLst>
   </p:cSld>
   <p:clrMapOvr>
     <a:masterClrMapping/>
@@ -8737,301 +9507,22 @@
         </p:nvSpPr>
         <p:spPr>
           <a:xfrm>
-            <a:off x="452025" y="1529264"/>
-            <a:ext cx="10972800" cy="4663923"/>
+            <a:off x="609600" y="190499"/>
+            <a:ext cx="10972800" cy="734885"/>
           </a:xfrm>
+          <a:solidFill>
+            <a:schemeClr val="bg2">
+              <a:lumMod val="20000"/>
+              <a:lumOff val="80000"/>
+            </a:schemeClr>
+          </a:solidFill>
         </p:spPr>
         <p:txBody>
           <a:bodyPr/>
           <a:lstStyle/>
           <a:p>
             <a:r>
-              <a:rPr lang="en-US" sz="2400" dirty="0"/>
-              <a:t>"For in my inner being I delight in God's law;" (Rom7:22 NIV)</a:t>
-            </a:r>
-            <a:br>
-              <a:rPr lang="en-US" sz="2400" dirty="0"/>
-            </a:br>
-            <a:r>
-              <a:rPr lang="en-US" altLang="ja-JP" sz="2400" dirty="0"/>
-              <a:t>"</a:t>
-            </a:r>
-            <a:r>
-              <a:rPr lang="ja-JP" altLang="en-US" sz="2400"/>
-              <a:t>因为按着我里面的意思。</a:t>
-            </a:r>
-            <a:r>
-              <a:rPr lang="en-US" altLang="ja-JP" sz="2400" dirty="0"/>
-              <a:t>〔</a:t>
-            </a:r>
-            <a:r>
-              <a:rPr lang="ja-JP" altLang="en-US" sz="2400"/>
-              <a:t>原文作人</a:t>
-            </a:r>
-            <a:r>
-              <a:rPr lang="en-US" altLang="ja-JP" sz="2400" dirty="0"/>
-              <a:t>〕</a:t>
-            </a:r>
-            <a:r>
-              <a:rPr lang="ja-JP" altLang="en-US" sz="2400"/>
-              <a:t>我是喜欢　神的律．</a:t>
-            </a:r>
-            <a:r>
-              <a:rPr lang="en-US" altLang="ja-JP" sz="2400" dirty="0"/>
-              <a:t>" (</a:t>
-            </a:r>
-            <a:r>
-              <a:rPr lang="en-US" sz="2400" dirty="0"/>
-              <a:t>Rom7:22 CUVS)</a:t>
-            </a:r>
-            <a:br>
-              <a:rPr lang="en-US" sz="2400" dirty="0"/>
-            </a:br>
-            <a:br>
-              <a:rPr lang="en-US" sz="2400" dirty="0"/>
-            </a:br>
-            <a:r>
-              <a:rPr lang="en-US" sz="2400" dirty="0"/>
-              <a:t>"but I see another law at work in the members of my body, waging war against the law of my mind and making me a prisoner of the law of sin at work within my members." (Rom7:23 NIV)</a:t>
-            </a:r>
-            <a:br>
-              <a:rPr lang="en-US" sz="2400" dirty="0"/>
-            </a:br>
-            <a:r>
-              <a:rPr lang="en-US" altLang="ja-JP" sz="2400" dirty="0"/>
-              <a:t>"</a:t>
-            </a:r>
-            <a:r>
-              <a:rPr lang="ja-JP" altLang="en-US" sz="2400"/>
-              <a:t>但我觉得肢体中另有个律、和我心中的律交战、把我掳去叫我附从那肢体中犯罪的律。</a:t>
-            </a:r>
-            <a:r>
-              <a:rPr lang="en-US" altLang="ja-JP" sz="2400" dirty="0"/>
-              <a:t>" (</a:t>
-            </a:r>
-            <a:r>
-              <a:rPr lang="en-US" sz="2400" dirty="0"/>
-              <a:t>Rom7:23 CUVS)</a:t>
-            </a:r>
-            <a:br>
-              <a:rPr lang="en-US" sz="2400" dirty="0"/>
-            </a:br>
-            <a:br>
-              <a:rPr lang="en-US" sz="2400" dirty="0"/>
-            </a:br>
-            <a:r>
-              <a:rPr lang="en-US" sz="2400" dirty="0"/>
-              <a:t>"What a wretched man I am! Who will rescue me from this body of death?" (Rom7:24 NIV)</a:t>
-            </a:r>
-            <a:r>
-              <a:rPr lang="ja-JP" altLang="en-US" sz="2400"/>
-              <a:t> </a:t>
-            </a:r>
-            <a:br>
-              <a:rPr lang="en-US" altLang="ja-JP" sz="2400" dirty="0"/>
-            </a:br>
-            <a:r>
-              <a:rPr lang="en-US" altLang="ja-JP" sz="2400" dirty="0"/>
-              <a:t>"</a:t>
-            </a:r>
-            <a:r>
-              <a:rPr lang="ja-JP" altLang="en-US" sz="2400"/>
-              <a:t>我真是苦阿、谁能救我脱离这取死的身体呢</a:t>
-            </a:r>
-            <a:r>
-              <a:rPr lang="en-US" altLang="ja-JP" sz="2400" dirty="0"/>
-              <a:t>?" (</a:t>
-            </a:r>
-            <a:r>
-              <a:rPr lang="en-US" sz="2400" dirty="0"/>
-              <a:t>Rom7:24 CUVS)</a:t>
-            </a:r>
-            <a:br>
-              <a:rPr lang="en-US" sz="2400" dirty="0"/>
-            </a:br>
-            <a:endParaRPr lang="zh-CN" altLang="en-US" sz="2400" dirty="0">
-              <a:solidFill>
-                <a:schemeClr val="accent2"/>
-              </a:solidFill>
-              <a:sym typeface="+mn-ea"/>
-            </a:endParaRPr>
-          </a:p>
-        </p:txBody>
-      </p:sp>
-      <p:sp>
-        <p:nvSpPr>
-          <p:cNvPr id="6" name="Title 1">
-            <a:extLst>
-              <a:ext uri="{FF2B5EF4-FFF2-40B4-BE49-F238E27FC236}">
-                <a16:creationId xmlns:a16="http://schemas.microsoft.com/office/drawing/2014/main" id="{C56A0CB8-5C2E-B4B0-0226-2EAD89AF472B}"/>
-              </a:ext>
-            </a:extLst>
-          </p:cNvPr>
-          <p:cNvSpPr txBox="1">
-            <a:spLocks/>
-          </p:cNvSpPr>
-          <p:nvPr/>
-        </p:nvSpPr>
-        <p:spPr>
-          <a:xfrm>
-            <a:off x="351817" y="505785"/>
-            <a:ext cx="11488366" cy="700392"/>
-          </a:xfrm>
-          <a:prstGeom prst="rect">
-            <a:avLst/>
-          </a:prstGeom>
-          <a:solidFill>
-            <a:schemeClr val="accent3">
-              <a:lumMod val="85000"/>
-            </a:schemeClr>
-          </a:solidFill>
-          <a:ln w="9525">
-            <a:noFill/>
-          </a:ln>
-        </p:spPr>
-        <p:txBody>
-          <a:bodyPr anchor="ctr" anchorCtr="0"/>
-          <a:lstStyle>
-            <a:lvl1pPr algn="l" rtl="0" fontAlgn="base">
-              <a:spcBef>
-                <a:spcPct val="0"/>
-              </a:spcBef>
-              <a:spcAft>
-                <a:spcPct val="0"/>
-              </a:spcAft>
-              <a:defRPr sz="3600" kern="1200">
-                <a:solidFill>
-                  <a:schemeClr val="tx1"/>
-                </a:solidFill>
-                <a:latin typeface="+mj-lt"/>
-                <a:ea typeface="+mj-ea"/>
-                <a:cs typeface="+mj-cs"/>
-              </a:defRPr>
-            </a:lvl1pPr>
-            <a:lvl2pPr algn="l" rtl="0" fontAlgn="base">
-              <a:spcBef>
-                <a:spcPct val="0"/>
-              </a:spcBef>
-              <a:spcAft>
-                <a:spcPct val="0"/>
-              </a:spcAft>
-              <a:defRPr sz="3600">
-                <a:solidFill>
-                  <a:schemeClr val="tx1"/>
-                </a:solidFill>
-                <a:latin typeface="Arial" panose="020B0604020202020204" pitchFamily="34" charset="0"/>
-                <a:ea typeface="SimSun" panose="02010600030101010101" pitchFamily="2" charset="-122"/>
-              </a:defRPr>
-            </a:lvl2pPr>
-            <a:lvl3pPr algn="l" rtl="0" fontAlgn="base">
-              <a:spcBef>
-                <a:spcPct val="0"/>
-              </a:spcBef>
-              <a:spcAft>
-                <a:spcPct val="0"/>
-              </a:spcAft>
-              <a:defRPr sz="3600">
-                <a:solidFill>
-                  <a:schemeClr val="tx1"/>
-                </a:solidFill>
-                <a:latin typeface="Arial" panose="020B0604020202020204" pitchFamily="34" charset="0"/>
-                <a:ea typeface="SimSun" panose="02010600030101010101" pitchFamily="2" charset="-122"/>
-              </a:defRPr>
-            </a:lvl3pPr>
-            <a:lvl4pPr algn="l" rtl="0" fontAlgn="base">
-              <a:spcBef>
-                <a:spcPct val="0"/>
-              </a:spcBef>
-              <a:spcAft>
-                <a:spcPct val="0"/>
-              </a:spcAft>
-              <a:defRPr sz="3600">
-                <a:solidFill>
-                  <a:schemeClr val="tx1"/>
-                </a:solidFill>
-                <a:latin typeface="Arial" panose="020B0604020202020204" pitchFamily="34" charset="0"/>
-                <a:ea typeface="SimSun" panose="02010600030101010101" pitchFamily="2" charset="-122"/>
-              </a:defRPr>
-            </a:lvl4pPr>
-            <a:lvl5pPr algn="l" rtl="0" fontAlgn="base">
-              <a:spcBef>
-                <a:spcPct val="0"/>
-              </a:spcBef>
-              <a:spcAft>
-                <a:spcPct val="0"/>
-              </a:spcAft>
-              <a:defRPr sz="3600">
-                <a:solidFill>
-                  <a:schemeClr val="tx1"/>
-                </a:solidFill>
-                <a:latin typeface="Arial" panose="020B0604020202020204" pitchFamily="34" charset="0"/>
-                <a:ea typeface="SimSun" panose="02010600030101010101" pitchFamily="2" charset="-122"/>
-              </a:defRPr>
-            </a:lvl5pPr>
-            <a:lvl6pPr marL="457200" algn="l" rtl="0" fontAlgn="base">
-              <a:spcBef>
-                <a:spcPct val="0"/>
-              </a:spcBef>
-              <a:spcAft>
-                <a:spcPct val="0"/>
-              </a:spcAft>
-              <a:defRPr sz="3600">
-                <a:solidFill>
-                  <a:schemeClr val="tx1"/>
-                </a:solidFill>
-                <a:latin typeface="Arial" panose="020B0604020202020204" pitchFamily="34" charset="0"/>
-                <a:ea typeface="SimSun" panose="02010600030101010101" pitchFamily="2" charset="-122"/>
-              </a:defRPr>
-            </a:lvl6pPr>
-            <a:lvl7pPr marL="914400" algn="l" rtl="0" fontAlgn="base">
-              <a:spcBef>
-                <a:spcPct val="0"/>
-              </a:spcBef>
-              <a:spcAft>
-                <a:spcPct val="0"/>
-              </a:spcAft>
-              <a:defRPr sz="3600">
-                <a:solidFill>
-                  <a:schemeClr val="tx1"/>
-                </a:solidFill>
-                <a:latin typeface="Arial" panose="020B0604020202020204" pitchFamily="34" charset="0"/>
-                <a:ea typeface="SimSun" panose="02010600030101010101" pitchFamily="2" charset="-122"/>
-              </a:defRPr>
-            </a:lvl7pPr>
-            <a:lvl8pPr marL="1371600" algn="l" rtl="0" fontAlgn="base">
-              <a:spcBef>
-                <a:spcPct val="0"/>
-              </a:spcBef>
-              <a:spcAft>
-                <a:spcPct val="0"/>
-              </a:spcAft>
-              <a:defRPr sz="3600">
-                <a:solidFill>
-                  <a:schemeClr val="tx1"/>
-                </a:solidFill>
-                <a:latin typeface="Arial" panose="020B0604020202020204" pitchFamily="34" charset="0"/>
-                <a:ea typeface="SimSun" panose="02010600030101010101" pitchFamily="2" charset="-122"/>
-              </a:defRPr>
-            </a:lvl8pPr>
-            <a:lvl9pPr marL="1828800" algn="l" rtl="0" fontAlgn="base">
-              <a:spcBef>
-                <a:spcPct val="0"/>
-              </a:spcBef>
-              <a:spcAft>
-                <a:spcPct val="0"/>
-              </a:spcAft>
-              <a:defRPr sz="3600">
-                <a:solidFill>
-                  <a:schemeClr val="tx1"/>
-                </a:solidFill>
-                <a:latin typeface="Arial" panose="020B0604020202020204" pitchFamily="34" charset="0"/>
-                <a:ea typeface="SimSun" panose="02010600030101010101" pitchFamily="2" charset="-122"/>
-              </a:defRPr>
-            </a:lvl9pPr>
-          </a:lstStyle>
-          <a:p>
-            <a:r>
-              <a:rPr lang="en-US" altLang="zh-CN" sz="3200" dirty="0">
+              <a:rPr lang="en-US" altLang="zh-CN" dirty="0">
                 <a:solidFill>
                   <a:schemeClr val="accent2"/>
                 </a:solidFill>
@@ -9039,7 +9530,7 @@
               </a:rPr>
               <a:t>Spiritual War</a:t>
             </a:r>
-            <a:endParaRPr lang="zh-CN" altLang="en-US" sz="3200" dirty="0">
+            <a:endParaRPr lang="zh-CN" altLang="en-US" dirty="0">
               <a:solidFill>
                 <a:schemeClr val="accent2"/>
               </a:solidFill>
@@ -9048,12 +9539,144 @@
           </a:p>
         </p:txBody>
       </p:sp>
+      <p:sp>
+        <p:nvSpPr>
+          <p:cNvPr id="4" name="TextBox 3">
+            <a:extLst>
+              <a:ext uri="{FF2B5EF4-FFF2-40B4-BE49-F238E27FC236}">
+                <a16:creationId xmlns:a16="http://schemas.microsoft.com/office/drawing/2014/main" id="{45188022-702C-2B79-63CE-51454CBECCEE}"/>
+              </a:ext>
+            </a:extLst>
+          </p:cNvPr>
+          <p:cNvSpPr txBox="1"/>
+          <p:nvPr/>
+        </p:nvSpPr>
+        <p:spPr>
+          <a:xfrm>
+            <a:off x="609600" y="1408301"/>
+            <a:ext cx="10373139" cy="4524315"/>
+          </a:xfrm>
+          <a:prstGeom prst="rect">
+            <a:avLst/>
+          </a:prstGeom>
+          <a:noFill/>
+        </p:spPr>
+        <p:txBody>
+          <a:bodyPr wrap="square">
+            <a:spAutoFit/>
+          </a:bodyPr>
+          <a:lstStyle/>
+          <a:p>
+            <a:r>
+              <a:rPr lang="en-US" dirty="0"/>
+              <a:t>"I know that nothing good lives in me, that is, in my sinful nature. For I have the desire to do what is good, but I cannot carry it out." (Rom7:18 NIV)</a:t>
+            </a:r>
+          </a:p>
+          <a:p>
+            <a:r>
+              <a:rPr lang="en-US" altLang="ja-JP" dirty="0"/>
+              <a:t>"</a:t>
+            </a:r>
+            <a:r>
+              <a:rPr lang="ja-JP" altLang="en-US"/>
+              <a:t>我也知道、在我里头、就是我肉体之中、没有良善．因为立志为善由得我、只是行出来由不得我。</a:t>
+            </a:r>
+            <a:r>
+              <a:rPr lang="en-US" altLang="ja-JP" dirty="0"/>
+              <a:t>" (</a:t>
+            </a:r>
+            <a:r>
+              <a:rPr lang="en-US" dirty="0"/>
+              <a:t>Rom7:18 CUVS)</a:t>
+            </a:r>
+          </a:p>
+          <a:p>
+            <a:endParaRPr lang="en-US" dirty="0"/>
+          </a:p>
+          <a:p>
+            <a:r>
+              <a:rPr lang="en-US" dirty="0"/>
+              <a:t>"For what I do is not the good I want to do; no, the evil I do not want to do -- this I keep on doing." (Rom7:19 NIV)</a:t>
+            </a:r>
+          </a:p>
+          <a:p>
+            <a:r>
+              <a:rPr lang="en-US" altLang="ja-JP" dirty="0"/>
+              <a:t>"</a:t>
+            </a:r>
+            <a:r>
+              <a:rPr lang="ja-JP" altLang="en-US"/>
+              <a:t>故此、我所愿意的善、我反不作．我所不愿意的恶、我倒去作。</a:t>
+            </a:r>
+            <a:r>
+              <a:rPr lang="en-US" altLang="ja-JP" dirty="0"/>
+              <a:t>" (</a:t>
+            </a:r>
+            <a:r>
+              <a:rPr lang="en-US" dirty="0"/>
+              <a:t>Rom7:19 CUVS)</a:t>
+            </a:r>
+          </a:p>
+          <a:p>
+            <a:endParaRPr lang="en-US" dirty="0"/>
+          </a:p>
+          <a:p>
+            <a:r>
+              <a:rPr lang="en-US" dirty="0"/>
+              <a:t>"Now if I do what I do not want to do, it is no longer I who do it, but it is sin living in me that does it." (Rom7:20 NIV)</a:t>
+            </a:r>
+          </a:p>
+          <a:p>
+            <a:r>
+              <a:rPr lang="en-US" altLang="ja-JP" dirty="0"/>
+              <a:t>"</a:t>
+            </a:r>
+            <a:r>
+              <a:rPr lang="ja-JP" altLang="en-US"/>
+              <a:t>若我去作所不愿意作的、就不是我作的、乃是住在我里头的罪作的。</a:t>
+            </a:r>
+            <a:r>
+              <a:rPr lang="en-US" altLang="ja-JP" dirty="0"/>
+              <a:t>" (</a:t>
+            </a:r>
+            <a:r>
+              <a:rPr lang="en-US" dirty="0"/>
+              <a:t>Rom7:20 CUVS)</a:t>
+            </a:r>
+          </a:p>
+          <a:p>
+            <a:endParaRPr lang="en-US" dirty="0"/>
+          </a:p>
+          <a:p>
+            <a:r>
+              <a:rPr lang="en-US" dirty="0"/>
+              <a:t>"So I find this law at work: When I want to do good, evil is right there with me." (Rom7:21 NIV)</a:t>
+            </a:r>
+          </a:p>
+          <a:p>
+            <a:r>
+              <a:rPr lang="en-US" altLang="ja-JP" dirty="0"/>
+              <a:t>"</a:t>
+            </a:r>
+            <a:r>
+              <a:rPr lang="ja-JP" altLang="en-US"/>
+              <a:t>我觉得有个律、就是我愿意为善的时候、便有恶与我同在。</a:t>
+            </a:r>
+            <a:r>
+              <a:rPr lang="en-US" altLang="ja-JP" dirty="0"/>
+              <a:t>" (</a:t>
+            </a:r>
+            <a:r>
+              <a:rPr lang="en-US" dirty="0"/>
+              <a:t>Rom7:21 CUVS)</a:t>
+            </a:r>
+          </a:p>
+          <a:p>
+            <a:endParaRPr lang="en-US" dirty="0"/>
+          </a:p>
+        </p:txBody>
+      </p:sp>
     </p:spTree>
-    <p:extLst>
-      <p:ext uri="{BB962C8B-B14F-4D97-AF65-F5344CB8AC3E}">
-        <p14:creationId xmlns:p14="http://schemas.microsoft.com/office/powerpoint/2010/main" val="3974253862"/>
-      </p:ext>
-    </p:extLst>
   </p:cSld>
   <p:clrMapOvr>
     <a:masterClrMapping/>
@@ -9090,30 +9713,309 @@
         </p:nvSpPr>
         <p:spPr>
           <a:xfrm>
-            <a:off x="609600" y="190499"/>
-            <a:ext cx="10972800" cy="1048495"/>
+            <a:off x="452025" y="1529264"/>
+            <a:ext cx="10972800" cy="4663923"/>
           </a:xfrm>
+        </p:spPr>
+        <p:txBody>
+          <a:bodyPr/>
+          <a:lstStyle/>
+          <a:p>
+            <a:r>
+              <a:rPr lang="en-US" sz="2400" dirty="0"/>
+              <a:t>"For in my inner being I delight in God's law;" (Rom7:22 NIV)</a:t>
+            </a:r>
+            <a:br>
+              <a:rPr lang="en-US" sz="2400" dirty="0"/>
+            </a:br>
+            <a:r>
+              <a:rPr lang="en-US" altLang="ja-JP" sz="2400" dirty="0"/>
+              <a:t>"</a:t>
+            </a:r>
+            <a:r>
+              <a:rPr lang="ja-JP" altLang="en-US" sz="2400"/>
+              <a:t>因为按着我里面的意思。</a:t>
+            </a:r>
+            <a:r>
+              <a:rPr lang="en-US" altLang="ja-JP" sz="2400" dirty="0"/>
+              <a:t>〔</a:t>
+            </a:r>
+            <a:r>
+              <a:rPr lang="ja-JP" altLang="en-US" sz="2400"/>
+              <a:t>原文作人</a:t>
+            </a:r>
+            <a:r>
+              <a:rPr lang="en-US" altLang="ja-JP" sz="2400" dirty="0"/>
+              <a:t>〕</a:t>
+            </a:r>
+            <a:r>
+              <a:rPr lang="ja-JP" altLang="en-US" sz="2400"/>
+              <a:t>我是喜欢　神的律．</a:t>
+            </a:r>
+            <a:r>
+              <a:rPr lang="en-US" altLang="ja-JP" sz="2400" dirty="0"/>
+              <a:t>" (</a:t>
+            </a:r>
+            <a:r>
+              <a:rPr lang="en-US" sz="2400" dirty="0"/>
+              <a:t>Rom7:22 CUVS)</a:t>
+            </a:r>
+            <a:br>
+              <a:rPr lang="en-US" sz="2400" dirty="0"/>
+            </a:br>
+            <a:br>
+              <a:rPr lang="en-US" sz="2400" dirty="0"/>
+            </a:br>
+            <a:r>
+              <a:rPr lang="en-US" sz="2400" dirty="0"/>
+              <a:t>"but I see another law at work in the members of my body, waging war against the law of my mind and making me a prisoner of the law of sin at work within my members." (Rom7:23 NIV)</a:t>
+            </a:r>
+            <a:br>
+              <a:rPr lang="en-US" sz="2400" dirty="0"/>
+            </a:br>
+            <a:r>
+              <a:rPr lang="en-US" altLang="ja-JP" sz="2400" dirty="0"/>
+              <a:t>"</a:t>
+            </a:r>
+            <a:r>
+              <a:rPr lang="ja-JP" altLang="en-US" sz="2400"/>
+              <a:t>但我觉得肢体中另有个律、和我心中的律交战、把我掳去叫我附从那肢体中犯罪的律。</a:t>
+            </a:r>
+            <a:r>
+              <a:rPr lang="en-US" altLang="ja-JP" sz="2400" dirty="0"/>
+              <a:t>" (</a:t>
+            </a:r>
+            <a:r>
+              <a:rPr lang="en-US" sz="2400" dirty="0"/>
+              <a:t>Rom7:23 CUVS)</a:t>
+            </a:r>
+            <a:br>
+              <a:rPr lang="en-US" sz="2400" dirty="0"/>
+            </a:br>
+            <a:br>
+              <a:rPr lang="en-US" sz="2400" dirty="0"/>
+            </a:br>
+            <a:r>
+              <a:rPr lang="en-US" sz="2400" dirty="0"/>
+              <a:t>"What a wretched man I am! Who will rescue me from this body of death?" (Rom7:24 NIV)</a:t>
+            </a:r>
+            <a:r>
+              <a:rPr lang="ja-JP" altLang="en-US" sz="2400"/>
+              <a:t> </a:t>
+            </a:r>
+            <a:br>
+              <a:rPr lang="en-US" altLang="ja-JP" sz="2400" dirty="0"/>
+            </a:br>
+            <a:r>
+              <a:rPr lang="en-US" altLang="ja-JP" sz="2400" dirty="0"/>
+              <a:t>"</a:t>
+            </a:r>
+            <a:r>
+              <a:rPr lang="ja-JP" altLang="en-US" sz="2400"/>
+              <a:t>我真是苦阿、谁能救我脱离这取死的身体呢</a:t>
+            </a:r>
+            <a:r>
+              <a:rPr lang="en-US" altLang="ja-JP" sz="2400" dirty="0"/>
+              <a:t>?" (</a:t>
+            </a:r>
+            <a:r>
+              <a:rPr lang="en-US" sz="2400" dirty="0"/>
+              <a:t>Rom7:24 CUVS)</a:t>
+            </a:r>
+            <a:br>
+              <a:rPr lang="en-US" sz="2400" dirty="0"/>
+            </a:br>
+            <a:endParaRPr lang="zh-CN" altLang="en-US" sz="2400" dirty="0">
+              <a:solidFill>
+                <a:schemeClr val="accent2"/>
+              </a:solidFill>
+              <a:sym typeface="+mn-ea"/>
+            </a:endParaRPr>
+          </a:p>
+        </p:txBody>
+      </p:sp>
+      <p:sp>
+        <p:nvSpPr>
+          <p:cNvPr id="6" name="Title 1">
+            <a:extLst>
+              <a:ext uri="{FF2B5EF4-FFF2-40B4-BE49-F238E27FC236}">
+                <a16:creationId xmlns:a16="http://schemas.microsoft.com/office/drawing/2014/main" id="{C56A0CB8-5C2E-B4B0-0226-2EAD89AF472B}"/>
+              </a:ext>
+            </a:extLst>
+          </p:cNvPr>
+          <p:cNvSpPr txBox="1">
+            <a:spLocks/>
+          </p:cNvSpPr>
+          <p:nvPr/>
+        </p:nvSpPr>
+        <p:spPr>
+          <a:xfrm>
+            <a:off x="351817" y="505785"/>
+            <a:ext cx="11488366" cy="700392"/>
+          </a:xfrm>
+          <a:prstGeom prst="rect">
+            <a:avLst/>
+          </a:prstGeom>
           <a:solidFill>
-            <a:schemeClr val="bg2">
-              <a:lumMod val="20000"/>
-              <a:lumOff val="80000"/>
+            <a:schemeClr val="accent3">
+              <a:lumMod val="85000"/>
             </a:schemeClr>
           </a:solidFill>
+          <a:ln w="9525">
+            <a:noFill/>
+          </a:ln>
         </p:spPr>
         <p:txBody>
-          <a:bodyPr/>
-          <a:lstStyle/>
-          <a:p>
-            <a:r>
-              <a:rPr lang="en-US" altLang="zh-CN" dirty="0">
+          <a:bodyPr anchor="ctr" anchorCtr="0"/>
+          <a:lstStyle>
+            <a:lvl1pPr algn="l" rtl="0" fontAlgn="base">
+              <a:spcBef>
+                <a:spcPct val="0"/>
+              </a:spcBef>
+              <a:spcAft>
+                <a:spcPct val="0"/>
+              </a:spcAft>
+              <a:defRPr sz="3600" kern="1200">
+                <a:solidFill>
+                  <a:schemeClr val="tx1"/>
+                </a:solidFill>
+                <a:latin typeface="+mj-lt"/>
+                <a:ea typeface="+mj-ea"/>
+                <a:cs typeface="+mj-cs"/>
+              </a:defRPr>
+            </a:lvl1pPr>
+            <a:lvl2pPr algn="l" rtl="0" fontAlgn="base">
+              <a:spcBef>
+                <a:spcPct val="0"/>
+              </a:spcBef>
+              <a:spcAft>
+                <a:spcPct val="0"/>
+              </a:spcAft>
+              <a:defRPr sz="3600">
+                <a:solidFill>
+                  <a:schemeClr val="tx1"/>
+                </a:solidFill>
+                <a:latin typeface="Arial" panose="020B0604020202020204" pitchFamily="34" charset="0"/>
+                <a:ea typeface="SimSun" panose="02010600030101010101" pitchFamily="2" charset="-122"/>
+              </a:defRPr>
+            </a:lvl2pPr>
+            <a:lvl3pPr algn="l" rtl="0" fontAlgn="base">
+              <a:spcBef>
+                <a:spcPct val="0"/>
+              </a:spcBef>
+              <a:spcAft>
+                <a:spcPct val="0"/>
+              </a:spcAft>
+              <a:defRPr sz="3600">
+                <a:solidFill>
+                  <a:schemeClr val="tx1"/>
+                </a:solidFill>
+                <a:latin typeface="Arial" panose="020B0604020202020204" pitchFamily="34" charset="0"/>
+                <a:ea typeface="SimSun" panose="02010600030101010101" pitchFamily="2" charset="-122"/>
+              </a:defRPr>
+            </a:lvl3pPr>
+            <a:lvl4pPr algn="l" rtl="0" fontAlgn="base">
+              <a:spcBef>
+                <a:spcPct val="0"/>
+              </a:spcBef>
+              <a:spcAft>
+                <a:spcPct val="0"/>
+              </a:spcAft>
+              <a:defRPr sz="3600">
+                <a:solidFill>
+                  <a:schemeClr val="tx1"/>
+                </a:solidFill>
+                <a:latin typeface="Arial" panose="020B0604020202020204" pitchFamily="34" charset="0"/>
+                <a:ea typeface="SimSun" panose="02010600030101010101" pitchFamily="2" charset="-122"/>
+              </a:defRPr>
+            </a:lvl4pPr>
+            <a:lvl5pPr algn="l" rtl="0" fontAlgn="base">
+              <a:spcBef>
+                <a:spcPct val="0"/>
+              </a:spcBef>
+              <a:spcAft>
+                <a:spcPct val="0"/>
+              </a:spcAft>
+              <a:defRPr sz="3600">
+                <a:solidFill>
+                  <a:schemeClr val="tx1"/>
+                </a:solidFill>
+                <a:latin typeface="Arial" panose="020B0604020202020204" pitchFamily="34" charset="0"/>
+                <a:ea typeface="SimSun" panose="02010600030101010101" pitchFamily="2" charset="-122"/>
+              </a:defRPr>
+            </a:lvl5pPr>
+            <a:lvl6pPr marL="457200" algn="l" rtl="0" fontAlgn="base">
+              <a:spcBef>
+                <a:spcPct val="0"/>
+              </a:spcBef>
+              <a:spcAft>
+                <a:spcPct val="0"/>
+              </a:spcAft>
+              <a:defRPr sz="3600">
+                <a:solidFill>
+                  <a:schemeClr val="tx1"/>
+                </a:solidFill>
+                <a:latin typeface="Arial" panose="020B0604020202020204" pitchFamily="34" charset="0"/>
+                <a:ea typeface="SimSun" panose="02010600030101010101" pitchFamily="2" charset="-122"/>
+              </a:defRPr>
+            </a:lvl6pPr>
+            <a:lvl7pPr marL="914400" algn="l" rtl="0" fontAlgn="base">
+              <a:spcBef>
+                <a:spcPct val="0"/>
+              </a:spcBef>
+              <a:spcAft>
+                <a:spcPct val="0"/>
+              </a:spcAft>
+              <a:defRPr sz="3600">
+                <a:solidFill>
+                  <a:schemeClr val="tx1"/>
+                </a:solidFill>
+                <a:latin typeface="Arial" panose="020B0604020202020204" pitchFamily="34" charset="0"/>
+                <a:ea typeface="SimSun" panose="02010600030101010101" pitchFamily="2" charset="-122"/>
+              </a:defRPr>
+            </a:lvl7pPr>
+            <a:lvl8pPr marL="1371600" algn="l" rtl="0" fontAlgn="base">
+              <a:spcBef>
+                <a:spcPct val="0"/>
+              </a:spcBef>
+              <a:spcAft>
+                <a:spcPct val="0"/>
+              </a:spcAft>
+              <a:defRPr sz="3600">
+                <a:solidFill>
+                  <a:schemeClr val="tx1"/>
+                </a:solidFill>
+                <a:latin typeface="Arial" panose="020B0604020202020204" pitchFamily="34" charset="0"/>
+                <a:ea typeface="SimSun" panose="02010600030101010101" pitchFamily="2" charset="-122"/>
+              </a:defRPr>
+            </a:lvl8pPr>
+            <a:lvl9pPr marL="1828800" algn="l" rtl="0" fontAlgn="base">
+              <a:spcBef>
+                <a:spcPct val="0"/>
+              </a:spcBef>
+              <a:spcAft>
+                <a:spcPct val="0"/>
+              </a:spcAft>
+              <a:defRPr sz="3600">
+                <a:solidFill>
+                  <a:schemeClr val="tx1"/>
+                </a:solidFill>
+                <a:latin typeface="Arial" panose="020B0604020202020204" pitchFamily="34" charset="0"/>
+                <a:ea typeface="SimSun" panose="02010600030101010101" pitchFamily="2" charset="-122"/>
+              </a:defRPr>
+            </a:lvl9pPr>
+          </a:lstStyle>
+          <a:p>
+            <a:r>
+              <a:rPr lang="en-US" altLang="zh-CN" sz="3200" dirty="0">
                 <a:solidFill>
                   <a:schemeClr val="accent2"/>
                 </a:solidFill>
                 <a:sym typeface="+mn-ea"/>
               </a:rPr>
-              <a:t>Praise Jesus Christ our Lord</a:t>
-            </a:r>
-            <a:endParaRPr lang="zh-CN" altLang="en-US" dirty="0">
+              <a:t>Spiritual War</a:t>
+            </a:r>
+            <a:endParaRPr lang="zh-CN" altLang="en-US" sz="3200" dirty="0">
               <a:solidFill>
                 <a:schemeClr val="accent2"/>
               </a:solidFill>
@@ -9122,154 +10024,10 @@
           </a:p>
         </p:txBody>
       </p:sp>
-      <p:sp>
-        <p:nvSpPr>
-          <p:cNvPr id="4" name="TextBox 3">
-            <a:extLst>
-              <a:ext uri="{FF2B5EF4-FFF2-40B4-BE49-F238E27FC236}">
-                <a16:creationId xmlns:a16="http://schemas.microsoft.com/office/drawing/2014/main" id="{30508525-5C27-1DBA-C9CB-23699A76E292}"/>
-              </a:ext>
-            </a:extLst>
-          </p:cNvPr>
-          <p:cNvSpPr txBox="1"/>
-          <p:nvPr/>
-        </p:nvSpPr>
-        <p:spPr>
-          <a:xfrm>
-            <a:off x="854764" y="1367135"/>
-            <a:ext cx="9700591" cy="5109091"/>
-          </a:xfrm>
-          <a:prstGeom prst="rect">
-            <a:avLst/>
-          </a:prstGeom>
-          <a:noFill/>
-        </p:spPr>
-        <p:txBody>
-          <a:bodyPr wrap="square">
-            <a:spAutoFit/>
-          </a:bodyPr>
-          <a:lstStyle/>
-          <a:p>
-            <a:pPr algn="ctr"/>
-            <a:r>
-              <a:rPr lang="en-US" sz="2800" b="1" dirty="0">
-                <a:solidFill>
-                  <a:schemeClr val="accent2"/>
-                </a:solidFill>
-              </a:rPr>
-              <a:t>Thanks be to God </a:t>
-            </a:r>
-            <a:r>
-              <a:rPr lang="en-US" sz="2800" b="1" dirty="0"/>
-              <a:t>– </a:t>
-            </a:r>
-          </a:p>
-          <a:p>
-            <a:pPr algn="ctr"/>
-            <a:r>
-              <a:rPr lang="en-US" sz="2800" b="1" dirty="0">
-                <a:solidFill>
-                  <a:schemeClr val="accent2"/>
-                </a:solidFill>
-              </a:rPr>
-              <a:t>through Jesus Christ our Lord! </a:t>
-            </a:r>
-          </a:p>
-          <a:p>
-            <a:pPr algn="ctr"/>
-            <a:r>
-              <a:rPr lang="en-US" sz="2800" dirty="0"/>
-              <a:t>So then, I myself in my mind am a slave to God's law, </a:t>
-            </a:r>
-          </a:p>
-          <a:p>
-            <a:pPr algn="ctr"/>
-            <a:r>
-              <a:rPr lang="en-US" sz="2800" dirty="0"/>
-              <a:t>but in the sinful nature a slave to the law of sin.</a:t>
-            </a:r>
-          </a:p>
-          <a:p>
-            <a:pPr algn="ctr"/>
-            <a:endParaRPr lang="en-US" sz="2800" dirty="0"/>
-          </a:p>
-          <a:p>
-            <a:pPr algn="ctr"/>
-            <a:r>
-              <a:rPr lang="ja-JP" altLang="en-US" sz="2800" b="1">
-                <a:solidFill>
-                  <a:schemeClr val="accent2"/>
-                </a:solidFill>
-              </a:rPr>
-              <a:t>感谢　神、</a:t>
-            </a:r>
-            <a:endParaRPr lang="en-US" altLang="ja-JP" sz="2800" b="1" dirty="0">
-              <a:solidFill>
-                <a:schemeClr val="accent2"/>
-              </a:solidFill>
-            </a:endParaRPr>
-          </a:p>
-          <a:p>
-            <a:pPr algn="ctr"/>
-            <a:r>
-              <a:rPr lang="ja-JP" altLang="en-US" sz="2800" b="1">
-                <a:solidFill>
-                  <a:schemeClr val="accent2"/>
-                </a:solidFill>
-              </a:rPr>
-              <a:t>靠着我们的主耶稣基督</a:t>
-            </a:r>
-            <a:endParaRPr lang="en-US" altLang="ja-JP" sz="2800" b="1" dirty="0">
-              <a:solidFill>
-                <a:schemeClr val="accent2"/>
-              </a:solidFill>
-            </a:endParaRPr>
-          </a:p>
-          <a:p>
-            <a:pPr algn="ctr"/>
-            <a:r>
-              <a:rPr lang="ja-JP" altLang="en-US" sz="2800"/>
-              <a:t>就能脱离了。</a:t>
-            </a:r>
-            <a:endParaRPr lang="en-US" altLang="ja-JP" sz="2800" dirty="0"/>
-          </a:p>
-          <a:p>
-            <a:pPr algn="ctr"/>
-            <a:r>
-              <a:rPr lang="ja-JP" altLang="en-US" sz="2800"/>
-              <a:t>这样看来、我以内心顺服　神的律．</a:t>
-            </a:r>
-            <a:endParaRPr lang="en-US" altLang="ja-JP" sz="2800" dirty="0"/>
-          </a:p>
-          <a:p>
-            <a:pPr algn="ctr"/>
-            <a:r>
-              <a:rPr lang="ja-JP" altLang="en-US" sz="2800"/>
-              <a:t>我肉体却顺服罪的律了。</a:t>
-            </a:r>
-            <a:r>
-              <a:rPr lang="en-US" altLang="ja-JP" sz="2800" dirty="0"/>
-              <a:t> (</a:t>
-            </a:r>
-            <a:r>
-              <a:rPr lang="en-US" sz="2800" dirty="0"/>
-              <a:t>Rom7:25 CUVS)</a:t>
-            </a:r>
-          </a:p>
-          <a:p>
-            <a:pPr algn="ctr"/>
-            <a:endParaRPr lang="en-US" sz="2800" dirty="0"/>
-          </a:p>
-          <a:p>
-            <a:pPr algn="ctr"/>
-            <a:endParaRPr lang="en-US" dirty="0"/>
-          </a:p>
-        </p:txBody>
-      </p:sp>
     </p:spTree>
     <p:extLst>
       <p:ext uri="{BB962C8B-B14F-4D97-AF65-F5344CB8AC3E}">
-        <p14:creationId xmlns:p14="http://schemas.microsoft.com/office/powerpoint/2010/main" val="3585290955"/>
+        <p14:creationId xmlns:p14="http://schemas.microsoft.com/office/powerpoint/2010/main" val="3974253862"/>
       </p:ext>
     </p:extLst>
   </p:cSld>
@@ -9308,12 +10066,13 @@
         </p:nvSpPr>
         <p:spPr>
           <a:xfrm>
-            <a:off x="351817" y="301557"/>
-            <a:ext cx="11488366" cy="700392"/>
+            <a:off x="609600" y="190499"/>
+            <a:ext cx="10972800" cy="1048495"/>
           </a:xfrm>
           <a:solidFill>
-            <a:schemeClr val="accent3">
-              <a:lumMod val="85000"/>
+            <a:schemeClr val="bg2">
+              <a:lumMod val="20000"/>
+              <a:lumOff val="80000"/>
             </a:schemeClr>
           </a:solidFill>
         </p:spPr>
@@ -9322,15 +10081,15 @@
           <a:lstStyle/>
           <a:p>
             <a:r>
-              <a:rPr lang="en-US" altLang="zh-CN" sz="3200" dirty="0">
+              <a:rPr lang="en-US" altLang="zh-CN" dirty="0">
                 <a:solidFill>
                   <a:schemeClr val="accent2"/>
                 </a:solidFill>
                 <a:sym typeface="+mn-ea"/>
               </a:rPr>
-              <a:t>Love of God: </a:t>
-            </a:r>
-            <a:endParaRPr lang="zh-CN" altLang="en-US" sz="3200" dirty="0">
+              <a:t>Praise Jesus Christ our Lord</a:t>
+            </a:r>
+            <a:endParaRPr lang="zh-CN" altLang="en-US" dirty="0">
               <a:solidFill>
                 <a:schemeClr val="accent2"/>
               </a:solidFill>
@@ -9341,422 +10100,152 @@
       </p:sp>
       <p:sp>
         <p:nvSpPr>
-          <p:cNvPr id="6" name="Title 1">
+          <p:cNvPr id="4" name="TextBox 3">
             <a:extLst>
               <a:ext uri="{FF2B5EF4-FFF2-40B4-BE49-F238E27FC236}">
-                <a16:creationId xmlns:a16="http://schemas.microsoft.com/office/drawing/2014/main" id="{9775AB54-DC47-878D-94A2-289C045F59B6}"/>
+                <a16:creationId xmlns:a16="http://schemas.microsoft.com/office/drawing/2014/main" id="{30508525-5C27-1DBA-C9CB-23699A76E292}"/>
               </a:ext>
             </a:extLst>
           </p:cNvPr>
-          <p:cNvSpPr txBox="1">
-            <a:spLocks/>
-          </p:cNvSpPr>
+          <p:cNvSpPr txBox="1"/>
           <p:nvPr/>
         </p:nvSpPr>
         <p:spPr>
           <a:xfrm>
-            <a:off x="351817" y="1001949"/>
-            <a:ext cx="11488366" cy="1682885"/>
+            <a:off x="854764" y="1367135"/>
+            <a:ext cx="9700591" cy="5109091"/>
           </a:xfrm>
           <a:prstGeom prst="rect">
             <a:avLst/>
           </a:prstGeom>
           <a:noFill/>
-          <a:ln w="9525">
-            <a:solidFill>
-              <a:schemeClr val="bg2"/>
-            </a:solidFill>
-          </a:ln>
         </p:spPr>
         <p:txBody>
-          <a:bodyPr anchor="ctr" anchorCtr="0"/>
-          <a:lstStyle>
-            <a:lvl1pPr algn="l" rtl="0" fontAlgn="base">
-              <a:spcBef>
-                <a:spcPct val="0"/>
-              </a:spcBef>
-              <a:spcAft>
-                <a:spcPct val="0"/>
-              </a:spcAft>
-              <a:defRPr sz="3600" kern="1200">
-                <a:solidFill>
-                  <a:schemeClr val="tx1"/>
-                </a:solidFill>
-                <a:latin typeface="+mj-lt"/>
-                <a:ea typeface="+mj-ea"/>
-                <a:cs typeface="+mj-cs"/>
-              </a:defRPr>
-            </a:lvl1pPr>
-            <a:lvl2pPr algn="l" rtl="0" fontAlgn="base">
-              <a:spcBef>
-                <a:spcPct val="0"/>
-              </a:spcBef>
-              <a:spcAft>
-                <a:spcPct val="0"/>
-              </a:spcAft>
-              <a:defRPr sz="3600">
-                <a:solidFill>
-                  <a:schemeClr val="tx1"/>
-                </a:solidFill>
-                <a:latin typeface="Arial" panose="020B0604020202020204" pitchFamily="34" charset="0"/>
-                <a:ea typeface="SimSun" panose="02010600030101010101" pitchFamily="2" charset="-122"/>
-              </a:defRPr>
-            </a:lvl2pPr>
-            <a:lvl3pPr algn="l" rtl="0" fontAlgn="base">
-              <a:spcBef>
-                <a:spcPct val="0"/>
-              </a:spcBef>
-              <a:spcAft>
-                <a:spcPct val="0"/>
-              </a:spcAft>
-              <a:defRPr sz="3600">
-                <a:solidFill>
-                  <a:schemeClr val="tx1"/>
-                </a:solidFill>
-                <a:latin typeface="Arial" panose="020B0604020202020204" pitchFamily="34" charset="0"/>
-                <a:ea typeface="SimSun" panose="02010600030101010101" pitchFamily="2" charset="-122"/>
-              </a:defRPr>
-            </a:lvl3pPr>
-            <a:lvl4pPr algn="l" rtl="0" fontAlgn="base">
-              <a:spcBef>
-                <a:spcPct val="0"/>
-              </a:spcBef>
-              <a:spcAft>
-                <a:spcPct val="0"/>
-              </a:spcAft>
-              <a:defRPr sz="3600">
-                <a:solidFill>
-                  <a:schemeClr val="tx1"/>
-                </a:solidFill>
-                <a:latin typeface="Arial" panose="020B0604020202020204" pitchFamily="34" charset="0"/>
-                <a:ea typeface="SimSun" panose="02010600030101010101" pitchFamily="2" charset="-122"/>
-              </a:defRPr>
-            </a:lvl4pPr>
-            <a:lvl5pPr algn="l" rtl="0" fontAlgn="base">
-              <a:spcBef>
-                <a:spcPct val="0"/>
-              </a:spcBef>
-              <a:spcAft>
-                <a:spcPct val="0"/>
-              </a:spcAft>
-              <a:defRPr sz="3600">
-                <a:solidFill>
-                  <a:schemeClr val="tx1"/>
-                </a:solidFill>
-                <a:latin typeface="Arial" panose="020B0604020202020204" pitchFamily="34" charset="0"/>
-                <a:ea typeface="SimSun" panose="02010600030101010101" pitchFamily="2" charset="-122"/>
-              </a:defRPr>
-            </a:lvl5pPr>
-            <a:lvl6pPr marL="457200" algn="l" rtl="0" fontAlgn="base">
-              <a:spcBef>
-                <a:spcPct val="0"/>
-              </a:spcBef>
-              <a:spcAft>
-                <a:spcPct val="0"/>
-              </a:spcAft>
-              <a:defRPr sz="3600">
-                <a:solidFill>
-                  <a:schemeClr val="tx1"/>
-                </a:solidFill>
-                <a:latin typeface="Arial" panose="020B0604020202020204" pitchFamily="34" charset="0"/>
-                <a:ea typeface="SimSun" panose="02010600030101010101" pitchFamily="2" charset="-122"/>
-              </a:defRPr>
-            </a:lvl6pPr>
-            <a:lvl7pPr marL="914400" algn="l" rtl="0" fontAlgn="base">
-              <a:spcBef>
-                <a:spcPct val="0"/>
-              </a:spcBef>
-              <a:spcAft>
-                <a:spcPct val="0"/>
-              </a:spcAft>
-              <a:defRPr sz="3600">
-                <a:solidFill>
-                  <a:schemeClr val="tx1"/>
-                </a:solidFill>
-                <a:latin typeface="Arial" panose="020B0604020202020204" pitchFamily="34" charset="0"/>
-                <a:ea typeface="SimSun" panose="02010600030101010101" pitchFamily="2" charset="-122"/>
-              </a:defRPr>
-            </a:lvl7pPr>
-            <a:lvl8pPr marL="1371600" algn="l" rtl="0" fontAlgn="base">
-              <a:spcBef>
-                <a:spcPct val="0"/>
-              </a:spcBef>
-              <a:spcAft>
-                <a:spcPct val="0"/>
-              </a:spcAft>
-              <a:defRPr sz="3600">
-                <a:solidFill>
-                  <a:schemeClr val="tx1"/>
-                </a:solidFill>
-                <a:latin typeface="Arial" panose="020B0604020202020204" pitchFamily="34" charset="0"/>
-                <a:ea typeface="SimSun" panose="02010600030101010101" pitchFamily="2" charset="-122"/>
-              </a:defRPr>
-            </a:lvl8pPr>
-            <a:lvl9pPr marL="1828800" algn="l" rtl="0" fontAlgn="base">
-              <a:spcBef>
-                <a:spcPct val="0"/>
-              </a:spcBef>
-              <a:spcAft>
-                <a:spcPct val="0"/>
-              </a:spcAft>
-              <a:defRPr sz="3600">
-                <a:solidFill>
-                  <a:schemeClr val="tx1"/>
-                </a:solidFill>
-                <a:latin typeface="Arial" panose="020B0604020202020204" pitchFamily="34" charset="0"/>
-                <a:ea typeface="SimSun" panose="02010600030101010101" pitchFamily="2" charset="-122"/>
-              </a:defRPr>
-            </a:lvl9pPr>
-          </a:lstStyle>
-          <a:p>
-            <a:r>
-              <a:rPr lang="en-US" altLang="zh-CN" sz="3200" dirty="0">
-                <a:sym typeface="+mn-ea"/>
-              </a:rPr>
-              <a:t>"</a:t>
-            </a:r>
-            <a:r>
-              <a:rPr lang="zh-CN" altLang="en-US" sz="3200" dirty="0">
-                <a:sym typeface="+mn-ea"/>
-              </a:rPr>
-              <a:t>耶稣对他说、你要尽心、尽性、尽意、爱主你的　神。</a:t>
-            </a:r>
-            <a:r>
-              <a:rPr lang="en-US" altLang="zh-CN" sz="3200" dirty="0">
-                <a:sym typeface="+mn-ea"/>
-              </a:rPr>
-              <a:t>"</a:t>
-            </a:r>
-            <a:r>
-              <a:rPr lang="en-US" altLang="zh-CN" sz="3200" dirty="0">
+          <a:bodyPr wrap="square">
+            <a:spAutoFit/>
+          </a:bodyPr>
+          <a:lstStyle/>
+          <a:p>
+            <a:pPr algn="ctr"/>
+            <a:r>
+              <a:rPr lang="en-US" sz="2800" b="1" dirty="0">
                 <a:solidFill>
                   <a:schemeClr val="accent2"/>
                 </a:solidFill>
-                <a:sym typeface="+mn-ea"/>
               </a:rPr>
-              <a:t> "Jesus replied:  'Love the Lord your God with all your heart and with all your soul and with all your mind.'" (Mat22:37 NIV)</a:t>
-            </a:r>
-            <a:endParaRPr lang="zh-CN" altLang="en-US" sz="3200" dirty="0">
+              <a:t>Thanks be to God </a:t>
+            </a:r>
+            <a:r>
+              <a:rPr lang="en-US" sz="2800" b="1" dirty="0"/>
+              <a:t>– </a:t>
+            </a:r>
+          </a:p>
+          <a:p>
+            <a:pPr algn="ctr"/>
+            <a:r>
+              <a:rPr lang="en-US" sz="2800" b="1" dirty="0">
+                <a:solidFill>
+                  <a:schemeClr val="accent2"/>
+                </a:solidFill>
+              </a:rPr>
+              <a:t>through Jesus Christ our Lord! </a:t>
+            </a:r>
+          </a:p>
+          <a:p>
+            <a:pPr algn="ctr"/>
+            <a:r>
+              <a:rPr lang="en-US" sz="2800" dirty="0"/>
+              <a:t>So then, I myself in my mind am a slave to God's law, </a:t>
+            </a:r>
+          </a:p>
+          <a:p>
+            <a:pPr algn="ctr"/>
+            <a:r>
+              <a:rPr lang="en-US" sz="2800" dirty="0"/>
+              <a:t>but in the sinful nature a slave to the law of sin.</a:t>
+            </a:r>
+          </a:p>
+          <a:p>
+            <a:pPr algn="ctr"/>
+            <a:endParaRPr lang="en-US" sz="2800" dirty="0"/>
+          </a:p>
+          <a:p>
+            <a:pPr algn="ctr"/>
+            <a:r>
+              <a:rPr lang="ja-JP" altLang="en-US" sz="2800" b="1">
+                <a:solidFill>
+                  <a:schemeClr val="accent2"/>
+                </a:solidFill>
+              </a:rPr>
+              <a:t>感谢　神、</a:t>
+            </a:r>
+            <a:endParaRPr lang="en-US" altLang="ja-JP" sz="2800" b="1" dirty="0">
               <a:solidFill>
                 <a:schemeClr val="accent2"/>
               </a:solidFill>
-              <a:sym typeface="+mn-ea"/>
             </a:endParaRPr>
           </a:p>
-        </p:txBody>
-      </p:sp>
-      <p:sp>
-        <p:nvSpPr>
-          <p:cNvPr id="3" name="Title 1">
-            <a:extLst>
-              <a:ext uri="{FF2B5EF4-FFF2-40B4-BE49-F238E27FC236}">
-                <a16:creationId xmlns:a16="http://schemas.microsoft.com/office/drawing/2014/main" id="{9AFDD413-04DE-B0A2-67AB-E07F6A623C87}"/>
-              </a:ext>
-            </a:extLst>
-          </p:cNvPr>
-          <p:cNvSpPr txBox="1">
-            <a:spLocks/>
-          </p:cNvSpPr>
-          <p:nvPr/>
-        </p:nvSpPr>
-        <p:spPr>
-          <a:xfrm>
-            <a:off x="351817" y="2884251"/>
-            <a:ext cx="11488366" cy="1682885"/>
-          </a:xfrm>
-          <a:prstGeom prst="rect">
-            <a:avLst/>
-          </a:prstGeom>
-          <a:noFill/>
-          <a:ln w="9525">
-            <a:solidFill>
-              <a:schemeClr val="bg2"/>
-            </a:solidFill>
-          </a:ln>
-        </p:spPr>
-        <p:txBody>
-          <a:bodyPr anchor="ctr" anchorCtr="0"/>
-          <a:lstStyle>
-            <a:lvl1pPr algn="l" rtl="0" fontAlgn="base">
-              <a:spcBef>
-                <a:spcPct val="0"/>
-              </a:spcBef>
-              <a:spcAft>
-                <a:spcPct val="0"/>
-              </a:spcAft>
-              <a:defRPr sz="3600" kern="1200">
-                <a:solidFill>
-                  <a:schemeClr val="tx1"/>
-                </a:solidFill>
-                <a:latin typeface="+mj-lt"/>
-                <a:ea typeface="+mj-ea"/>
-                <a:cs typeface="+mj-cs"/>
-              </a:defRPr>
-            </a:lvl1pPr>
-            <a:lvl2pPr algn="l" rtl="0" fontAlgn="base">
-              <a:spcBef>
-                <a:spcPct val="0"/>
-              </a:spcBef>
-              <a:spcAft>
-                <a:spcPct val="0"/>
-              </a:spcAft>
-              <a:defRPr sz="3600">
-                <a:solidFill>
-                  <a:schemeClr val="tx1"/>
-                </a:solidFill>
-                <a:latin typeface="Arial" panose="020B0604020202020204" pitchFamily="34" charset="0"/>
-                <a:ea typeface="SimSun" panose="02010600030101010101" pitchFamily="2" charset="-122"/>
-              </a:defRPr>
-            </a:lvl2pPr>
-            <a:lvl3pPr algn="l" rtl="0" fontAlgn="base">
-              <a:spcBef>
-                <a:spcPct val="0"/>
-              </a:spcBef>
-              <a:spcAft>
-                <a:spcPct val="0"/>
-              </a:spcAft>
-              <a:defRPr sz="3600">
-                <a:solidFill>
-                  <a:schemeClr val="tx1"/>
-                </a:solidFill>
-                <a:latin typeface="Arial" panose="020B0604020202020204" pitchFamily="34" charset="0"/>
-                <a:ea typeface="SimSun" panose="02010600030101010101" pitchFamily="2" charset="-122"/>
-              </a:defRPr>
-            </a:lvl3pPr>
-            <a:lvl4pPr algn="l" rtl="0" fontAlgn="base">
-              <a:spcBef>
-                <a:spcPct val="0"/>
-              </a:spcBef>
-              <a:spcAft>
-                <a:spcPct val="0"/>
-              </a:spcAft>
-              <a:defRPr sz="3600">
-                <a:solidFill>
-                  <a:schemeClr val="tx1"/>
-                </a:solidFill>
-                <a:latin typeface="Arial" panose="020B0604020202020204" pitchFamily="34" charset="0"/>
-                <a:ea typeface="SimSun" panose="02010600030101010101" pitchFamily="2" charset="-122"/>
-              </a:defRPr>
-            </a:lvl4pPr>
-            <a:lvl5pPr algn="l" rtl="0" fontAlgn="base">
-              <a:spcBef>
-                <a:spcPct val="0"/>
-              </a:spcBef>
-              <a:spcAft>
-                <a:spcPct val="0"/>
-              </a:spcAft>
-              <a:defRPr sz="3600">
-                <a:solidFill>
-                  <a:schemeClr val="tx1"/>
-                </a:solidFill>
-                <a:latin typeface="Arial" panose="020B0604020202020204" pitchFamily="34" charset="0"/>
-                <a:ea typeface="SimSun" panose="02010600030101010101" pitchFamily="2" charset="-122"/>
-              </a:defRPr>
-            </a:lvl5pPr>
-            <a:lvl6pPr marL="457200" algn="l" rtl="0" fontAlgn="base">
-              <a:spcBef>
-                <a:spcPct val="0"/>
-              </a:spcBef>
-              <a:spcAft>
-                <a:spcPct val="0"/>
-              </a:spcAft>
-              <a:defRPr sz="3600">
-                <a:solidFill>
-                  <a:schemeClr val="tx1"/>
-                </a:solidFill>
-                <a:latin typeface="Arial" panose="020B0604020202020204" pitchFamily="34" charset="0"/>
-                <a:ea typeface="SimSun" panose="02010600030101010101" pitchFamily="2" charset="-122"/>
-              </a:defRPr>
-            </a:lvl6pPr>
-            <a:lvl7pPr marL="914400" algn="l" rtl="0" fontAlgn="base">
-              <a:spcBef>
-                <a:spcPct val="0"/>
-              </a:spcBef>
-              <a:spcAft>
-                <a:spcPct val="0"/>
-              </a:spcAft>
-              <a:defRPr sz="3600">
-                <a:solidFill>
-                  <a:schemeClr val="tx1"/>
-                </a:solidFill>
-                <a:latin typeface="Arial" panose="020B0604020202020204" pitchFamily="34" charset="0"/>
-                <a:ea typeface="SimSun" panose="02010600030101010101" pitchFamily="2" charset="-122"/>
-              </a:defRPr>
-            </a:lvl7pPr>
-            <a:lvl8pPr marL="1371600" algn="l" rtl="0" fontAlgn="base">
-              <a:spcBef>
-                <a:spcPct val="0"/>
-              </a:spcBef>
-              <a:spcAft>
-                <a:spcPct val="0"/>
-              </a:spcAft>
-              <a:defRPr sz="3600">
-                <a:solidFill>
-                  <a:schemeClr val="tx1"/>
-                </a:solidFill>
-                <a:latin typeface="Arial" panose="020B0604020202020204" pitchFamily="34" charset="0"/>
-                <a:ea typeface="SimSun" panose="02010600030101010101" pitchFamily="2" charset="-122"/>
-              </a:defRPr>
-            </a:lvl8pPr>
-            <a:lvl9pPr marL="1828800" algn="l" rtl="0" fontAlgn="base">
-              <a:spcBef>
-                <a:spcPct val="0"/>
-              </a:spcBef>
-              <a:spcAft>
-                <a:spcPct val="0"/>
-              </a:spcAft>
-              <a:defRPr sz="3600">
-                <a:solidFill>
-                  <a:schemeClr val="tx1"/>
-                </a:solidFill>
-                <a:latin typeface="Arial" panose="020B0604020202020204" pitchFamily="34" charset="0"/>
-                <a:ea typeface="SimSun" panose="02010600030101010101" pitchFamily="2" charset="-122"/>
-              </a:defRPr>
-            </a:lvl9pPr>
-          </a:lstStyle>
-          <a:p>
-            <a:r>
-              <a:rPr lang="en-US" altLang="ja-JP" sz="3200" dirty="0">
-                <a:sym typeface="+mn-ea"/>
-              </a:rPr>
-              <a:t>"</a:t>
-            </a:r>
-            <a:r>
-              <a:rPr lang="ja-JP" altLang="en-US" sz="3200">
-                <a:sym typeface="+mn-ea"/>
-              </a:rPr>
-              <a:t>其次也相仿、就是要爱人如己。</a:t>
-            </a:r>
-            <a:r>
-              <a:rPr lang="en-US" altLang="ja-JP" sz="3200" dirty="0">
-                <a:sym typeface="+mn-ea"/>
-              </a:rPr>
-              <a:t>" </a:t>
-            </a:r>
-          </a:p>
-          <a:p>
-            <a:r>
-              <a:rPr lang="en-US" altLang="zh-CN" sz="3200" dirty="0">
+          <a:p>
+            <a:pPr algn="ctr"/>
+            <a:r>
+              <a:rPr lang="ja-JP" altLang="en-US" sz="2800" b="1">
                 <a:solidFill>
                   <a:schemeClr val="accent2"/>
                 </a:solidFill>
-                <a:sym typeface="+mn-ea"/>
               </a:rPr>
-              <a:t>"And the second is like it: 'Love your neighbor as yourself.'" (Mat22:39 NIV)</a:t>
-            </a:r>
-            <a:endParaRPr lang="zh-CN" altLang="en-US" sz="3200" dirty="0">
+              <a:t>靠着我们的主耶稣基督</a:t>
+            </a:r>
+            <a:endParaRPr lang="en-US" altLang="ja-JP" sz="2800" b="1" dirty="0">
               <a:solidFill>
                 <a:schemeClr val="accent2"/>
               </a:solidFill>
-              <a:sym typeface="+mn-ea"/>
             </a:endParaRPr>
+          </a:p>
+          <a:p>
+            <a:pPr algn="ctr"/>
+            <a:r>
+              <a:rPr lang="ja-JP" altLang="en-US" sz="2800"/>
+              <a:t>就能脱离了。</a:t>
+            </a:r>
+            <a:endParaRPr lang="en-US" altLang="ja-JP" sz="2800" dirty="0"/>
+          </a:p>
+          <a:p>
+            <a:pPr algn="ctr"/>
+            <a:r>
+              <a:rPr lang="ja-JP" altLang="en-US" sz="2800"/>
+              <a:t>这样看来、我以内心顺服　神的律．</a:t>
+            </a:r>
+            <a:endParaRPr lang="en-US" altLang="ja-JP" sz="2800" dirty="0"/>
+          </a:p>
+          <a:p>
+            <a:pPr algn="ctr"/>
+            <a:r>
+              <a:rPr lang="ja-JP" altLang="en-US" sz="2800"/>
+              <a:t>我肉体却顺服罪的律了。</a:t>
+            </a:r>
+            <a:r>
+              <a:rPr lang="en-US" altLang="ja-JP" sz="2800" dirty="0"/>
+              <a:t> (</a:t>
+            </a:r>
+            <a:r>
+              <a:rPr lang="en-US" sz="2800" dirty="0"/>
+              <a:t>Rom7:25 CUVS)</a:t>
+            </a:r>
+          </a:p>
+          <a:p>
+            <a:pPr algn="ctr"/>
+            <a:endParaRPr lang="en-US" sz="2800" dirty="0"/>
+          </a:p>
+          <a:p>
+            <a:pPr algn="ctr"/>
+            <a:endParaRPr lang="en-US" dirty="0"/>
           </a:p>
         </p:txBody>
       </p:sp>
     </p:spTree>
     <p:extLst>
       <p:ext uri="{BB962C8B-B14F-4D97-AF65-F5344CB8AC3E}">
-        <p14:creationId xmlns:p14="http://schemas.microsoft.com/office/powerpoint/2010/main" val="1178681887"/>
+        <p14:creationId xmlns:p14="http://schemas.microsoft.com/office/powerpoint/2010/main" val="3585290955"/>
       </p:ext>
     </p:extLst>
   </p:cSld>
@@ -9815,7 +10304,7 @@
                 </a:solidFill>
                 <a:sym typeface="+mn-ea"/>
               </a:rPr>
-              <a:t>Don’t Live in Comfort Zone</a:t>
+              <a:t>Love of God: </a:t>
             </a:r>
             <a:endParaRPr lang="zh-CN" altLang="en-US" sz="3200" dirty="0">
               <a:solidFill>
@@ -9842,8 +10331,8 @@
         </p:nvSpPr>
         <p:spPr>
           <a:xfrm>
-            <a:off x="351817" y="1128409"/>
-            <a:ext cx="11488366" cy="4328808"/>
+            <a:off x="351817" y="1001949"/>
+            <a:ext cx="11488366" cy="1682885"/>
           </a:xfrm>
           <a:prstGeom prst="rect">
             <a:avLst/>
@@ -10000,40 +10489,20 @@
               <a:rPr lang="en-US" altLang="zh-CN" sz="3200" dirty="0">
                 <a:sym typeface="+mn-ea"/>
               </a:rPr>
-              <a:t>“</a:t>
+              <a:t>"</a:t>
             </a:r>
             <a:r>
               <a:rPr lang="zh-CN" altLang="en-US" sz="3200" dirty="0">
                 <a:sym typeface="+mn-ea"/>
               </a:rPr>
-              <a:t>所以你们要</a:t>
-            </a:r>
-            <a:r>
-              <a:rPr lang="zh-CN" altLang="en-US" sz="3200" b="1" i="1" dirty="0">
-                <a:sym typeface="+mn-ea"/>
-              </a:rPr>
-              <a:t>去</a:t>
-            </a:r>
-            <a:r>
-              <a:rPr lang="zh-CN" altLang="en-US" sz="3200" dirty="0">
-                <a:sym typeface="+mn-ea"/>
-              </a:rPr>
-              <a:t>、使万民作我的门徒、奉父子圣灵的名、给他们施洗</a:t>
-            </a:r>
-            <a:r>
-              <a:rPr lang="ja-JP" altLang="en-US" sz="3200">
-                <a:sym typeface="+mn-ea"/>
-              </a:rPr>
-              <a:t>凡我所吩咐你们的、都教训他们遵守我就常与你们同在、直到世界的末了。</a:t>
+              <a:t>耶稣对他说、你要尽心、尽性、尽意、爱主你的　神。</a:t>
             </a:r>
             <a:r>
               <a:rPr lang="en-US" altLang="zh-CN" sz="3200" dirty="0">
                 <a:sym typeface="+mn-ea"/>
               </a:rPr>
-              <a:t>”</a:t>
-            </a:r>
-          </a:p>
-          <a:p>
+              <a:t>"</a:t>
+            </a:r>
             <a:r>
               <a:rPr lang="en-US" altLang="zh-CN" sz="3200" dirty="0">
                 <a:solidFill>
@@ -10041,17 +10510,207 @@
                 </a:solidFill>
                 <a:sym typeface="+mn-ea"/>
               </a:rPr>
-              <a:t>"Therefore </a:t>
-            </a:r>
-            <a:r>
-              <a:rPr lang="en-US" altLang="zh-CN" sz="3200" b="1" u="sng" dirty="0">
+              <a:t> "Jesus replied:  'Love the Lord your God with all your heart and with all your soul and with all your mind.'" (Mat22:37 NIV)</a:t>
+            </a:r>
+            <a:endParaRPr lang="zh-CN" altLang="en-US" sz="3200" dirty="0">
+              <a:solidFill>
+                <a:schemeClr val="accent2"/>
+              </a:solidFill>
+              <a:sym typeface="+mn-ea"/>
+            </a:endParaRPr>
+          </a:p>
+        </p:txBody>
+      </p:sp>
+      <p:sp>
+        <p:nvSpPr>
+          <p:cNvPr id="3" name="Title 1">
+            <a:extLst>
+              <a:ext uri="{FF2B5EF4-FFF2-40B4-BE49-F238E27FC236}">
+                <a16:creationId xmlns:a16="http://schemas.microsoft.com/office/drawing/2014/main" id="{9AFDD413-04DE-B0A2-67AB-E07F6A623C87}"/>
+              </a:ext>
+            </a:extLst>
+          </p:cNvPr>
+          <p:cNvSpPr txBox="1">
+            <a:spLocks/>
+          </p:cNvSpPr>
+          <p:nvPr/>
+        </p:nvSpPr>
+        <p:spPr>
+          <a:xfrm>
+            <a:off x="351817" y="2884251"/>
+            <a:ext cx="11488366" cy="1682885"/>
+          </a:xfrm>
+          <a:prstGeom prst="rect">
+            <a:avLst/>
+          </a:prstGeom>
+          <a:noFill/>
+          <a:ln w="9525">
+            <a:solidFill>
+              <a:schemeClr val="bg2"/>
+            </a:solidFill>
+          </a:ln>
+        </p:spPr>
+        <p:txBody>
+          <a:bodyPr anchor="ctr" anchorCtr="0"/>
+          <a:lstStyle>
+            <a:lvl1pPr algn="l" rtl="0" fontAlgn="base">
+              <a:spcBef>
+                <a:spcPct val="0"/>
+              </a:spcBef>
+              <a:spcAft>
+                <a:spcPct val="0"/>
+              </a:spcAft>
+              <a:defRPr sz="3600" kern="1200">
                 <a:solidFill>
-                  <a:schemeClr val="accent2"/>
+                  <a:schemeClr val="tx1"/>
                 </a:solidFill>
+                <a:latin typeface="+mj-lt"/>
+                <a:ea typeface="+mj-ea"/>
+                <a:cs typeface="+mj-cs"/>
+              </a:defRPr>
+            </a:lvl1pPr>
+            <a:lvl2pPr algn="l" rtl="0" fontAlgn="base">
+              <a:spcBef>
+                <a:spcPct val="0"/>
+              </a:spcBef>
+              <a:spcAft>
+                <a:spcPct val="0"/>
+              </a:spcAft>
+              <a:defRPr sz="3600">
+                <a:solidFill>
+                  <a:schemeClr val="tx1"/>
+                </a:solidFill>
+                <a:latin typeface="Arial" panose="020B0604020202020204" pitchFamily="34" charset="0"/>
+                <a:ea typeface="SimSun" panose="02010600030101010101" pitchFamily="2" charset="-122"/>
+              </a:defRPr>
+            </a:lvl2pPr>
+            <a:lvl3pPr algn="l" rtl="0" fontAlgn="base">
+              <a:spcBef>
+                <a:spcPct val="0"/>
+              </a:spcBef>
+              <a:spcAft>
+                <a:spcPct val="0"/>
+              </a:spcAft>
+              <a:defRPr sz="3600">
+                <a:solidFill>
+                  <a:schemeClr val="tx1"/>
+                </a:solidFill>
+                <a:latin typeface="Arial" panose="020B0604020202020204" pitchFamily="34" charset="0"/>
+                <a:ea typeface="SimSun" panose="02010600030101010101" pitchFamily="2" charset="-122"/>
+              </a:defRPr>
+            </a:lvl3pPr>
+            <a:lvl4pPr algn="l" rtl="0" fontAlgn="base">
+              <a:spcBef>
+                <a:spcPct val="0"/>
+              </a:spcBef>
+              <a:spcAft>
+                <a:spcPct val="0"/>
+              </a:spcAft>
+              <a:defRPr sz="3600">
+                <a:solidFill>
+                  <a:schemeClr val="tx1"/>
+                </a:solidFill>
+                <a:latin typeface="Arial" panose="020B0604020202020204" pitchFamily="34" charset="0"/>
+                <a:ea typeface="SimSun" panose="02010600030101010101" pitchFamily="2" charset="-122"/>
+              </a:defRPr>
+            </a:lvl4pPr>
+            <a:lvl5pPr algn="l" rtl="0" fontAlgn="base">
+              <a:spcBef>
+                <a:spcPct val="0"/>
+              </a:spcBef>
+              <a:spcAft>
+                <a:spcPct val="0"/>
+              </a:spcAft>
+              <a:defRPr sz="3600">
+                <a:solidFill>
+                  <a:schemeClr val="tx1"/>
+                </a:solidFill>
+                <a:latin typeface="Arial" panose="020B0604020202020204" pitchFamily="34" charset="0"/>
+                <a:ea typeface="SimSun" panose="02010600030101010101" pitchFamily="2" charset="-122"/>
+              </a:defRPr>
+            </a:lvl5pPr>
+            <a:lvl6pPr marL="457200" algn="l" rtl="0" fontAlgn="base">
+              <a:spcBef>
+                <a:spcPct val="0"/>
+              </a:spcBef>
+              <a:spcAft>
+                <a:spcPct val="0"/>
+              </a:spcAft>
+              <a:defRPr sz="3600">
+                <a:solidFill>
+                  <a:schemeClr val="tx1"/>
+                </a:solidFill>
+                <a:latin typeface="Arial" panose="020B0604020202020204" pitchFamily="34" charset="0"/>
+                <a:ea typeface="SimSun" panose="02010600030101010101" pitchFamily="2" charset="-122"/>
+              </a:defRPr>
+            </a:lvl6pPr>
+            <a:lvl7pPr marL="914400" algn="l" rtl="0" fontAlgn="base">
+              <a:spcBef>
+                <a:spcPct val="0"/>
+              </a:spcBef>
+              <a:spcAft>
+                <a:spcPct val="0"/>
+              </a:spcAft>
+              <a:defRPr sz="3600">
+                <a:solidFill>
+                  <a:schemeClr val="tx1"/>
+                </a:solidFill>
+                <a:latin typeface="Arial" panose="020B0604020202020204" pitchFamily="34" charset="0"/>
+                <a:ea typeface="SimSun" panose="02010600030101010101" pitchFamily="2" charset="-122"/>
+              </a:defRPr>
+            </a:lvl7pPr>
+            <a:lvl8pPr marL="1371600" algn="l" rtl="0" fontAlgn="base">
+              <a:spcBef>
+                <a:spcPct val="0"/>
+              </a:spcBef>
+              <a:spcAft>
+                <a:spcPct val="0"/>
+              </a:spcAft>
+              <a:defRPr sz="3600">
+                <a:solidFill>
+                  <a:schemeClr val="tx1"/>
+                </a:solidFill>
+                <a:latin typeface="Arial" panose="020B0604020202020204" pitchFamily="34" charset="0"/>
+                <a:ea typeface="SimSun" panose="02010600030101010101" pitchFamily="2" charset="-122"/>
+              </a:defRPr>
+            </a:lvl8pPr>
+            <a:lvl9pPr marL="1828800" algn="l" rtl="0" fontAlgn="base">
+              <a:spcBef>
+                <a:spcPct val="0"/>
+              </a:spcBef>
+              <a:spcAft>
+                <a:spcPct val="0"/>
+              </a:spcAft>
+              <a:defRPr sz="3600">
+                <a:solidFill>
+                  <a:schemeClr val="tx1"/>
+                </a:solidFill>
+                <a:latin typeface="Arial" panose="020B0604020202020204" pitchFamily="34" charset="0"/>
+                <a:ea typeface="SimSun" panose="02010600030101010101" pitchFamily="2" charset="-122"/>
+              </a:defRPr>
+            </a:lvl9pPr>
+          </a:lstStyle>
+          <a:p>
+            <a:r>
+              <a:rPr lang="en-US" altLang="ja-JP" sz="3200" dirty="0">
                 <a:sym typeface="+mn-ea"/>
               </a:rPr>
-              <a:t>go</a:t>
-            </a:r>
+              <a:t>"</a:t>
+            </a:r>
+            <a:r>
+              <a:rPr lang="ja-JP" altLang="en-US" sz="3200">
+                <a:sym typeface="+mn-ea"/>
+              </a:rPr>
+              <a:t>其次也相仿、就是要爱人如己。</a:t>
+            </a:r>
+            <a:r>
+              <a:rPr lang="en-US" altLang="ja-JP" sz="3200" dirty="0">
+                <a:sym typeface="+mn-ea"/>
+              </a:rPr>
+              <a:t>" </a:t>
+            </a:r>
+          </a:p>
+          <a:p>
             <a:r>
               <a:rPr lang="en-US" altLang="zh-CN" sz="3200" dirty="0">
                 <a:solidFill>
@@ -10059,61 +10718,7 @@
                 </a:solidFill>
                 <a:sym typeface="+mn-ea"/>
               </a:rPr>
-              <a:t> and </a:t>
-            </a:r>
-            <a:r>
-              <a:rPr lang="en-US" altLang="zh-CN" sz="3200" b="1" u="sng" dirty="0">
-                <a:solidFill>
-                  <a:schemeClr val="accent2"/>
-                </a:solidFill>
-                <a:sym typeface="+mn-ea"/>
-              </a:rPr>
-              <a:t>make</a:t>
-            </a:r>
-            <a:r>
-              <a:rPr lang="en-US" altLang="zh-CN" sz="3200" dirty="0">
-                <a:solidFill>
-                  <a:schemeClr val="accent2"/>
-                </a:solidFill>
-                <a:sym typeface="+mn-ea"/>
-              </a:rPr>
-              <a:t> disciples of all nations, </a:t>
-            </a:r>
-            <a:r>
-              <a:rPr lang="en-US" altLang="zh-CN" sz="3200" b="1" u="sng" dirty="0">
-                <a:solidFill>
-                  <a:schemeClr val="accent2"/>
-                </a:solidFill>
-                <a:sym typeface="+mn-ea"/>
-              </a:rPr>
-              <a:t>baptizing</a:t>
-            </a:r>
-            <a:r>
-              <a:rPr lang="en-US" altLang="zh-CN" sz="3200" dirty="0">
-                <a:solidFill>
-                  <a:schemeClr val="accent2"/>
-                </a:solidFill>
-                <a:sym typeface="+mn-ea"/>
-              </a:rPr>
-              <a:t> them in the name of the Father and of the Son and of the Holy Spirit, and </a:t>
-            </a:r>
-            <a:r>
-              <a:rPr lang="en-US" altLang="zh-CN" sz="3200" b="1" u="sng" dirty="0">
-                <a:solidFill>
-                  <a:schemeClr val="accent2"/>
-                </a:solidFill>
-                <a:sym typeface="+mn-ea"/>
-              </a:rPr>
-              <a:t>teaching</a:t>
-            </a:r>
-            <a:r>
-              <a:rPr lang="en-US" altLang="zh-CN" sz="3200" dirty="0">
-                <a:solidFill>
-                  <a:schemeClr val="accent2"/>
-                </a:solidFill>
-                <a:sym typeface="+mn-ea"/>
-              </a:rPr>
-              <a:t> them to obey everything I have commanded you. And surely I am with you always, to the very end of the age." (Mat28:19-20 NIV). (G.M.B.T.)</a:t>
+              <a:t>"And the second is like it: 'Love your neighbor as yourself.'" (Mat22:39 NIV)</a:t>
             </a:r>
             <a:endParaRPr lang="zh-CN" altLang="en-US" sz="3200" dirty="0">
               <a:solidFill>
@@ -10127,7 +10732,7 @@
     </p:spTree>
     <p:extLst>
       <p:ext uri="{BB962C8B-B14F-4D97-AF65-F5344CB8AC3E}">
-        <p14:creationId xmlns:p14="http://schemas.microsoft.com/office/powerpoint/2010/main" val="3265053072"/>
+        <p14:creationId xmlns:p14="http://schemas.microsoft.com/office/powerpoint/2010/main" val="1178681887"/>
       </p:ext>
     </p:extLst>
   </p:cSld>
